--- a/Commerce Product Recommendation with Spark ML-PPT.pptx
+++ b/Commerce Product Recommendation with Spark ML-PPT.pptx
@@ -8415,6 +8415,136 @@
       </p:grpSpPr>
       <p:sp>
         <p:nvSpPr>
+          <p:cNvPr id="30" name="矩形 29">
+            <a:extLst>
+              <a:ext uri="{FF2B5EF4-FFF2-40B4-BE49-F238E27FC236}">
+                <a16:creationId xmlns:a16="http://schemas.microsoft.com/office/drawing/2014/main" id="{906E97BD-39EF-E7C0-26EF-40221B9AF113}"/>
+              </a:ext>
+            </a:extLst>
+          </p:cNvPr>
+          <p:cNvSpPr/>
+          <p:nvPr/>
+        </p:nvSpPr>
+        <p:spPr>
+          <a:xfrm>
+            <a:off x="3857625" y="2541431"/>
+            <a:ext cx="4057650" cy="1035683"/>
+          </a:xfrm>
+          <a:prstGeom prst="rect">
+            <a:avLst/>
+          </a:prstGeom>
+          <a:solidFill>
+            <a:srgbClr val="FFFFFF">
+              <a:alpha val="0"/>
+            </a:srgbClr>
+          </a:solidFill>
+        </p:spPr>
+        <p:style>
+          <a:lnRef idx="2">
+            <a:schemeClr val="accent1">
+              <a:shade val="15000"/>
+            </a:schemeClr>
+          </a:lnRef>
+          <a:fillRef idx="1">
+            <a:schemeClr val="accent1"/>
+          </a:fillRef>
+          <a:effectRef idx="0">
+            <a:schemeClr val="accent1"/>
+          </a:effectRef>
+          <a:fontRef idx="minor">
+            <a:schemeClr val="lt1"/>
+          </a:fontRef>
+        </p:style>
+        <p:txBody>
+          <a:bodyPr rtlCol="0" anchor="t"/>
+          <a:lstStyle/>
+          <a:p>
+            <a:pPr algn="ctr"/>
+            <a:r>
+              <a:rPr kumimoji="1" lang="en-US" altLang="zh-CN" dirty="0">
+                <a:solidFill>
+                  <a:schemeClr val="tx1"/>
+                </a:solidFill>
+              </a:rPr>
+              <a:t>Data</a:t>
+            </a:r>
+            <a:r>
+              <a:rPr kumimoji="1" lang="zh-CN" altLang="en-US" dirty="0">
+                <a:solidFill>
+                  <a:schemeClr val="tx1"/>
+                </a:solidFill>
+              </a:rPr>
+              <a:t> </a:t>
+            </a:r>
+            <a:r>
+              <a:rPr kumimoji="1" lang="en-US" altLang="zh-CN" dirty="0">
+                <a:solidFill>
+                  <a:schemeClr val="tx1"/>
+                </a:solidFill>
+              </a:rPr>
+              <a:t>Process</a:t>
+            </a:r>
+            <a:endParaRPr kumimoji="1" lang="zh-CN" altLang="en-US" dirty="0">
+              <a:solidFill>
+                <a:schemeClr val="tx1"/>
+              </a:solidFill>
+            </a:endParaRPr>
+          </a:p>
+        </p:txBody>
+      </p:sp>
+      <p:sp>
+        <p:nvSpPr>
+          <p:cNvPr id="23" name="矩形 22">
+            <a:extLst>
+              <a:ext uri="{FF2B5EF4-FFF2-40B4-BE49-F238E27FC236}">
+                <a16:creationId xmlns:a16="http://schemas.microsoft.com/office/drawing/2014/main" id="{A05B78E1-5FD4-1C31-FC25-A40A74485A76}"/>
+              </a:ext>
+            </a:extLst>
+          </p:cNvPr>
+          <p:cNvSpPr/>
+          <p:nvPr/>
+        </p:nvSpPr>
+        <p:spPr>
+          <a:xfrm>
+            <a:off x="3467595" y="2301907"/>
+            <a:ext cx="4845132" cy="3453939"/>
+          </a:xfrm>
+          <a:prstGeom prst="rect">
+            <a:avLst/>
+          </a:prstGeom>
+          <a:solidFill>
+            <a:srgbClr val="FFFFFF">
+              <a:alpha val="0"/>
+            </a:srgbClr>
+          </a:solidFill>
+        </p:spPr>
+        <p:style>
+          <a:lnRef idx="2">
+            <a:schemeClr val="accent1">
+              <a:shade val="15000"/>
+            </a:schemeClr>
+          </a:lnRef>
+          <a:fillRef idx="1">
+            <a:schemeClr val="accent1"/>
+          </a:fillRef>
+          <a:effectRef idx="0">
+            <a:schemeClr val="accent1"/>
+          </a:effectRef>
+          <a:fontRef idx="minor">
+            <a:schemeClr val="lt1"/>
+          </a:fontRef>
+        </p:style>
+        <p:txBody>
+          <a:bodyPr rtlCol="0" anchor="ctr"/>
+          <a:lstStyle/>
+          <a:p>
+            <a:pPr algn="ctr"/>
+            <a:endParaRPr kumimoji="1" lang="zh-CN" altLang="en-US"/>
+          </a:p>
+        </p:txBody>
+      </p:sp>
+      <p:sp>
+        <p:nvSpPr>
           <p:cNvPr id="2" name="标题 1">
             <a:extLst>
               <a:ext uri="{FF2B5EF4-FFF2-40B4-BE49-F238E27FC236}">
@@ -8435,37 +8565,2132 @@
           <a:lstStyle/>
           <a:p>
             <a:r>
-              <a:rPr kumimoji="1" lang="zh-CN" altLang="en-US" dirty="0"/>
-              <a:t>实现框架</a:t>
-            </a:r>
+              <a:rPr kumimoji="1" lang="en-US" altLang="zh-CN" b="1" dirty="0"/>
+              <a:t>System</a:t>
+            </a:r>
+            <a:r>
+              <a:rPr kumimoji="1" lang="zh-CN" altLang="en-US" b="1" dirty="0"/>
+              <a:t> </a:t>
+            </a:r>
+            <a:r>
+              <a:rPr kumimoji="1" lang="en-US" altLang="zh-CN" b="1" dirty="0"/>
+              <a:t>Architecture</a:t>
+            </a:r>
+            <a:endParaRPr kumimoji="1" lang="zh-CN" altLang="en-US" b="1" dirty="0"/>
           </a:p>
         </p:txBody>
       </p:sp>
       <p:sp>
         <p:nvSpPr>
-          <p:cNvPr id="3" name="内容占位符 2">
+          <p:cNvPr id="4" name="Rectangle 1">
             <a:extLst>
               <a:ext uri="{FF2B5EF4-FFF2-40B4-BE49-F238E27FC236}">
-                <a16:creationId xmlns:a16="http://schemas.microsoft.com/office/drawing/2014/main" id="{391F0478-9641-8E79-68B1-0ADC08F59233}"/>
+                <a16:creationId xmlns:a16="http://schemas.microsoft.com/office/drawing/2014/main" id="{1F929C7A-24A7-02AF-70C1-33B451C49C87}"/>
               </a:ext>
             </a:extLst>
           </p:cNvPr>
-          <p:cNvSpPr>
-            <a:spLocks noGrp="1"/>
-          </p:cNvSpPr>
-          <p:nvPr>
-            <p:ph idx="1"/>
-          </p:nvPr>
+          <p:cNvSpPr/>
+          <p:nvPr/>
         </p:nvSpPr>
-        <p:spPr/>
+        <p:spPr>
+          <a:xfrm>
+            <a:off x="4115264" y="1591553"/>
+            <a:ext cx="1186543" cy="344978"/>
+          </a:xfrm>
+          <a:prstGeom prst="rect">
+            <a:avLst/>
+          </a:prstGeom>
+          <a:solidFill>
+            <a:srgbClr val="5B9BD5"/>
+          </a:solidFill>
+          <a:ln>
+            <a:solidFill>
+              <a:srgbClr val="000000"/>
+            </a:solidFill>
+          </a:ln>
+        </p:spPr>
+        <p:style>
+          <a:lnRef idx="1">
+            <a:schemeClr val="accent1"/>
+          </a:lnRef>
+          <a:fillRef idx="3">
+            <a:schemeClr val="accent1"/>
+          </a:fillRef>
+          <a:effectRef idx="2">
+            <a:schemeClr val="accent1"/>
+          </a:effectRef>
+          <a:fontRef idx="minor">
+            <a:schemeClr val="lt1"/>
+          </a:fontRef>
+        </p:style>
         <p:txBody>
-          <a:bodyPr/>
-          <a:lstStyle/>
-          <a:p>
-            <a:endParaRPr kumimoji="1" lang="zh-CN" altLang="en-US"/>
+          <a:bodyPr rtlCol="0" anchor="ctr"/>
+          <a:lstStyle>
+            <a:defPPr>
+              <a:defRPr lang="en-US"/>
+            </a:defPPr>
+            <a:lvl1pPr marL="0" algn="l" defTabSz="457200" rtl="0" eaLnBrk="1" latinLnBrk="0" hangingPunct="1">
+              <a:defRPr sz="1800" kern="1200">
+                <a:solidFill>
+                  <a:schemeClr val="lt1"/>
+                </a:solidFill>
+                <a:latin typeface="+mn-lt"/>
+                <a:ea typeface="+mn-ea"/>
+                <a:cs typeface="+mn-cs"/>
+              </a:defRPr>
+            </a:lvl1pPr>
+            <a:lvl2pPr marL="457200" algn="l" defTabSz="457200" rtl="0" eaLnBrk="1" latinLnBrk="0" hangingPunct="1">
+              <a:defRPr sz="1800" kern="1200">
+                <a:solidFill>
+                  <a:schemeClr val="lt1"/>
+                </a:solidFill>
+                <a:latin typeface="+mn-lt"/>
+                <a:ea typeface="+mn-ea"/>
+                <a:cs typeface="+mn-cs"/>
+              </a:defRPr>
+            </a:lvl2pPr>
+            <a:lvl3pPr marL="914400" algn="l" defTabSz="457200" rtl="0" eaLnBrk="1" latinLnBrk="0" hangingPunct="1">
+              <a:defRPr sz="1800" kern="1200">
+                <a:solidFill>
+                  <a:schemeClr val="lt1"/>
+                </a:solidFill>
+                <a:latin typeface="+mn-lt"/>
+                <a:ea typeface="+mn-ea"/>
+                <a:cs typeface="+mn-cs"/>
+              </a:defRPr>
+            </a:lvl3pPr>
+            <a:lvl4pPr marL="1371600" algn="l" defTabSz="457200" rtl="0" eaLnBrk="1" latinLnBrk="0" hangingPunct="1">
+              <a:defRPr sz="1800" kern="1200">
+                <a:solidFill>
+                  <a:schemeClr val="lt1"/>
+                </a:solidFill>
+                <a:latin typeface="+mn-lt"/>
+                <a:ea typeface="+mn-ea"/>
+                <a:cs typeface="+mn-cs"/>
+              </a:defRPr>
+            </a:lvl4pPr>
+            <a:lvl5pPr marL="1828800" algn="l" defTabSz="457200" rtl="0" eaLnBrk="1" latinLnBrk="0" hangingPunct="1">
+              <a:defRPr sz="1800" kern="1200">
+                <a:solidFill>
+                  <a:schemeClr val="lt1"/>
+                </a:solidFill>
+                <a:latin typeface="+mn-lt"/>
+                <a:ea typeface="+mn-ea"/>
+                <a:cs typeface="+mn-cs"/>
+              </a:defRPr>
+            </a:lvl5pPr>
+            <a:lvl6pPr marL="2286000" algn="l" defTabSz="457200" rtl="0" eaLnBrk="1" latinLnBrk="0" hangingPunct="1">
+              <a:defRPr sz="1800" kern="1200">
+                <a:solidFill>
+                  <a:schemeClr val="lt1"/>
+                </a:solidFill>
+                <a:latin typeface="+mn-lt"/>
+                <a:ea typeface="+mn-ea"/>
+                <a:cs typeface="+mn-cs"/>
+              </a:defRPr>
+            </a:lvl6pPr>
+            <a:lvl7pPr marL="2743200" algn="l" defTabSz="457200" rtl="0" eaLnBrk="1" latinLnBrk="0" hangingPunct="1">
+              <a:defRPr sz="1800" kern="1200">
+                <a:solidFill>
+                  <a:schemeClr val="lt1"/>
+                </a:solidFill>
+                <a:latin typeface="+mn-lt"/>
+                <a:ea typeface="+mn-ea"/>
+                <a:cs typeface="+mn-cs"/>
+              </a:defRPr>
+            </a:lvl7pPr>
+            <a:lvl8pPr marL="3200400" algn="l" defTabSz="457200" rtl="0" eaLnBrk="1" latinLnBrk="0" hangingPunct="1">
+              <a:defRPr sz="1800" kern="1200">
+                <a:solidFill>
+                  <a:schemeClr val="lt1"/>
+                </a:solidFill>
+                <a:latin typeface="+mn-lt"/>
+                <a:ea typeface="+mn-ea"/>
+                <a:cs typeface="+mn-cs"/>
+              </a:defRPr>
+            </a:lvl8pPr>
+            <a:lvl9pPr marL="3657600" algn="l" defTabSz="457200" rtl="0" eaLnBrk="1" latinLnBrk="0" hangingPunct="1">
+              <a:defRPr sz="1800" kern="1200">
+                <a:solidFill>
+                  <a:schemeClr val="lt1"/>
+                </a:solidFill>
+                <a:latin typeface="+mn-lt"/>
+                <a:ea typeface="+mn-ea"/>
+                <a:cs typeface="+mn-cs"/>
+              </a:defRPr>
+            </a:lvl9pPr>
+          </a:lstStyle>
+          <a:p>
+            <a:pPr algn="ctr">
+              <a:defRPr sz="1400" b="1">
+                <a:solidFill>
+                  <a:srgbClr val="FFFFFF"/>
+                </a:solidFill>
+              </a:defRPr>
+            </a:pPr>
+            <a:r>
+              <a:rPr dirty="0"/>
+              <a:t>User</a:t>
+            </a:r>
           </a:p>
         </p:txBody>
       </p:sp>
+      <p:sp>
+        <p:nvSpPr>
+          <p:cNvPr id="5" name="Rectangle 2">
+            <a:extLst>
+              <a:ext uri="{FF2B5EF4-FFF2-40B4-BE49-F238E27FC236}">
+                <a16:creationId xmlns:a16="http://schemas.microsoft.com/office/drawing/2014/main" id="{48D92950-523B-D059-DBB8-625B20598804}"/>
+              </a:ext>
+            </a:extLst>
+          </p:cNvPr>
+          <p:cNvSpPr/>
+          <p:nvPr/>
+        </p:nvSpPr>
+        <p:spPr>
+          <a:xfrm>
+            <a:off x="6288975" y="1587185"/>
+            <a:ext cx="1186543" cy="344978"/>
+          </a:xfrm>
+          <a:prstGeom prst="rect">
+            <a:avLst/>
+          </a:prstGeom>
+          <a:solidFill>
+            <a:srgbClr val="5B9BD5"/>
+          </a:solidFill>
+          <a:ln>
+            <a:solidFill>
+              <a:srgbClr val="000000"/>
+            </a:solidFill>
+          </a:ln>
+        </p:spPr>
+        <p:style>
+          <a:lnRef idx="1">
+            <a:schemeClr val="accent1"/>
+          </a:lnRef>
+          <a:fillRef idx="3">
+            <a:schemeClr val="accent1"/>
+          </a:fillRef>
+          <a:effectRef idx="2">
+            <a:schemeClr val="accent1"/>
+          </a:effectRef>
+          <a:fontRef idx="minor">
+            <a:schemeClr val="lt1"/>
+          </a:fontRef>
+        </p:style>
+        <p:txBody>
+          <a:bodyPr rtlCol="0" anchor="ctr"/>
+          <a:lstStyle>
+            <a:defPPr>
+              <a:defRPr lang="en-US"/>
+            </a:defPPr>
+            <a:lvl1pPr marL="0" algn="l" defTabSz="457200" rtl="0" eaLnBrk="1" latinLnBrk="0" hangingPunct="1">
+              <a:defRPr sz="1800" kern="1200">
+                <a:solidFill>
+                  <a:schemeClr val="lt1"/>
+                </a:solidFill>
+                <a:latin typeface="+mn-lt"/>
+                <a:ea typeface="+mn-ea"/>
+                <a:cs typeface="+mn-cs"/>
+              </a:defRPr>
+            </a:lvl1pPr>
+            <a:lvl2pPr marL="457200" algn="l" defTabSz="457200" rtl="0" eaLnBrk="1" latinLnBrk="0" hangingPunct="1">
+              <a:defRPr sz="1800" kern="1200">
+                <a:solidFill>
+                  <a:schemeClr val="lt1"/>
+                </a:solidFill>
+                <a:latin typeface="+mn-lt"/>
+                <a:ea typeface="+mn-ea"/>
+                <a:cs typeface="+mn-cs"/>
+              </a:defRPr>
+            </a:lvl2pPr>
+            <a:lvl3pPr marL="914400" algn="l" defTabSz="457200" rtl="0" eaLnBrk="1" latinLnBrk="0" hangingPunct="1">
+              <a:defRPr sz="1800" kern="1200">
+                <a:solidFill>
+                  <a:schemeClr val="lt1"/>
+                </a:solidFill>
+                <a:latin typeface="+mn-lt"/>
+                <a:ea typeface="+mn-ea"/>
+                <a:cs typeface="+mn-cs"/>
+              </a:defRPr>
+            </a:lvl3pPr>
+            <a:lvl4pPr marL="1371600" algn="l" defTabSz="457200" rtl="0" eaLnBrk="1" latinLnBrk="0" hangingPunct="1">
+              <a:defRPr sz="1800" kern="1200">
+                <a:solidFill>
+                  <a:schemeClr val="lt1"/>
+                </a:solidFill>
+                <a:latin typeface="+mn-lt"/>
+                <a:ea typeface="+mn-ea"/>
+                <a:cs typeface="+mn-cs"/>
+              </a:defRPr>
+            </a:lvl4pPr>
+            <a:lvl5pPr marL="1828800" algn="l" defTabSz="457200" rtl="0" eaLnBrk="1" latinLnBrk="0" hangingPunct="1">
+              <a:defRPr sz="1800" kern="1200">
+                <a:solidFill>
+                  <a:schemeClr val="lt1"/>
+                </a:solidFill>
+                <a:latin typeface="+mn-lt"/>
+                <a:ea typeface="+mn-ea"/>
+                <a:cs typeface="+mn-cs"/>
+              </a:defRPr>
+            </a:lvl5pPr>
+            <a:lvl6pPr marL="2286000" algn="l" defTabSz="457200" rtl="0" eaLnBrk="1" latinLnBrk="0" hangingPunct="1">
+              <a:defRPr sz="1800" kern="1200">
+                <a:solidFill>
+                  <a:schemeClr val="lt1"/>
+                </a:solidFill>
+                <a:latin typeface="+mn-lt"/>
+                <a:ea typeface="+mn-ea"/>
+                <a:cs typeface="+mn-cs"/>
+              </a:defRPr>
+            </a:lvl6pPr>
+            <a:lvl7pPr marL="2743200" algn="l" defTabSz="457200" rtl="0" eaLnBrk="1" latinLnBrk="0" hangingPunct="1">
+              <a:defRPr sz="1800" kern="1200">
+                <a:solidFill>
+                  <a:schemeClr val="lt1"/>
+                </a:solidFill>
+                <a:latin typeface="+mn-lt"/>
+                <a:ea typeface="+mn-ea"/>
+                <a:cs typeface="+mn-cs"/>
+              </a:defRPr>
+            </a:lvl7pPr>
+            <a:lvl8pPr marL="3200400" algn="l" defTabSz="457200" rtl="0" eaLnBrk="1" latinLnBrk="0" hangingPunct="1">
+              <a:defRPr sz="1800" kern="1200">
+                <a:solidFill>
+                  <a:schemeClr val="lt1"/>
+                </a:solidFill>
+                <a:latin typeface="+mn-lt"/>
+                <a:ea typeface="+mn-ea"/>
+                <a:cs typeface="+mn-cs"/>
+              </a:defRPr>
+            </a:lvl8pPr>
+            <a:lvl9pPr marL="3657600" algn="l" defTabSz="457200" rtl="0" eaLnBrk="1" latinLnBrk="0" hangingPunct="1">
+              <a:defRPr sz="1800" kern="1200">
+                <a:solidFill>
+                  <a:schemeClr val="lt1"/>
+                </a:solidFill>
+                <a:latin typeface="+mn-lt"/>
+                <a:ea typeface="+mn-ea"/>
+                <a:cs typeface="+mn-cs"/>
+              </a:defRPr>
+            </a:lvl9pPr>
+          </a:lstStyle>
+          <a:p>
+            <a:pPr algn="ctr">
+              <a:defRPr sz="1400" b="1">
+                <a:solidFill>
+                  <a:srgbClr val="FFFFFF"/>
+                </a:solidFill>
+              </a:defRPr>
+            </a:pPr>
+            <a:r>
+              <a:rPr dirty="0"/>
+              <a:t>Product</a:t>
+            </a:r>
+          </a:p>
+        </p:txBody>
+      </p:sp>
+      <p:sp>
+        <p:nvSpPr>
+          <p:cNvPr id="10" name="Rectangle 7">
+            <a:extLst>
+              <a:ext uri="{FF2B5EF4-FFF2-40B4-BE49-F238E27FC236}">
+                <a16:creationId xmlns:a16="http://schemas.microsoft.com/office/drawing/2014/main" id="{5C38B30B-AA57-C226-FA5C-E31A3DD1B2FC}"/>
+              </a:ext>
+            </a:extLst>
+          </p:cNvPr>
+          <p:cNvSpPr/>
+          <p:nvPr/>
+        </p:nvSpPr>
+        <p:spPr>
+          <a:xfrm>
+            <a:off x="5356208" y="5933738"/>
+            <a:ext cx="1375312" cy="262571"/>
+          </a:xfrm>
+          <a:prstGeom prst="rect">
+            <a:avLst/>
+          </a:prstGeom>
+          <a:solidFill>
+            <a:srgbClr val="7030A0"/>
+          </a:solidFill>
+          <a:ln>
+            <a:solidFill>
+              <a:srgbClr val="000000"/>
+            </a:solidFill>
+          </a:ln>
+        </p:spPr>
+        <p:style>
+          <a:lnRef idx="1">
+            <a:schemeClr val="accent1"/>
+          </a:lnRef>
+          <a:fillRef idx="3">
+            <a:schemeClr val="accent1"/>
+          </a:fillRef>
+          <a:effectRef idx="2">
+            <a:schemeClr val="accent1"/>
+          </a:effectRef>
+          <a:fontRef idx="minor">
+            <a:schemeClr val="lt1"/>
+          </a:fontRef>
+        </p:style>
+        <p:txBody>
+          <a:bodyPr rtlCol="0" anchor="ctr"/>
+          <a:lstStyle>
+            <a:defPPr>
+              <a:defRPr lang="en-US"/>
+            </a:defPPr>
+            <a:lvl1pPr marL="0" algn="l" defTabSz="457200" rtl="0" eaLnBrk="1" latinLnBrk="0" hangingPunct="1">
+              <a:defRPr sz="1800" kern="1200">
+                <a:solidFill>
+                  <a:schemeClr val="lt1"/>
+                </a:solidFill>
+                <a:latin typeface="+mn-lt"/>
+                <a:ea typeface="+mn-ea"/>
+                <a:cs typeface="+mn-cs"/>
+              </a:defRPr>
+            </a:lvl1pPr>
+            <a:lvl2pPr marL="457200" algn="l" defTabSz="457200" rtl="0" eaLnBrk="1" latinLnBrk="0" hangingPunct="1">
+              <a:defRPr sz="1800" kern="1200">
+                <a:solidFill>
+                  <a:schemeClr val="lt1"/>
+                </a:solidFill>
+                <a:latin typeface="+mn-lt"/>
+                <a:ea typeface="+mn-ea"/>
+                <a:cs typeface="+mn-cs"/>
+              </a:defRPr>
+            </a:lvl2pPr>
+            <a:lvl3pPr marL="914400" algn="l" defTabSz="457200" rtl="0" eaLnBrk="1" latinLnBrk="0" hangingPunct="1">
+              <a:defRPr sz="1800" kern="1200">
+                <a:solidFill>
+                  <a:schemeClr val="lt1"/>
+                </a:solidFill>
+                <a:latin typeface="+mn-lt"/>
+                <a:ea typeface="+mn-ea"/>
+                <a:cs typeface="+mn-cs"/>
+              </a:defRPr>
+            </a:lvl3pPr>
+            <a:lvl4pPr marL="1371600" algn="l" defTabSz="457200" rtl="0" eaLnBrk="1" latinLnBrk="0" hangingPunct="1">
+              <a:defRPr sz="1800" kern="1200">
+                <a:solidFill>
+                  <a:schemeClr val="lt1"/>
+                </a:solidFill>
+                <a:latin typeface="+mn-lt"/>
+                <a:ea typeface="+mn-ea"/>
+                <a:cs typeface="+mn-cs"/>
+              </a:defRPr>
+            </a:lvl4pPr>
+            <a:lvl5pPr marL="1828800" algn="l" defTabSz="457200" rtl="0" eaLnBrk="1" latinLnBrk="0" hangingPunct="1">
+              <a:defRPr sz="1800" kern="1200">
+                <a:solidFill>
+                  <a:schemeClr val="lt1"/>
+                </a:solidFill>
+                <a:latin typeface="+mn-lt"/>
+                <a:ea typeface="+mn-ea"/>
+                <a:cs typeface="+mn-cs"/>
+              </a:defRPr>
+            </a:lvl5pPr>
+            <a:lvl6pPr marL="2286000" algn="l" defTabSz="457200" rtl="0" eaLnBrk="1" latinLnBrk="0" hangingPunct="1">
+              <a:defRPr sz="1800" kern="1200">
+                <a:solidFill>
+                  <a:schemeClr val="lt1"/>
+                </a:solidFill>
+                <a:latin typeface="+mn-lt"/>
+                <a:ea typeface="+mn-ea"/>
+                <a:cs typeface="+mn-cs"/>
+              </a:defRPr>
+            </a:lvl6pPr>
+            <a:lvl7pPr marL="2743200" algn="l" defTabSz="457200" rtl="0" eaLnBrk="1" latinLnBrk="0" hangingPunct="1">
+              <a:defRPr sz="1800" kern="1200">
+                <a:solidFill>
+                  <a:schemeClr val="lt1"/>
+                </a:solidFill>
+                <a:latin typeface="+mn-lt"/>
+                <a:ea typeface="+mn-ea"/>
+                <a:cs typeface="+mn-cs"/>
+              </a:defRPr>
+            </a:lvl7pPr>
+            <a:lvl8pPr marL="3200400" algn="l" defTabSz="457200" rtl="0" eaLnBrk="1" latinLnBrk="0" hangingPunct="1">
+              <a:defRPr sz="1800" kern="1200">
+                <a:solidFill>
+                  <a:schemeClr val="lt1"/>
+                </a:solidFill>
+                <a:latin typeface="+mn-lt"/>
+                <a:ea typeface="+mn-ea"/>
+                <a:cs typeface="+mn-cs"/>
+              </a:defRPr>
+            </a:lvl8pPr>
+            <a:lvl9pPr marL="3657600" algn="l" defTabSz="457200" rtl="0" eaLnBrk="1" latinLnBrk="0" hangingPunct="1">
+              <a:defRPr sz="1800" kern="1200">
+                <a:solidFill>
+                  <a:schemeClr val="lt1"/>
+                </a:solidFill>
+                <a:latin typeface="+mn-lt"/>
+                <a:ea typeface="+mn-ea"/>
+                <a:cs typeface="+mn-cs"/>
+              </a:defRPr>
+            </a:lvl9pPr>
+          </a:lstStyle>
+          <a:p>
+            <a:pPr algn="ctr">
+              <a:defRPr sz="1400" b="1">
+                <a:solidFill>
+                  <a:srgbClr val="FFFFFF"/>
+                </a:solidFill>
+              </a:defRPr>
+            </a:pPr>
+            <a:r>
+              <a:rPr dirty="0"/>
+              <a:t>SQL Query</a:t>
+            </a:r>
+          </a:p>
+        </p:txBody>
+      </p:sp>
+      <p:sp>
+        <p:nvSpPr>
+          <p:cNvPr id="11" name="Rectangle 8">
+            <a:extLst>
+              <a:ext uri="{FF2B5EF4-FFF2-40B4-BE49-F238E27FC236}">
+                <a16:creationId xmlns:a16="http://schemas.microsoft.com/office/drawing/2014/main" id="{14B04582-3AF7-1781-0865-3AB7BD508F94}"/>
+              </a:ext>
+            </a:extLst>
+          </p:cNvPr>
+          <p:cNvSpPr/>
+          <p:nvPr/>
+        </p:nvSpPr>
+        <p:spPr>
+          <a:xfrm>
+            <a:off x="3581400" y="6435833"/>
+            <a:ext cx="1932634" cy="262572"/>
+          </a:xfrm>
+          <a:prstGeom prst="rect">
+            <a:avLst/>
+          </a:prstGeom>
+          <a:solidFill>
+            <a:srgbClr val="2E75B6"/>
+          </a:solidFill>
+          <a:ln>
+            <a:solidFill>
+              <a:srgbClr val="000000"/>
+            </a:solidFill>
+          </a:ln>
+        </p:spPr>
+        <p:style>
+          <a:lnRef idx="1">
+            <a:schemeClr val="accent1"/>
+          </a:lnRef>
+          <a:fillRef idx="3">
+            <a:schemeClr val="accent1"/>
+          </a:fillRef>
+          <a:effectRef idx="2">
+            <a:schemeClr val="accent1"/>
+          </a:effectRef>
+          <a:fontRef idx="minor">
+            <a:schemeClr val="lt1"/>
+          </a:fontRef>
+        </p:style>
+        <p:txBody>
+          <a:bodyPr rtlCol="0" anchor="ctr"/>
+          <a:lstStyle>
+            <a:defPPr>
+              <a:defRPr lang="en-US"/>
+            </a:defPPr>
+            <a:lvl1pPr marL="0" algn="l" defTabSz="457200" rtl="0" eaLnBrk="1" latinLnBrk="0" hangingPunct="1">
+              <a:defRPr sz="1800" kern="1200">
+                <a:solidFill>
+                  <a:schemeClr val="lt1"/>
+                </a:solidFill>
+                <a:latin typeface="+mn-lt"/>
+                <a:ea typeface="+mn-ea"/>
+                <a:cs typeface="+mn-cs"/>
+              </a:defRPr>
+            </a:lvl1pPr>
+            <a:lvl2pPr marL="457200" algn="l" defTabSz="457200" rtl="0" eaLnBrk="1" latinLnBrk="0" hangingPunct="1">
+              <a:defRPr sz="1800" kern="1200">
+                <a:solidFill>
+                  <a:schemeClr val="lt1"/>
+                </a:solidFill>
+                <a:latin typeface="+mn-lt"/>
+                <a:ea typeface="+mn-ea"/>
+                <a:cs typeface="+mn-cs"/>
+              </a:defRPr>
+            </a:lvl2pPr>
+            <a:lvl3pPr marL="914400" algn="l" defTabSz="457200" rtl="0" eaLnBrk="1" latinLnBrk="0" hangingPunct="1">
+              <a:defRPr sz="1800" kern="1200">
+                <a:solidFill>
+                  <a:schemeClr val="lt1"/>
+                </a:solidFill>
+                <a:latin typeface="+mn-lt"/>
+                <a:ea typeface="+mn-ea"/>
+                <a:cs typeface="+mn-cs"/>
+              </a:defRPr>
+            </a:lvl3pPr>
+            <a:lvl4pPr marL="1371600" algn="l" defTabSz="457200" rtl="0" eaLnBrk="1" latinLnBrk="0" hangingPunct="1">
+              <a:defRPr sz="1800" kern="1200">
+                <a:solidFill>
+                  <a:schemeClr val="lt1"/>
+                </a:solidFill>
+                <a:latin typeface="+mn-lt"/>
+                <a:ea typeface="+mn-ea"/>
+                <a:cs typeface="+mn-cs"/>
+              </a:defRPr>
+            </a:lvl4pPr>
+            <a:lvl5pPr marL="1828800" algn="l" defTabSz="457200" rtl="0" eaLnBrk="1" latinLnBrk="0" hangingPunct="1">
+              <a:defRPr sz="1800" kern="1200">
+                <a:solidFill>
+                  <a:schemeClr val="lt1"/>
+                </a:solidFill>
+                <a:latin typeface="+mn-lt"/>
+                <a:ea typeface="+mn-ea"/>
+                <a:cs typeface="+mn-cs"/>
+              </a:defRPr>
+            </a:lvl5pPr>
+            <a:lvl6pPr marL="2286000" algn="l" defTabSz="457200" rtl="0" eaLnBrk="1" latinLnBrk="0" hangingPunct="1">
+              <a:defRPr sz="1800" kern="1200">
+                <a:solidFill>
+                  <a:schemeClr val="lt1"/>
+                </a:solidFill>
+                <a:latin typeface="+mn-lt"/>
+                <a:ea typeface="+mn-ea"/>
+                <a:cs typeface="+mn-cs"/>
+              </a:defRPr>
+            </a:lvl6pPr>
+            <a:lvl7pPr marL="2743200" algn="l" defTabSz="457200" rtl="0" eaLnBrk="1" latinLnBrk="0" hangingPunct="1">
+              <a:defRPr sz="1800" kern="1200">
+                <a:solidFill>
+                  <a:schemeClr val="lt1"/>
+                </a:solidFill>
+                <a:latin typeface="+mn-lt"/>
+                <a:ea typeface="+mn-ea"/>
+                <a:cs typeface="+mn-cs"/>
+              </a:defRPr>
+            </a:lvl7pPr>
+            <a:lvl8pPr marL="3200400" algn="l" defTabSz="457200" rtl="0" eaLnBrk="1" latinLnBrk="0" hangingPunct="1">
+              <a:defRPr sz="1800" kern="1200">
+                <a:solidFill>
+                  <a:schemeClr val="lt1"/>
+                </a:solidFill>
+                <a:latin typeface="+mn-lt"/>
+                <a:ea typeface="+mn-ea"/>
+                <a:cs typeface="+mn-cs"/>
+              </a:defRPr>
+            </a:lvl8pPr>
+            <a:lvl9pPr marL="3657600" algn="l" defTabSz="457200" rtl="0" eaLnBrk="1" latinLnBrk="0" hangingPunct="1">
+              <a:defRPr sz="1800" kern="1200">
+                <a:solidFill>
+                  <a:schemeClr val="lt1"/>
+                </a:solidFill>
+                <a:latin typeface="+mn-lt"/>
+                <a:ea typeface="+mn-ea"/>
+                <a:cs typeface="+mn-cs"/>
+              </a:defRPr>
+            </a:lvl9pPr>
+          </a:lstStyle>
+          <a:p>
+            <a:pPr algn="ctr">
+              <a:defRPr sz="1400" b="1">
+                <a:solidFill>
+                  <a:srgbClr val="FFFFFF"/>
+                </a:solidFill>
+              </a:defRPr>
+            </a:pPr>
+            <a:r>
+              <a:t>User-Product Output</a:t>
+            </a:r>
+          </a:p>
+        </p:txBody>
+      </p:sp>
+      <p:sp>
+        <p:nvSpPr>
+          <p:cNvPr id="12" name="Rectangle 9">
+            <a:extLst>
+              <a:ext uri="{FF2B5EF4-FFF2-40B4-BE49-F238E27FC236}">
+                <a16:creationId xmlns:a16="http://schemas.microsoft.com/office/drawing/2014/main" id="{5A12C55B-DD13-3EF8-28FE-F8786BB1C11A}"/>
+              </a:ext>
+            </a:extLst>
+          </p:cNvPr>
+          <p:cNvSpPr/>
+          <p:nvPr/>
+        </p:nvSpPr>
+        <p:spPr>
+          <a:xfrm>
+            <a:off x="6496056" y="6435833"/>
+            <a:ext cx="1988127" cy="262572"/>
+          </a:xfrm>
+          <a:prstGeom prst="rect">
+            <a:avLst/>
+          </a:prstGeom>
+          <a:solidFill>
+            <a:srgbClr val="2E75B6"/>
+          </a:solidFill>
+          <a:ln>
+            <a:solidFill>
+              <a:srgbClr val="000000"/>
+            </a:solidFill>
+          </a:ln>
+        </p:spPr>
+        <p:style>
+          <a:lnRef idx="1">
+            <a:schemeClr val="accent1"/>
+          </a:lnRef>
+          <a:fillRef idx="3">
+            <a:schemeClr val="accent1"/>
+          </a:fillRef>
+          <a:effectRef idx="2">
+            <a:schemeClr val="accent1"/>
+          </a:effectRef>
+          <a:fontRef idx="minor">
+            <a:schemeClr val="lt1"/>
+          </a:fontRef>
+        </p:style>
+        <p:txBody>
+          <a:bodyPr rtlCol="0" anchor="ctr"/>
+          <a:lstStyle>
+            <a:defPPr>
+              <a:defRPr lang="en-US"/>
+            </a:defPPr>
+            <a:lvl1pPr marL="0" algn="l" defTabSz="457200" rtl="0" eaLnBrk="1" latinLnBrk="0" hangingPunct="1">
+              <a:defRPr sz="1800" kern="1200">
+                <a:solidFill>
+                  <a:schemeClr val="lt1"/>
+                </a:solidFill>
+                <a:latin typeface="+mn-lt"/>
+                <a:ea typeface="+mn-ea"/>
+                <a:cs typeface="+mn-cs"/>
+              </a:defRPr>
+            </a:lvl1pPr>
+            <a:lvl2pPr marL="457200" algn="l" defTabSz="457200" rtl="0" eaLnBrk="1" latinLnBrk="0" hangingPunct="1">
+              <a:defRPr sz="1800" kern="1200">
+                <a:solidFill>
+                  <a:schemeClr val="lt1"/>
+                </a:solidFill>
+                <a:latin typeface="+mn-lt"/>
+                <a:ea typeface="+mn-ea"/>
+                <a:cs typeface="+mn-cs"/>
+              </a:defRPr>
+            </a:lvl2pPr>
+            <a:lvl3pPr marL="914400" algn="l" defTabSz="457200" rtl="0" eaLnBrk="1" latinLnBrk="0" hangingPunct="1">
+              <a:defRPr sz="1800" kern="1200">
+                <a:solidFill>
+                  <a:schemeClr val="lt1"/>
+                </a:solidFill>
+                <a:latin typeface="+mn-lt"/>
+                <a:ea typeface="+mn-ea"/>
+                <a:cs typeface="+mn-cs"/>
+              </a:defRPr>
+            </a:lvl3pPr>
+            <a:lvl4pPr marL="1371600" algn="l" defTabSz="457200" rtl="0" eaLnBrk="1" latinLnBrk="0" hangingPunct="1">
+              <a:defRPr sz="1800" kern="1200">
+                <a:solidFill>
+                  <a:schemeClr val="lt1"/>
+                </a:solidFill>
+                <a:latin typeface="+mn-lt"/>
+                <a:ea typeface="+mn-ea"/>
+                <a:cs typeface="+mn-cs"/>
+              </a:defRPr>
+            </a:lvl4pPr>
+            <a:lvl5pPr marL="1828800" algn="l" defTabSz="457200" rtl="0" eaLnBrk="1" latinLnBrk="0" hangingPunct="1">
+              <a:defRPr sz="1800" kern="1200">
+                <a:solidFill>
+                  <a:schemeClr val="lt1"/>
+                </a:solidFill>
+                <a:latin typeface="+mn-lt"/>
+                <a:ea typeface="+mn-ea"/>
+                <a:cs typeface="+mn-cs"/>
+              </a:defRPr>
+            </a:lvl5pPr>
+            <a:lvl6pPr marL="2286000" algn="l" defTabSz="457200" rtl="0" eaLnBrk="1" latinLnBrk="0" hangingPunct="1">
+              <a:defRPr sz="1800" kern="1200">
+                <a:solidFill>
+                  <a:schemeClr val="lt1"/>
+                </a:solidFill>
+                <a:latin typeface="+mn-lt"/>
+                <a:ea typeface="+mn-ea"/>
+                <a:cs typeface="+mn-cs"/>
+              </a:defRPr>
+            </a:lvl6pPr>
+            <a:lvl7pPr marL="2743200" algn="l" defTabSz="457200" rtl="0" eaLnBrk="1" latinLnBrk="0" hangingPunct="1">
+              <a:defRPr sz="1800" kern="1200">
+                <a:solidFill>
+                  <a:schemeClr val="lt1"/>
+                </a:solidFill>
+                <a:latin typeface="+mn-lt"/>
+                <a:ea typeface="+mn-ea"/>
+                <a:cs typeface="+mn-cs"/>
+              </a:defRPr>
+            </a:lvl7pPr>
+            <a:lvl8pPr marL="3200400" algn="l" defTabSz="457200" rtl="0" eaLnBrk="1" latinLnBrk="0" hangingPunct="1">
+              <a:defRPr sz="1800" kern="1200">
+                <a:solidFill>
+                  <a:schemeClr val="lt1"/>
+                </a:solidFill>
+                <a:latin typeface="+mn-lt"/>
+                <a:ea typeface="+mn-ea"/>
+                <a:cs typeface="+mn-cs"/>
+              </a:defRPr>
+            </a:lvl8pPr>
+            <a:lvl9pPr marL="3657600" algn="l" defTabSz="457200" rtl="0" eaLnBrk="1" latinLnBrk="0" hangingPunct="1">
+              <a:defRPr sz="1800" kern="1200">
+                <a:solidFill>
+                  <a:schemeClr val="lt1"/>
+                </a:solidFill>
+                <a:latin typeface="+mn-lt"/>
+                <a:ea typeface="+mn-ea"/>
+                <a:cs typeface="+mn-cs"/>
+              </a:defRPr>
+            </a:lvl9pPr>
+          </a:lstStyle>
+          <a:p>
+            <a:pPr algn="ctr">
+              <a:defRPr sz="1400" b="1">
+                <a:solidFill>
+                  <a:srgbClr val="FFFFFF"/>
+                </a:solidFill>
+              </a:defRPr>
+            </a:pPr>
+            <a:r>
+              <a:rPr dirty="0"/>
+              <a:t>Product-User Output</a:t>
+            </a:r>
+          </a:p>
+        </p:txBody>
+      </p:sp>
+      <p:sp>
+        <p:nvSpPr>
+          <p:cNvPr id="6" name="Rectangle 3">
+            <a:extLst>
+              <a:ext uri="{FF2B5EF4-FFF2-40B4-BE49-F238E27FC236}">
+                <a16:creationId xmlns:a16="http://schemas.microsoft.com/office/drawing/2014/main" id="{82411D1F-7B47-1CF4-1351-DB209A593535}"/>
+              </a:ext>
+            </a:extLst>
+          </p:cNvPr>
+          <p:cNvSpPr/>
+          <p:nvPr/>
+        </p:nvSpPr>
+        <p:spPr>
+          <a:xfrm>
+            <a:off x="4092284" y="2974754"/>
+            <a:ext cx="1674420" cy="423121"/>
+          </a:xfrm>
+          <a:prstGeom prst="rect">
+            <a:avLst/>
+          </a:prstGeom>
+          <a:solidFill>
+            <a:srgbClr val="70AD47"/>
+          </a:solidFill>
+          <a:ln>
+            <a:solidFill>
+              <a:srgbClr val="000000"/>
+            </a:solidFill>
+          </a:ln>
+        </p:spPr>
+        <p:style>
+          <a:lnRef idx="1">
+            <a:schemeClr val="accent1"/>
+          </a:lnRef>
+          <a:fillRef idx="3">
+            <a:schemeClr val="accent1"/>
+          </a:fillRef>
+          <a:effectRef idx="2">
+            <a:schemeClr val="accent1"/>
+          </a:effectRef>
+          <a:fontRef idx="minor">
+            <a:schemeClr val="lt1"/>
+          </a:fontRef>
+        </p:style>
+        <p:txBody>
+          <a:bodyPr rtlCol="0" anchor="ctr"/>
+          <a:lstStyle>
+            <a:defPPr>
+              <a:defRPr lang="en-US"/>
+            </a:defPPr>
+            <a:lvl1pPr marL="0" algn="l" defTabSz="457200" rtl="0" eaLnBrk="1" latinLnBrk="0" hangingPunct="1">
+              <a:defRPr sz="1800" kern="1200">
+                <a:solidFill>
+                  <a:schemeClr val="lt1"/>
+                </a:solidFill>
+                <a:latin typeface="+mn-lt"/>
+                <a:ea typeface="+mn-ea"/>
+                <a:cs typeface="+mn-cs"/>
+              </a:defRPr>
+            </a:lvl1pPr>
+            <a:lvl2pPr marL="457200" algn="l" defTabSz="457200" rtl="0" eaLnBrk="1" latinLnBrk="0" hangingPunct="1">
+              <a:defRPr sz="1800" kern="1200">
+                <a:solidFill>
+                  <a:schemeClr val="lt1"/>
+                </a:solidFill>
+                <a:latin typeface="+mn-lt"/>
+                <a:ea typeface="+mn-ea"/>
+                <a:cs typeface="+mn-cs"/>
+              </a:defRPr>
+            </a:lvl2pPr>
+            <a:lvl3pPr marL="914400" algn="l" defTabSz="457200" rtl="0" eaLnBrk="1" latinLnBrk="0" hangingPunct="1">
+              <a:defRPr sz="1800" kern="1200">
+                <a:solidFill>
+                  <a:schemeClr val="lt1"/>
+                </a:solidFill>
+                <a:latin typeface="+mn-lt"/>
+                <a:ea typeface="+mn-ea"/>
+                <a:cs typeface="+mn-cs"/>
+              </a:defRPr>
+            </a:lvl3pPr>
+            <a:lvl4pPr marL="1371600" algn="l" defTabSz="457200" rtl="0" eaLnBrk="1" latinLnBrk="0" hangingPunct="1">
+              <a:defRPr sz="1800" kern="1200">
+                <a:solidFill>
+                  <a:schemeClr val="lt1"/>
+                </a:solidFill>
+                <a:latin typeface="+mn-lt"/>
+                <a:ea typeface="+mn-ea"/>
+                <a:cs typeface="+mn-cs"/>
+              </a:defRPr>
+            </a:lvl4pPr>
+            <a:lvl5pPr marL="1828800" algn="l" defTabSz="457200" rtl="0" eaLnBrk="1" latinLnBrk="0" hangingPunct="1">
+              <a:defRPr sz="1800" kern="1200">
+                <a:solidFill>
+                  <a:schemeClr val="lt1"/>
+                </a:solidFill>
+                <a:latin typeface="+mn-lt"/>
+                <a:ea typeface="+mn-ea"/>
+                <a:cs typeface="+mn-cs"/>
+              </a:defRPr>
+            </a:lvl5pPr>
+            <a:lvl6pPr marL="2286000" algn="l" defTabSz="457200" rtl="0" eaLnBrk="1" latinLnBrk="0" hangingPunct="1">
+              <a:defRPr sz="1800" kern="1200">
+                <a:solidFill>
+                  <a:schemeClr val="lt1"/>
+                </a:solidFill>
+                <a:latin typeface="+mn-lt"/>
+                <a:ea typeface="+mn-ea"/>
+                <a:cs typeface="+mn-cs"/>
+              </a:defRPr>
+            </a:lvl6pPr>
+            <a:lvl7pPr marL="2743200" algn="l" defTabSz="457200" rtl="0" eaLnBrk="1" latinLnBrk="0" hangingPunct="1">
+              <a:defRPr sz="1800" kern="1200">
+                <a:solidFill>
+                  <a:schemeClr val="lt1"/>
+                </a:solidFill>
+                <a:latin typeface="+mn-lt"/>
+                <a:ea typeface="+mn-ea"/>
+                <a:cs typeface="+mn-cs"/>
+              </a:defRPr>
+            </a:lvl7pPr>
+            <a:lvl8pPr marL="3200400" algn="l" defTabSz="457200" rtl="0" eaLnBrk="1" latinLnBrk="0" hangingPunct="1">
+              <a:defRPr sz="1800" kern="1200">
+                <a:solidFill>
+                  <a:schemeClr val="lt1"/>
+                </a:solidFill>
+                <a:latin typeface="+mn-lt"/>
+                <a:ea typeface="+mn-ea"/>
+                <a:cs typeface="+mn-cs"/>
+              </a:defRPr>
+            </a:lvl8pPr>
+            <a:lvl9pPr marL="3657600" algn="l" defTabSz="457200" rtl="0" eaLnBrk="1" latinLnBrk="0" hangingPunct="1">
+              <a:defRPr sz="1800" kern="1200">
+                <a:solidFill>
+                  <a:schemeClr val="lt1"/>
+                </a:solidFill>
+                <a:latin typeface="+mn-lt"/>
+                <a:ea typeface="+mn-ea"/>
+                <a:cs typeface="+mn-cs"/>
+              </a:defRPr>
+            </a:lvl9pPr>
+          </a:lstStyle>
+          <a:p>
+            <a:pPr algn="ctr">
+              <a:defRPr sz="1400" b="1">
+                <a:solidFill>
+                  <a:srgbClr val="FFFFFF"/>
+                </a:solidFill>
+              </a:defRPr>
+            </a:pPr>
+            <a:r>
+              <a:rPr lang="en-US" altLang="zh-CN" dirty="0"/>
+              <a:t>HDFS</a:t>
+            </a:r>
+            <a:r>
+              <a:rPr lang="zh-CN" altLang="en-US" dirty="0"/>
+              <a:t> </a:t>
+            </a:r>
+            <a:r>
+              <a:rPr lang="en-US" altLang="zh-CN" dirty="0"/>
+              <a:t>for</a:t>
+            </a:r>
+          </a:p>
+          <a:p>
+            <a:pPr algn="ctr">
+              <a:defRPr sz="1400" b="1">
+                <a:solidFill>
+                  <a:srgbClr val="FFFFFF"/>
+                </a:solidFill>
+              </a:defRPr>
+            </a:pPr>
+            <a:r>
+              <a:rPr lang="en-US" altLang="zh-CN" dirty="0"/>
+              <a:t>data</a:t>
+            </a:r>
+            <a:r>
+              <a:rPr lang="zh-CN" altLang="en-US" dirty="0"/>
+              <a:t> </a:t>
+            </a:r>
+            <a:r>
+              <a:rPr lang="en-US" altLang="zh-CN" dirty="0"/>
+              <a:t>storage</a:t>
+            </a:r>
+            <a:endParaRPr dirty="0"/>
+          </a:p>
+        </p:txBody>
+      </p:sp>
+      <p:sp>
+        <p:nvSpPr>
+          <p:cNvPr id="7" name="Rectangle 4">
+            <a:extLst>
+              <a:ext uri="{FF2B5EF4-FFF2-40B4-BE49-F238E27FC236}">
+                <a16:creationId xmlns:a16="http://schemas.microsoft.com/office/drawing/2014/main" id="{66AFDD24-6848-94B2-B87F-CBD4D936277E}"/>
+              </a:ext>
+            </a:extLst>
+          </p:cNvPr>
+          <p:cNvSpPr/>
+          <p:nvPr/>
+        </p:nvSpPr>
+        <p:spPr>
+          <a:xfrm>
+            <a:off x="6175909" y="2955212"/>
+            <a:ext cx="1495796" cy="454949"/>
+          </a:xfrm>
+          <a:prstGeom prst="rect">
+            <a:avLst/>
+          </a:prstGeom>
+          <a:solidFill>
+            <a:srgbClr val="FFC000"/>
+          </a:solidFill>
+          <a:ln>
+            <a:solidFill>
+              <a:srgbClr val="000000"/>
+            </a:solidFill>
+          </a:ln>
+        </p:spPr>
+        <p:style>
+          <a:lnRef idx="1">
+            <a:schemeClr val="accent1"/>
+          </a:lnRef>
+          <a:fillRef idx="3">
+            <a:schemeClr val="accent1"/>
+          </a:fillRef>
+          <a:effectRef idx="2">
+            <a:schemeClr val="accent1"/>
+          </a:effectRef>
+          <a:fontRef idx="minor">
+            <a:schemeClr val="lt1"/>
+          </a:fontRef>
+        </p:style>
+        <p:txBody>
+          <a:bodyPr rtlCol="0" anchor="ctr"/>
+          <a:lstStyle>
+            <a:defPPr>
+              <a:defRPr lang="en-US"/>
+            </a:defPPr>
+            <a:lvl1pPr marL="0" algn="l" defTabSz="457200" rtl="0" eaLnBrk="1" latinLnBrk="0" hangingPunct="1">
+              <a:defRPr sz="1800" kern="1200">
+                <a:solidFill>
+                  <a:schemeClr val="lt1"/>
+                </a:solidFill>
+                <a:latin typeface="+mn-lt"/>
+                <a:ea typeface="+mn-ea"/>
+                <a:cs typeface="+mn-cs"/>
+              </a:defRPr>
+            </a:lvl1pPr>
+            <a:lvl2pPr marL="457200" algn="l" defTabSz="457200" rtl="0" eaLnBrk="1" latinLnBrk="0" hangingPunct="1">
+              <a:defRPr sz="1800" kern="1200">
+                <a:solidFill>
+                  <a:schemeClr val="lt1"/>
+                </a:solidFill>
+                <a:latin typeface="+mn-lt"/>
+                <a:ea typeface="+mn-ea"/>
+                <a:cs typeface="+mn-cs"/>
+              </a:defRPr>
+            </a:lvl2pPr>
+            <a:lvl3pPr marL="914400" algn="l" defTabSz="457200" rtl="0" eaLnBrk="1" latinLnBrk="0" hangingPunct="1">
+              <a:defRPr sz="1800" kern="1200">
+                <a:solidFill>
+                  <a:schemeClr val="lt1"/>
+                </a:solidFill>
+                <a:latin typeface="+mn-lt"/>
+                <a:ea typeface="+mn-ea"/>
+                <a:cs typeface="+mn-cs"/>
+              </a:defRPr>
+            </a:lvl3pPr>
+            <a:lvl4pPr marL="1371600" algn="l" defTabSz="457200" rtl="0" eaLnBrk="1" latinLnBrk="0" hangingPunct="1">
+              <a:defRPr sz="1800" kern="1200">
+                <a:solidFill>
+                  <a:schemeClr val="lt1"/>
+                </a:solidFill>
+                <a:latin typeface="+mn-lt"/>
+                <a:ea typeface="+mn-ea"/>
+                <a:cs typeface="+mn-cs"/>
+              </a:defRPr>
+            </a:lvl4pPr>
+            <a:lvl5pPr marL="1828800" algn="l" defTabSz="457200" rtl="0" eaLnBrk="1" latinLnBrk="0" hangingPunct="1">
+              <a:defRPr sz="1800" kern="1200">
+                <a:solidFill>
+                  <a:schemeClr val="lt1"/>
+                </a:solidFill>
+                <a:latin typeface="+mn-lt"/>
+                <a:ea typeface="+mn-ea"/>
+                <a:cs typeface="+mn-cs"/>
+              </a:defRPr>
+            </a:lvl5pPr>
+            <a:lvl6pPr marL="2286000" algn="l" defTabSz="457200" rtl="0" eaLnBrk="1" latinLnBrk="0" hangingPunct="1">
+              <a:defRPr sz="1800" kern="1200">
+                <a:solidFill>
+                  <a:schemeClr val="lt1"/>
+                </a:solidFill>
+                <a:latin typeface="+mn-lt"/>
+                <a:ea typeface="+mn-ea"/>
+                <a:cs typeface="+mn-cs"/>
+              </a:defRPr>
+            </a:lvl6pPr>
+            <a:lvl7pPr marL="2743200" algn="l" defTabSz="457200" rtl="0" eaLnBrk="1" latinLnBrk="0" hangingPunct="1">
+              <a:defRPr sz="1800" kern="1200">
+                <a:solidFill>
+                  <a:schemeClr val="lt1"/>
+                </a:solidFill>
+                <a:latin typeface="+mn-lt"/>
+                <a:ea typeface="+mn-ea"/>
+                <a:cs typeface="+mn-cs"/>
+              </a:defRPr>
+            </a:lvl7pPr>
+            <a:lvl8pPr marL="3200400" algn="l" defTabSz="457200" rtl="0" eaLnBrk="1" latinLnBrk="0" hangingPunct="1">
+              <a:defRPr sz="1800" kern="1200">
+                <a:solidFill>
+                  <a:schemeClr val="lt1"/>
+                </a:solidFill>
+                <a:latin typeface="+mn-lt"/>
+                <a:ea typeface="+mn-ea"/>
+                <a:cs typeface="+mn-cs"/>
+              </a:defRPr>
+            </a:lvl8pPr>
+            <a:lvl9pPr marL="3657600" algn="l" defTabSz="457200" rtl="0" eaLnBrk="1" latinLnBrk="0" hangingPunct="1">
+              <a:defRPr sz="1800" kern="1200">
+                <a:solidFill>
+                  <a:schemeClr val="lt1"/>
+                </a:solidFill>
+                <a:latin typeface="+mn-lt"/>
+                <a:ea typeface="+mn-ea"/>
+                <a:cs typeface="+mn-cs"/>
+              </a:defRPr>
+            </a:lvl9pPr>
+          </a:lstStyle>
+          <a:p>
+            <a:pPr algn="ctr">
+              <a:defRPr sz="1400" b="1">
+                <a:solidFill>
+                  <a:srgbClr val="FFFFFF"/>
+                </a:solidFill>
+              </a:defRPr>
+            </a:pPr>
+            <a:r>
+              <a:rPr lang="en-US" altLang="zh-CN" dirty="0"/>
+              <a:t>Spark</a:t>
+            </a:r>
+            <a:r>
+              <a:rPr lang="zh-CN" altLang="en-US" dirty="0"/>
+              <a:t> </a:t>
+            </a:r>
+            <a:r>
+              <a:rPr lang="en-US" altLang="zh-CN" dirty="0"/>
+              <a:t>for</a:t>
+            </a:r>
+          </a:p>
+          <a:p>
+            <a:pPr algn="ctr">
+              <a:defRPr sz="1400" b="1">
+                <a:solidFill>
+                  <a:srgbClr val="FFFFFF"/>
+                </a:solidFill>
+              </a:defRPr>
+            </a:pPr>
+            <a:r>
+              <a:rPr lang="en-US" altLang="zh-CN" dirty="0"/>
+              <a:t>Data</a:t>
+            </a:r>
+            <a:r>
+              <a:rPr lang="zh-CN" altLang="en-US" dirty="0"/>
+              <a:t> </a:t>
+            </a:r>
+            <a:r>
+              <a:rPr lang="en-US" altLang="zh-CN" dirty="0"/>
+              <a:t>Cleaning</a:t>
+            </a:r>
+            <a:endParaRPr dirty="0"/>
+          </a:p>
+        </p:txBody>
+      </p:sp>
+      <p:sp>
+        <p:nvSpPr>
+          <p:cNvPr id="9" name="Rectangle 6">
+            <a:extLst>
+              <a:ext uri="{FF2B5EF4-FFF2-40B4-BE49-F238E27FC236}">
+                <a16:creationId xmlns:a16="http://schemas.microsoft.com/office/drawing/2014/main" id="{35D8F283-5908-5A09-55D5-968FFDBBF0D8}"/>
+              </a:ext>
+            </a:extLst>
+          </p:cNvPr>
+          <p:cNvSpPr/>
+          <p:nvPr/>
+        </p:nvSpPr>
+        <p:spPr>
+          <a:xfrm>
+            <a:off x="5212387" y="5208263"/>
+            <a:ext cx="1649929" cy="460528"/>
+          </a:xfrm>
+          <a:prstGeom prst="rect">
+            <a:avLst/>
+          </a:prstGeom>
+          <a:solidFill>
+            <a:srgbClr val="C00000"/>
+          </a:solidFill>
+          <a:ln>
+            <a:solidFill>
+              <a:srgbClr val="000000"/>
+            </a:solidFill>
+          </a:ln>
+        </p:spPr>
+        <p:style>
+          <a:lnRef idx="1">
+            <a:schemeClr val="accent1"/>
+          </a:lnRef>
+          <a:fillRef idx="3">
+            <a:schemeClr val="accent1"/>
+          </a:fillRef>
+          <a:effectRef idx="2">
+            <a:schemeClr val="accent1"/>
+          </a:effectRef>
+          <a:fontRef idx="minor">
+            <a:schemeClr val="lt1"/>
+          </a:fontRef>
+        </p:style>
+        <p:txBody>
+          <a:bodyPr rtlCol="0" anchor="ctr"/>
+          <a:lstStyle>
+            <a:defPPr>
+              <a:defRPr lang="en-US"/>
+            </a:defPPr>
+            <a:lvl1pPr marL="0" algn="l" defTabSz="457200" rtl="0" eaLnBrk="1" latinLnBrk="0" hangingPunct="1">
+              <a:defRPr sz="1800" kern="1200">
+                <a:solidFill>
+                  <a:schemeClr val="lt1"/>
+                </a:solidFill>
+                <a:latin typeface="+mn-lt"/>
+                <a:ea typeface="+mn-ea"/>
+                <a:cs typeface="+mn-cs"/>
+              </a:defRPr>
+            </a:lvl1pPr>
+            <a:lvl2pPr marL="457200" algn="l" defTabSz="457200" rtl="0" eaLnBrk="1" latinLnBrk="0" hangingPunct="1">
+              <a:defRPr sz="1800" kern="1200">
+                <a:solidFill>
+                  <a:schemeClr val="lt1"/>
+                </a:solidFill>
+                <a:latin typeface="+mn-lt"/>
+                <a:ea typeface="+mn-ea"/>
+                <a:cs typeface="+mn-cs"/>
+              </a:defRPr>
+            </a:lvl2pPr>
+            <a:lvl3pPr marL="914400" algn="l" defTabSz="457200" rtl="0" eaLnBrk="1" latinLnBrk="0" hangingPunct="1">
+              <a:defRPr sz="1800" kern="1200">
+                <a:solidFill>
+                  <a:schemeClr val="lt1"/>
+                </a:solidFill>
+                <a:latin typeface="+mn-lt"/>
+                <a:ea typeface="+mn-ea"/>
+                <a:cs typeface="+mn-cs"/>
+              </a:defRPr>
+            </a:lvl3pPr>
+            <a:lvl4pPr marL="1371600" algn="l" defTabSz="457200" rtl="0" eaLnBrk="1" latinLnBrk="0" hangingPunct="1">
+              <a:defRPr sz="1800" kern="1200">
+                <a:solidFill>
+                  <a:schemeClr val="lt1"/>
+                </a:solidFill>
+                <a:latin typeface="+mn-lt"/>
+                <a:ea typeface="+mn-ea"/>
+                <a:cs typeface="+mn-cs"/>
+              </a:defRPr>
+            </a:lvl4pPr>
+            <a:lvl5pPr marL="1828800" algn="l" defTabSz="457200" rtl="0" eaLnBrk="1" latinLnBrk="0" hangingPunct="1">
+              <a:defRPr sz="1800" kern="1200">
+                <a:solidFill>
+                  <a:schemeClr val="lt1"/>
+                </a:solidFill>
+                <a:latin typeface="+mn-lt"/>
+                <a:ea typeface="+mn-ea"/>
+                <a:cs typeface="+mn-cs"/>
+              </a:defRPr>
+            </a:lvl5pPr>
+            <a:lvl6pPr marL="2286000" algn="l" defTabSz="457200" rtl="0" eaLnBrk="1" latinLnBrk="0" hangingPunct="1">
+              <a:defRPr sz="1800" kern="1200">
+                <a:solidFill>
+                  <a:schemeClr val="lt1"/>
+                </a:solidFill>
+                <a:latin typeface="+mn-lt"/>
+                <a:ea typeface="+mn-ea"/>
+                <a:cs typeface="+mn-cs"/>
+              </a:defRPr>
+            </a:lvl6pPr>
+            <a:lvl7pPr marL="2743200" algn="l" defTabSz="457200" rtl="0" eaLnBrk="1" latinLnBrk="0" hangingPunct="1">
+              <a:defRPr sz="1800" kern="1200">
+                <a:solidFill>
+                  <a:schemeClr val="lt1"/>
+                </a:solidFill>
+                <a:latin typeface="+mn-lt"/>
+                <a:ea typeface="+mn-ea"/>
+                <a:cs typeface="+mn-cs"/>
+              </a:defRPr>
+            </a:lvl7pPr>
+            <a:lvl8pPr marL="3200400" algn="l" defTabSz="457200" rtl="0" eaLnBrk="1" latinLnBrk="0" hangingPunct="1">
+              <a:defRPr sz="1800" kern="1200">
+                <a:solidFill>
+                  <a:schemeClr val="lt1"/>
+                </a:solidFill>
+                <a:latin typeface="+mn-lt"/>
+                <a:ea typeface="+mn-ea"/>
+                <a:cs typeface="+mn-cs"/>
+              </a:defRPr>
+            </a:lvl8pPr>
+            <a:lvl9pPr marL="3657600" algn="l" defTabSz="457200" rtl="0" eaLnBrk="1" latinLnBrk="0" hangingPunct="1">
+              <a:defRPr sz="1800" kern="1200">
+                <a:solidFill>
+                  <a:schemeClr val="lt1"/>
+                </a:solidFill>
+                <a:latin typeface="+mn-lt"/>
+                <a:ea typeface="+mn-ea"/>
+                <a:cs typeface="+mn-cs"/>
+              </a:defRPr>
+            </a:lvl9pPr>
+          </a:lstStyle>
+          <a:p>
+            <a:pPr algn="ctr">
+              <a:defRPr sz="1400" b="1">
+                <a:solidFill>
+                  <a:srgbClr val="FFFFFF"/>
+                </a:solidFill>
+              </a:defRPr>
+            </a:pPr>
+            <a:r>
+              <a:rPr dirty="0"/>
+              <a:t>Metric </a:t>
+            </a:r>
+            <a:r>
+              <a:rPr dirty="0" err="1"/>
+              <a:t>Evaluato</a:t>
+            </a:r>
+            <a:r>
+              <a:rPr lang="en" dirty="0"/>
+              <a:t>r</a:t>
+            </a:r>
+            <a:endParaRPr dirty="0"/>
+          </a:p>
+        </p:txBody>
+      </p:sp>
+      <p:grpSp>
+        <p:nvGrpSpPr>
+          <p:cNvPr id="29" name="组合 28">
+            <a:extLst>
+              <a:ext uri="{FF2B5EF4-FFF2-40B4-BE49-F238E27FC236}">
+                <a16:creationId xmlns:a16="http://schemas.microsoft.com/office/drawing/2014/main" id="{BEBCB588-E200-BF9D-302C-4BA3ECA218CA}"/>
+              </a:ext>
+            </a:extLst>
+          </p:cNvPr>
+          <p:cNvGrpSpPr/>
+          <p:nvPr/>
+        </p:nvGrpSpPr>
+        <p:grpSpPr>
+          <a:xfrm>
+            <a:off x="4151166" y="3933056"/>
+            <a:ext cx="3624943" cy="1035683"/>
+            <a:chOff x="4174671" y="3236854"/>
+            <a:chExt cx="3624943" cy="1073792"/>
+          </a:xfrm>
+        </p:grpSpPr>
+        <p:grpSp>
+          <p:nvGrpSpPr>
+            <p:cNvPr id="20" name="组合 19">
+              <a:extLst>
+                <a:ext uri="{FF2B5EF4-FFF2-40B4-BE49-F238E27FC236}">
+                  <a16:creationId xmlns:a16="http://schemas.microsoft.com/office/drawing/2014/main" id="{F0F5DE42-77D9-B6DA-6E87-42E7B50386C4}"/>
+                </a:ext>
+              </a:extLst>
+            </p:cNvPr>
+            <p:cNvGrpSpPr/>
+            <p:nvPr/>
+          </p:nvGrpSpPr>
+          <p:grpSpPr>
+            <a:xfrm>
+              <a:off x="4174671" y="3236854"/>
+              <a:ext cx="3624943" cy="771896"/>
+              <a:chOff x="4174671" y="2755075"/>
+              <a:chExt cx="3936176" cy="938151"/>
+            </a:xfrm>
+          </p:grpSpPr>
+          <p:sp>
+            <p:nvSpPr>
+              <p:cNvPr id="19" name="矩形 18">
+                <a:extLst>
+                  <a:ext uri="{FF2B5EF4-FFF2-40B4-BE49-F238E27FC236}">
+                    <a16:creationId xmlns:a16="http://schemas.microsoft.com/office/drawing/2014/main" id="{421342A7-E1A8-0BBB-35CF-B7C081A03CDE}"/>
+                  </a:ext>
+                </a:extLst>
+              </p:cNvPr>
+              <p:cNvSpPr/>
+              <p:nvPr/>
+            </p:nvSpPr>
+            <p:spPr>
+              <a:xfrm>
+                <a:off x="4174671" y="2755075"/>
+                <a:ext cx="3936176" cy="938151"/>
+              </a:xfrm>
+              <a:prstGeom prst="rect">
+                <a:avLst/>
+              </a:prstGeom>
+              <a:solidFill>
+                <a:schemeClr val="accent1">
+                  <a:lumMod val="40000"/>
+                  <a:lumOff val="60000"/>
+                </a:schemeClr>
+              </a:solidFill>
+            </p:spPr>
+            <p:style>
+              <a:lnRef idx="2">
+                <a:schemeClr val="accent1">
+                  <a:shade val="15000"/>
+                </a:schemeClr>
+              </a:lnRef>
+              <a:fillRef idx="1">
+                <a:schemeClr val="accent1"/>
+              </a:fillRef>
+              <a:effectRef idx="0">
+                <a:schemeClr val="accent1"/>
+              </a:effectRef>
+              <a:fontRef idx="minor">
+                <a:schemeClr val="lt1"/>
+              </a:fontRef>
+            </p:style>
+            <p:txBody>
+              <a:bodyPr rtlCol="0" anchor="ctr"/>
+              <a:lstStyle/>
+              <a:p>
+                <a:pPr algn="ctr"/>
+                <a:endParaRPr kumimoji="1" lang="zh-CN" altLang="en-US" dirty="0"/>
+              </a:p>
+            </p:txBody>
+          </p:sp>
+          <p:sp>
+            <p:nvSpPr>
+              <p:cNvPr id="8" name="Rectangle 5">
+                <a:extLst>
+                  <a:ext uri="{FF2B5EF4-FFF2-40B4-BE49-F238E27FC236}">
+                    <a16:creationId xmlns:a16="http://schemas.microsoft.com/office/drawing/2014/main" id="{B4639000-2BFA-5442-C0EC-BB34A81A1F7B}"/>
+                  </a:ext>
+                </a:extLst>
+              </p:cNvPr>
+              <p:cNvSpPr/>
+              <p:nvPr/>
+            </p:nvSpPr>
+            <p:spPr>
+              <a:xfrm>
+                <a:off x="4631871" y="3007986"/>
+                <a:ext cx="1246415" cy="444199"/>
+              </a:xfrm>
+              <a:prstGeom prst="rect">
+                <a:avLst/>
+              </a:prstGeom>
+              <a:solidFill>
+                <a:srgbClr val="FF6600"/>
+              </a:solidFill>
+              <a:ln>
+                <a:solidFill>
+                  <a:srgbClr val="000000"/>
+                </a:solidFill>
+              </a:ln>
+            </p:spPr>
+            <p:style>
+              <a:lnRef idx="1">
+                <a:schemeClr val="accent1"/>
+              </a:lnRef>
+              <a:fillRef idx="3">
+                <a:schemeClr val="accent1"/>
+              </a:fillRef>
+              <a:effectRef idx="2">
+                <a:schemeClr val="accent1"/>
+              </a:effectRef>
+              <a:fontRef idx="minor">
+                <a:schemeClr val="lt1"/>
+              </a:fontRef>
+            </p:style>
+            <p:txBody>
+              <a:bodyPr rtlCol="0" anchor="ctr"/>
+              <a:lstStyle>
+                <a:defPPr>
+                  <a:defRPr lang="en-US"/>
+                </a:defPPr>
+                <a:lvl1pPr marL="0" algn="l" defTabSz="457200" rtl="0" eaLnBrk="1" latinLnBrk="0" hangingPunct="1">
+                  <a:defRPr sz="1800" kern="1200">
+                    <a:solidFill>
+                      <a:schemeClr val="lt1"/>
+                    </a:solidFill>
+                    <a:latin typeface="+mn-lt"/>
+                    <a:ea typeface="+mn-ea"/>
+                    <a:cs typeface="+mn-cs"/>
+                  </a:defRPr>
+                </a:lvl1pPr>
+                <a:lvl2pPr marL="457200" algn="l" defTabSz="457200" rtl="0" eaLnBrk="1" latinLnBrk="0" hangingPunct="1">
+                  <a:defRPr sz="1800" kern="1200">
+                    <a:solidFill>
+                      <a:schemeClr val="lt1"/>
+                    </a:solidFill>
+                    <a:latin typeface="+mn-lt"/>
+                    <a:ea typeface="+mn-ea"/>
+                    <a:cs typeface="+mn-cs"/>
+                  </a:defRPr>
+                </a:lvl2pPr>
+                <a:lvl3pPr marL="914400" algn="l" defTabSz="457200" rtl="0" eaLnBrk="1" latinLnBrk="0" hangingPunct="1">
+                  <a:defRPr sz="1800" kern="1200">
+                    <a:solidFill>
+                      <a:schemeClr val="lt1"/>
+                    </a:solidFill>
+                    <a:latin typeface="+mn-lt"/>
+                    <a:ea typeface="+mn-ea"/>
+                    <a:cs typeface="+mn-cs"/>
+                  </a:defRPr>
+                </a:lvl3pPr>
+                <a:lvl4pPr marL="1371600" algn="l" defTabSz="457200" rtl="0" eaLnBrk="1" latinLnBrk="0" hangingPunct="1">
+                  <a:defRPr sz="1800" kern="1200">
+                    <a:solidFill>
+                      <a:schemeClr val="lt1"/>
+                    </a:solidFill>
+                    <a:latin typeface="+mn-lt"/>
+                    <a:ea typeface="+mn-ea"/>
+                    <a:cs typeface="+mn-cs"/>
+                  </a:defRPr>
+                </a:lvl4pPr>
+                <a:lvl5pPr marL="1828800" algn="l" defTabSz="457200" rtl="0" eaLnBrk="1" latinLnBrk="0" hangingPunct="1">
+                  <a:defRPr sz="1800" kern="1200">
+                    <a:solidFill>
+                      <a:schemeClr val="lt1"/>
+                    </a:solidFill>
+                    <a:latin typeface="+mn-lt"/>
+                    <a:ea typeface="+mn-ea"/>
+                    <a:cs typeface="+mn-cs"/>
+                  </a:defRPr>
+                </a:lvl5pPr>
+                <a:lvl6pPr marL="2286000" algn="l" defTabSz="457200" rtl="0" eaLnBrk="1" latinLnBrk="0" hangingPunct="1">
+                  <a:defRPr sz="1800" kern="1200">
+                    <a:solidFill>
+                      <a:schemeClr val="lt1"/>
+                    </a:solidFill>
+                    <a:latin typeface="+mn-lt"/>
+                    <a:ea typeface="+mn-ea"/>
+                    <a:cs typeface="+mn-cs"/>
+                  </a:defRPr>
+                </a:lvl6pPr>
+                <a:lvl7pPr marL="2743200" algn="l" defTabSz="457200" rtl="0" eaLnBrk="1" latinLnBrk="0" hangingPunct="1">
+                  <a:defRPr sz="1800" kern="1200">
+                    <a:solidFill>
+                      <a:schemeClr val="lt1"/>
+                    </a:solidFill>
+                    <a:latin typeface="+mn-lt"/>
+                    <a:ea typeface="+mn-ea"/>
+                    <a:cs typeface="+mn-cs"/>
+                  </a:defRPr>
+                </a:lvl7pPr>
+                <a:lvl8pPr marL="3200400" algn="l" defTabSz="457200" rtl="0" eaLnBrk="1" latinLnBrk="0" hangingPunct="1">
+                  <a:defRPr sz="1800" kern="1200">
+                    <a:solidFill>
+                      <a:schemeClr val="lt1"/>
+                    </a:solidFill>
+                    <a:latin typeface="+mn-lt"/>
+                    <a:ea typeface="+mn-ea"/>
+                    <a:cs typeface="+mn-cs"/>
+                  </a:defRPr>
+                </a:lvl8pPr>
+                <a:lvl9pPr marL="3657600" algn="l" defTabSz="457200" rtl="0" eaLnBrk="1" latinLnBrk="0" hangingPunct="1">
+                  <a:defRPr sz="1800" kern="1200">
+                    <a:solidFill>
+                      <a:schemeClr val="lt1"/>
+                    </a:solidFill>
+                    <a:latin typeface="+mn-lt"/>
+                    <a:ea typeface="+mn-ea"/>
+                    <a:cs typeface="+mn-cs"/>
+                  </a:defRPr>
+                </a:lvl9pPr>
+              </a:lstStyle>
+              <a:p>
+                <a:pPr algn="ctr">
+                  <a:defRPr sz="1400" b="1">
+                    <a:solidFill>
+                      <a:srgbClr val="FFFFFF"/>
+                    </a:solidFill>
+                  </a:defRPr>
+                </a:pPr>
+                <a:r>
+                  <a:rPr lang="en-US" altLang="zh-CN" dirty="0"/>
+                  <a:t>ALS</a:t>
+                </a:r>
+                <a:endParaRPr dirty="0"/>
+              </a:p>
+            </p:txBody>
+          </p:sp>
+          <p:sp>
+            <p:nvSpPr>
+              <p:cNvPr id="18" name="Rectangle 5">
+                <a:extLst>
+                  <a:ext uri="{FF2B5EF4-FFF2-40B4-BE49-F238E27FC236}">
+                    <a16:creationId xmlns:a16="http://schemas.microsoft.com/office/drawing/2014/main" id="{18180260-A584-FA5E-EE5B-EC5C1C4BDBB4}"/>
+                  </a:ext>
+                </a:extLst>
+              </p:cNvPr>
+              <p:cNvSpPr/>
+              <p:nvPr/>
+            </p:nvSpPr>
+            <p:spPr>
+              <a:xfrm>
+                <a:off x="6456220" y="3002050"/>
+                <a:ext cx="1246415" cy="444199"/>
+              </a:xfrm>
+              <a:prstGeom prst="rect">
+                <a:avLst/>
+              </a:prstGeom>
+              <a:solidFill>
+                <a:srgbClr val="FF6600"/>
+              </a:solidFill>
+              <a:ln>
+                <a:solidFill>
+                  <a:srgbClr val="000000"/>
+                </a:solidFill>
+              </a:ln>
+            </p:spPr>
+            <p:style>
+              <a:lnRef idx="1">
+                <a:schemeClr val="accent1"/>
+              </a:lnRef>
+              <a:fillRef idx="3">
+                <a:schemeClr val="accent1"/>
+              </a:fillRef>
+              <a:effectRef idx="2">
+                <a:schemeClr val="accent1"/>
+              </a:effectRef>
+              <a:fontRef idx="minor">
+                <a:schemeClr val="lt1"/>
+              </a:fontRef>
+            </p:style>
+            <p:txBody>
+              <a:bodyPr rtlCol="0" anchor="ctr"/>
+              <a:lstStyle>
+                <a:defPPr>
+                  <a:defRPr lang="en-US"/>
+                </a:defPPr>
+                <a:lvl1pPr marL="0" algn="l" defTabSz="457200" rtl="0" eaLnBrk="1" latinLnBrk="0" hangingPunct="1">
+                  <a:defRPr sz="1800" kern="1200">
+                    <a:solidFill>
+                      <a:schemeClr val="lt1"/>
+                    </a:solidFill>
+                    <a:latin typeface="+mn-lt"/>
+                    <a:ea typeface="+mn-ea"/>
+                    <a:cs typeface="+mn-cs"/>
+                  </a:defRPr>
+                </a:lvl1pPr>
+                <a:lvl2pPr marL="457200" algn="l" defTabSz="457200" rtl="0" eaLnBrk="1" latinLnBrk="0" hangingPunct="1">
+                  <a:defRPr sz="1800" kern="1200">
+                    <a:solidFill>
+                      <a:schemeClr val="lt1"/>
+                    </a:solidFill>
+                    <a:latin typeface="+mn-lt"/>
+                    <a:ea typeface="+mn-ea"/>
+                    <a:cs typeface="+mn-cs"/>
+                  </a:defRPr>
+                </a:lvl2pPr>
+                <a:lvl3pPr marL="914400" algn="l" defTabSz="457200" rtl="0" eaLnBrk="1" latinLnBrk="0" hangingPunct="1">
+                  <a:defRPr sz="1800" kern="1200">
+                    <a:solidFill>
+                      <a:schemeClr val="lt1"/>
+                    </a:solidFill>
+                    <a:latin typeface="+mn-lt"/>
+                    <a:ea typeface="+mn-ea"/>
+                    <a:cs typeface="+mn-cs"/>
+                  </a:defRPr>
+                </a:lvl3pPr>
+                <a:lvl4pPr marL="1371600" algn="l" defTabSz="457200" rtl="0" eaLnBrk="1" latinLnBrk="0" hangingPunct="1">
+                  <a:defRPr sz="1800" kern="1200">
+                    <a:solidFill>
+                      <a:schemeClr val="lt1"/>
+                    </a:solidFill>
+                    <a:latin typeface="+mn-lt"/>
+                    <a:ea typeface="+mn-ea"/>
+                    <a:cs typeface="+mn-cs"/>
+                  </a:defRPr>
+                </a:lvl4pPr>
+                <a:lvl5pPr marL="1828800" algn="l" defTabSz="457200" rtl="0" eaLnBrk="1" latinLnBrk="0" hangingPunct="1">
+                  <a:defRPr sz="1800" kern="1200">
+                    <a:solidFill>
+                      <a:schemeClr val="lt1"/>
+                    </a:solidFill>
+                    <a:latin typeface="+mn-lt"/>
+                    <a:ea typeface="+mn-ea"/>
+                    <a:cs typeface="+mn-cs"/>
+                  </a:defRPr>
+                </a:lvl5pPr>
+                <a:lvl6pPr marL="2286000" algn="l" defTabSz="457200" rtl="0" eaLnBrk="1" latinLnBrk="0" hangingPunct="1">
+                  <a:defRPr sz="1800" kern="1200">
+                    <a:solidFill>
+                      <a:schemeClr val="lt1"/>
+                    </a:solidFill>
+                    <a:latin typeface="+mn-lt"/>
+                    <a:ea typeface="+mn-ea"/>
+                    <a:cs typeface="+mn-cs"/>
+                  </a:defRPr>
+                </a:lvl6pPr>
+                <a:lvl7pPr marL="2743200" algn="l" defTabSz="457200" rtl="0" eaLnBrk="1" latinLnBrk="0" hangingPunct="1">
+                  <a:defRPr sz="1800" kern="1200">
+                    <a:solidFill>
+                      <a:schemeClr val="lt1"/>
+                    </a:solidFill>
+                    <a:latin typeface="+mn-lt"/>
+                    <a:ea typeface="+mn-ea"/>
+                    <a:cs typeface="+mn-cs"/>
+                  </a:defRPr>
+                </a:lvl7pPr>
+                <a:lvl8pPr marL="3200400" algn="l" defTabSz="457200" rtl="0" eaLnBrk="1" latinLnBrk="0" hangingPunct="1">
+                  <a:defRPr sz="1800" kern="1200">
+                    <a:solidFill>
+                      <a:schemeClr val="lt1"/>
+                    </a:solidFill>
+                    <a:latin typeface="+mn-lt"/>
+                    <a:ea typeface="+mn-ea"/>
+                    <a:cs typeface="+mn-cs"/>
+                  </a:defRPr>
+                </a:lvl8pPr>
+                <a:lvl9pPr marL="3657600" algn="l" defTabSz="457200" rtl="0" eaLnBrk="1" latinLnBrk="0" hangingPunct="1">
+                  <a:defRPr sz="1800" kern="1200">
+                    <a:solidFill>
+                      <a:schemeClr val="lt1"/>
+                    </a:solidFill>
+                    <a:latin typeface="+mn-lt"/>
+                    <a:ea typeface="+mn-ea"/>
+                    <a:cs typeface="+mn-cs"/>
+                  </a:defRPr>
+                </a:lvl9pPr>
+              </a:lstStyle>
+              <a:p>
+                <a:pPr algn="ctr">
+                  <a:defRPr sz="1400" b="1">
+                    <a:solidFill>
+                      <a:srgbClr val="FFFFFF"/>
+                    </a:solidFill>
+                  </a:defRPr>
+                </a:pPr>
+                <a:r>
+                  <a:rPr lang="en-US" altLang="zh-CN" dirty="0"/>
+                  <a:t>SVD</a:t>
+                </a:r>
+                <a:endParaRPr dirty="0"/>
+              </a:p>
+            </p:txBody>
+          </p:sp>
+        </p:grpSp>
+        <p:sp>
+          <p:nvSpPr>
+            <p:cNvPr id="21" name="文本框 20">
+              <a:extLst>
+                <a:ext uri="{FF2B5EF4-FFF2-40B4-BE49-F238E27FC236}">
+                  <a16:creationId xmlns:a16="http://schemas.microsoft.com/office/drawing/2014/main" id="{55DD0C19-5B96-C061-D7D5-45CB9310B077}"/>
+                </a:ext>
+              </a:extLst>
+            </p:cNvPr>
+            <p:cNvSpPr txBox="1"/>
+            <p:nvPr/>
+          </p:nvSpPr>
+          <p:spPr>
+            <a:xfrm>
+              <a:off x="4825266" y="4033647"/>
+              <a:ext cx="688768" cy="276999"/>
+            </a:xfrm>
+            <a:prstGeom prst="rect">
+              <a:avLst/>
+            </a:prstGeom>
+            <a:noFill/>
+          </p:spPr>
+          <p:txBody>
+            <a:bodyPr wrap="square" rtlCol="0">
+              <a:spAutoFit/>
+            </a:bodyPr>
+            <a:lstStyle/>
+            <a:p>
+              <a:r>
+                <a:rPr kumimoji="1" lang="en-US" altLang="zh-CN" sz="1200" dirty="0"/>
+                <a:t>RMSE</a:t>
+              </a:r>
+              <a:r>
+                <a:rPr kumimoji="1" lang="zh-CN" altLang="en-US" sz="1200" dirty="0"/>
+                <a:t> </a:t>
+              </a:r>
+              <a:r>
+                <a:rPr kumimoji="1" lang="en-US" altLang="zh-CN" sz="1200" dirty="0"/>
+                <a:t>1</a:t>
+              </a:r>
+              <a:endParaRPr kumimoji="1" lang="zh-CN" altLang="en-US" sz="1200" dirty="0"/>
+            </a:p>
+          </p:txBody>
+        </p:sp>
+        <p:sp>
+          <p:nvSpPr>
+            <p:cNvPr id="22" name="文本框 21">
+              <a:extLst>
+                <a:ext uri="{FF2B5EF4-FFF2-40B4-BE49-F238E27FC236}">
+                  <a16:creationId xmlns:a16="http://schemas.microsoft.com/office/drawing/2014/main" id="{B9776018-2768-D831-C894-9276F42095D6}"/>
+                </a:ext>
+              </a:extLst>
+            </p:cNvPr>
+            <p:cNvSpPr txBox="1"/>
+            <p:nvPr/>
+          </p:nvSpPr>
+          <p:spPr>
+            <a:xfrm>
+              <a:off x="6602928" y="3997731"/>
+              <a:ext cx="688768" cy="276999"/>
+            </a:xfrm>
+            <a:prstGeom prst="rect">
+              <a:avLst/>
+            </a:prstGeom>
+            <a:noFill/>
+          </p:spPr>
+          <p:txBody>
+            <a:bodyPr wrap="square" rtlCol="0">
+              <a:spAutoFit/>
+            </a:bodyPr>
+            <a:lstStyle/>
+            <a:p>
+              <a:r>
+                <a:rPr kumimoji="1" lang="en-US" altLang="zh-CN" sz="1200" dirty="0"/>
+                <a:t>RMSE</a:t>
+              </a:r>
+              <a:r>
+                <a:rPr kumimoji="1" lang="zh-CN" altLang="en-US" sz="1200" dirty="0"/>
+                <a:t> </a:t>
+              </a:r>
+              <a:r>
+                <a:rPr kumimoji="1" lang="en-US" altLang="zh-CN" sz="1200" dirty="0"/>
+                <a:t>2</a:t>
+              </a:r>
+              <a:endParaRPr kumimoji="1" lang="zh-CN" altLang="en-US" sz="1200" dirty="0"/>
+            </a:p>
+          </p:txBody>
+        </p:sp>
+      </p:grpSp>
+      <p:cxnSp>
+        <p:nvCxnSpPr>
+          <p:cNvPr id="26" name="直线箭头连接符 25">
+            <a:extLst>
+              <a:ext uri="{FF2B5EF4-FFF2-40B4-BE49-F238E27FC236}">
+                <a16:creationId xmlns:a16="http://schemas.microsoft.com/office/drawing/2014/main" id="{B4932111-E3EA-05FB-240A-F0047DAB63CF}"/>
+              </a:ext>
+            </a:extLst>
+          </p:cNvPr>
+          <p:cNvCxnSpPr>
+            <a:cxnSpLocks/>
+            <a:stCxn id="4" idx="2"/>
+          </p:cNvCxnSpPr>
+          <p:nvPr/>
+        </p:nvCxnSpPr>
+        <p:spPr>
+          <a:xfrm>
+            <a:off x="4708536" y="1936531"/>
+            <a:ext cx="0" cy="604900"/>
+          </a:xfrm>
+          <a:prstGeom prst="straightConnector1">
+            <a:avLst/>
+          </a:prstGeom>
+          <a:ln w="12700">
+            <a:tailEnd type="triangle"/>
+          </a:ln>
+        </p:spPr>
+        <p:style>
+          <a:lnRef idx="1">
+            <a:schemeClr val="dk1"/>
+          </a:lnRef>
+          <a:fillRef idx="0">
+            <a:schemeClr val="dk1"/>
+          </a:fillRef>
+          <a:effectRef idx="0">
+            <a:schemeClr val="dk1"/>
+          </a:effectRef>
+          <a:fontRef idx="minor">
+            <a:schemeClr val="tx1"/>
+          </a:fontRef>
+        </p:style>
+      </p:cxnSp>
+      <p:cxnSp>
+        <p:nvCxnSpPr>
+          <p:cNvPr id="27" name="直线箭头连接符 26">
+            <a:extLst>
+              <a:ext uri="{FF2B5EF4-FFF2-40B4-BE49-F238E27FC236}">
+                <a16:creationId xmlns:a16="http://schemas.microsoft.com/office/drawing/2014/main" id="{93E48264-2780-498F-7EC1-AA926AB0EE25}"/>
+              </a:ext>
+            </a:extLst>
+          </p:cNvPr>
+          <p:cNvCxnSpPr>
+            <a:cxnSpLocks/>
+          </p:cNvCxnSpPr>
+          <p:nvPr/>
+        </p:nvCxnSpPr>
+        <p:spPr>
+          <a:xfrm>
+            <a:off x="6882246" y="1936531"/>
+            <a:ext cx="0" cy="604900"/>
+          </a:xfrm>
+          <a:prstGeom prst="straightConnector1">
+            <a:avLst/>
+          </a:prstGeom>
+          <a:ln w="12700">
+            <a:tailEnd type="triangle"/>
+          </a:ln>
+        </p:spPr>
+        <p:style>
+          <a:lnRef idx="1">
+            <a:schemeClr val="dk1"/>
+          </a:lnRef>
+          <a:fillRef idx="0">
+            <a:schemeClr val="dk1"/>
+          </a:fillRef>
+          <a:effectRef idx="0">
+            <a:schemeClr val="dk1"/>
+          </a:effectRef>
+          <a:fontRef idx="minor">
+            <a:schemeClr val="tx1"/>
+          </a:fontRef>
+        </p:style>
+      </p:cxnSp>
+      <p:cxnSp>
+        <p:nvCxnSpPr>
+          <p:cNvPr id="34" name="肘形连接符 33">
+            <a:extLst>
+              <a:ext uri="{FF2B5EF4-FFF2-40B4-BE49-F238E27FC236}">
+                <a16:creationId xmlns:a16="http://schemas.microsoft.com/office/drawing/2014/main" id="{B924575B-AABE-E861-9771-2717BD37EB54}"/>
+              </a:ext>
+            </a:extLst>
+          </p:cNvPr>
+          <p:cNvCxnSpPr>
+            <a:cxnSpLocks/>
+          </p:cNvCxnSpPr>
+          <p:nvPr/>
+        </p:nvCxnSpPr>
+        <p:spPr>
+          <a:xfrm>
+            <a:off x="5031841" y="4968739"/>
+            <a:ext cx="891207" cy="239524"/>
+          </a:xfrm>
+          <a:prstGeom prst="bentConnector2">
+            <a:avLst/>
+          </a:prstGeom>
+          <a:ln w="12700">
+            <a:solidFill>
+              <a:schemeClr val="tx1"/>
+            </a:solidFill>
+            <a:tailEnd type="triangle"/>
+          </a:ln>
+        </p:spPr>
+        <p:style>
+          <a:lnRef idx="1">
+            <a:schemeClr val="accent1"/>
+          </a:lnRef>
+          <a:fillRef idx="0">
+            <a:schemeClr val="accent1"/>
+          </a:fillRef>
+          <a:effectRef idx="0">
+            <a:schemeClr val="accent1"/>
+          </a:effectRef>
+          <a:fontRef idx="minor">
+            <a:schemeClr val="tx1"/>
+          </a:fontRef>
+        </p:style>
+      </p:cxnSp>
+      <p:cxnSp>
+        <p:nvCxnSpPr>
+          <p:cNvPr id="40" name="肘形连接符 39">
+            <a:extLst>
+              <a:ext uri="{FF2B5EF4-FFF2-40B4-BE49-F238E27FC236}">
+                <a16:creationId xmlns:a16="http://schemas.microsoft.com/office/drawing/2014/main" id="{5D8D5C18-1661-AF17-134D-FF03D9EC6ADE}"/>
+              </a:ext>
+            </a:extLst>
+          </p:cNvPr>
+          <p:cNvCxnSpPr>
+            <a:cxnSpLocks/>
+          </p:cNvCxnSpPr>
+          <p:nvPr/>
+        </p:nvCxnSpPr>
+        <p:spPr>
+          <a:xfrm rot="5400000">
+            <a:off x="6457801" y="4627953"/>
+            <a:ext cx="274166" cy="886455"/>
+          </a:xfrm>
+          <a:prstGeom prst="bentConnector3">
+            <a:avLst>
+              <a:gd name="adj1" fmla="val 3099"/>
+            </a:avLst>
+          </a:prstGeom>
+          <a:ln w="12700">
+            <a:solidFill>
+              <a:schemeClr val="tx1"/>
+            </a:solidFill>
+            <a:tailEnd type="triangle"/>
+          </a:ln>
+        </p:spPr>
+        <p:style>
+          <a:lnRef idx="1">
+            <a:schemeClr val="accent1"/>
+          </a:lnRef>
+          <a:fillRef idx="0">
+            <a:schemeClr val="accent1"/>
+          </a:fillRef>
+          <a:effectRef idx="0">
+            <a:schemeClr val="accent1"/>
+          </a:effectRef>
+          <a:fontRef idx="minor">
+            <a:schemeClr val="tx1"/>
+          </a:fontRef>
+        </p:style>
+      </p:cxnSp>
+      <p:cxnSp>
+        <p:nvCxnSpPr>
+          <p:cNvPr id="43" name="直线箭头连接符 42">
+            <a:extLst>
+              <a:ext uri="{FF2B5EF4-FFF2-40B4-BE49-F238E27FC236}">
+                <a16:creationId xmlns:a16="http://schemas.microsoft.com/office/drawing/2014/main" id="{44CE33FA-E9C7-81F8-7AB7-C177318C4E34}"/>
+              </a:ext>
+            </a:extLst>
+          </p:cNvPr>
+          <p:cNvCxnSpPr>
+            <a:cxnSpLocks/>
+            <a:stCxn id="9" idx="2"/>
+            <a:endCxn id="10" idx="0"/>
+          </p:cNvCxnSpPr>
+          <p:nvPr/>
+        </p:nvCxnSpPr>
+        <p:spPr>
+          <a:xfrm>
+            <a:off x="6037352" y="5668791"/>
+            <a:ext cx="6512" cy="264947"/>
+          </a:xfrm>
+          <a:prstGeom prst="straightConnector1">
+            <a:avLst/>
+          </a:prstGeom>
+          <a:ln w="12700">
+            <a:solidFill>
+              <a:schemeClr val="tx1"/>
+            </a:solidFill>
+            <a:tailEnd type="triangle"/>
+          </a:ln>
+        </p:spPr>
+        <p:style>
+          <a:lnRef idx="1">
+            <a:schemeClr val="accent1"/>
+          </a:lnRef>
+          <a:fillRef idx="0">
+            <a:schemeClr val="accent1"/>
+          </a:fillRef>
+          <a:effectRef idx="0">
+            <a:schemeClr val="accent1"/>
+          </a:effectRef>
+          <a:fontRef idx="minor">
+            <a:schemeClr val="tx1"/>
+          </a:fontRef>
+        </p:style>
+      </p:cxnSp>
+      <p:cxnSp>
+        <p:nvCxnSpPr>
+          <p:cNvPr id="45" name="肘形连接符 44">
+            <a:extLst>
+              <a:ext uri="{FF2B5EF4-FFF2-40B4-BE49-F238E27FC236}">
+                <a16:creationId xmlns:a16="http://schemas.microsoft.com/office/drawing/2014/main" id="{8D98B3B3-3066-D9D4-A34A-ED969048E666}"/>
+              </a:ext>
+            </a:extLst>
+          </p:cNvPr>
+          <p:cNvCxnSpPr>
+            <a:stCxn id="10" idx="1"/>
+            <a:endCxn id="11" idx="0"/>
+          </p:cNvCxnSpPr>
+          <p:nvPr/>
+        </p:nvCxnSpPr>
+        <p:spPr>
+          <a:xfrm rot="10800000" flipV="1">
+            <a:off x="4547718" y="6065023"/>
+            <a:ext cx="808491" cy="370809"/>
+          </a:xfrm>
+          <a:prstGeom prst="bentConnector2">
+            <a:avLst/>
+          </a:prstGeom>
+          <a:ln w="12700">
+            <a:solidFill>
+              <a:schemeClr val="tx1"/>
+            </a:solidFill>
+            <a:tailEnd type="triangle"/>
+          </a:ln>
+        </p:spPr>
+        <p:style>
+          <a:lnRef idx="1">
+            <a:schemeClr val="accent1"/>
+          </a:lnRef>
+          <a:fillRef idx="0">
+            <a:schemeClr val="accent1"/>
+          </a:fillRef>
+          <a:effectRef idx="0">
+            <a:schemeClr val="accent1"/>
+          </a:effectRef>
+          <a:fontRef idx="minor">
+            <a:schemeClr val="tx1"/>
+          </a:fontRef>
+        </p:style>
+      </p:cxnSp>
+      <p:cxnSp>
+        <p:nvCxnSpPr>
+          <p:cNvPr id="49" name="肘形连接符 48">
+            <a:extLst>
+              <a:ext uri="{FF2B5EF4-FFF2-40B4-BE49-F238E27FC236}">
+                <a16:creationId xmlns:a16="http://schemas.microsoft.com/office/drawing/2014/main" id="{FDFFCDFB-873D-276C-C19B-BAD7D3956247}"/>
+              </a:ext>
+            </a:extLst>
+          </p:cNvPr>
+          <p:cNvCxnSpPr>
+            <a:stCxn id="10" idx="3"/>
+            <a:endCxn id="12" idx="0"/>
+          </p:cNvCxnSpPr>
+          <p:nvPr/>
+        </p:nvCxnSpPr>
+        <p:spPr>
+          <a:xfrm>
+            <a:off x="6731520" y="6065024"/>
+            <a:ext cx="758600" cy="370809"/>
+          </a:xfrm>
+          <a:prstGeom prst="bentConnector2">
+            <a:avLst/>
+          </a:prstGeom>
+          <a:ln w="12700">
+            <a:solidFill>
+              <a:schemeClr val="tx1"/>
+            </a:solidFill>
+            <a:tailEnd type="triangle"/>
+          </a:ln>
+        </p:spPr>
+        <p:style>
+          <a:lnRef idx="1">
+            <a:schemeClr val="accent1"/>
+          </a:lnRef>
+          <a:fillRef idx="0">
+            <a:schemeClr val="accent1"/>
+          </a:fillRef>
+          <a:effectRef idx="0">
+            <a:schemeClr val="accent1"/>
+          </a:effectRef>
+          <a:fontRef idx="minor">
+            <a:schemeClr val="tx1"/>
+          </a:fontRef>
+        </p:style>
+      </p:cxnSp>
     </p:spTree>
     <p:extLst>
       <p:ext uri="{BB962C8B-B14F-4D97-AF65-F5344CB8AC3E}">

--- a/Commerce Product Recommendation with Spark ML-PPT.pptx
+++ b/Commerce Product Recommendation with Spark ML-PPT.pptx
@@ -6,17 +6,22 @@
   </p:sldMasterIdLst>
   <p:sldIdLst>
     <p:sldId id="256" r:id="rId2"/>
-    <p:sldId id="257" r:id="rId3"/>
-    <p:sldId id="258" r:id="rId4"/>
-    <p:sldId id="259" r:id="rId5"/>
-    <p:sldId id="261" r:id="rId6"/>
-    <p:sldId id="260" r:id="rId7"/>
-    <p:sldId id="262" r:id="rId8"/>
-    <p:sldId id="263" r:id="rId9"/>
-    <p:sldId id="264" r:id="rId10"/>
-    <p:sldId id="265" r:id="rId11"/>
-    <p:sldId id="266" r:id="rId12"/>
-    <p:sldId id="267" r:id="rId13"/>
+    <p:sldId id="268" r:id="rId3"/>
+    <p:sldId id="269" r:id="rId4"/>
+    <p:sldId id="270" r:id="rId5"/>
+    <p:sldId id="257" r:id="rId6"/>
+    <p:sldId id="258" r:id="rId7"/>
+    <p:sldId id="259" r:id="rId8"/>
+    <p:sldId id="261" r:id="rId9"/>
+    <p:sldId id="260" r:id="rId10"/>
+    <p:sldId id="262" r:id="rId11"/>
+    <p:sldId id="263" r:id="rId12"/>
+    <p:sldId id="264" r:id="rId13"/>
+    <p:sldId id="265" r:id="rId14"/>
+    <p:sldId id="266" r:id="rId15"/>
+    <p:sldId id="267" r:id="rId16"/>
+    <p:sldId id="271" r:id="rId17"/>
+    <p:sldId id="272" r:id="rId18"/>
   </p:sldIdLst>
   <p:sldSz cx="12192000" cy="6858000"/>
   <p:notesSz cx="6858000" cy="9144000"/>
@@ -1624,12 +1629,12 @@
     <dgm:cxn modelId="{ED5DC829-FF37-514A-A2C6-1558BABD9B85}" type="presOf" srcId="{2DEE452C-5A8D-774F-B2B6-50E449487771}" destId="{389F43CD-9DEF-8A44-B240-8DB8556D7700}" srcOrd="0" destOrd="0" presId="urn:microsoft.com/office/officeart/2005/8/layout/hierarchy3"/>
     <dgm:cxn modelId="{5496E03A-44B0-3046-AD38-E24971677E6A}" type="presOf" srcId="{93096A3A-CEEC-354E-837D-B6DF66022F17}" destId="{C7BF8D97-7F90-5A4D-B7ED-11EBDA3B0E4F}" srcOrd="0" destOrd="0" presId="urn:microsoft.com/office/officeart/2005/8/layout/hierarchy3"/>
     <dgm:cxn modelId="{74AD4140-790D-6343-BECA-8C23A78A6A81}" type="presOf" srcId="{AB8C5B2E-7B77-7D47-8A13-79EAAC8629E8}" destId="{69207A65-C37E-3645-B30A-0BFC9D886E8C}" srcOrd="0" destOrd="0" presId="urn:microsoft.com/office/officeart/2005/8/layout/hierarchy3"/>
+    <dgm:cxn modelId="{49D0E85F-9931-9343-8259-A89F2BE3BB40}" type="presOf" srcId="{E2353FCD-3ED5-BD4A-BA26-43E0BDFA07F0}" destId="{D0128FDD-7F7C-0A44-BCCB-8AB712DA7C9A}" srcOrd="1" destOrd="0" presId="urn:microsoft.com/office/officeart/2005/8/layout/hierarchy3"/>
     <dgm:cxn modelId="{C2B57845-4BE6-BB42-9521-24BFA44073E4}" srcId="{126030A5-6E0A-BD48-9D5C-5BDA78B0C4B6}" destId="{E2353FCD-3ED5-BD4A-BA26-43E0BDFA07F0}" srcOrd="1" destOrd="0" parTransId="{26A7F2FE-B2AE-2644-A506-7DBE23A808FD}" sibTransId="{3DF7472F-B699-2D40-9A6E-D0AECD0E34C9}"/>
     <dgm:cxn modelId="{D04A4847-1881-D143-B824-77CBAED73214}" type="presOf" srcId="{126030A5-6E0A-BD48-9D5C-5BDA78B0C4B6}" destId="{D7C3128C-9AFB-D74A-B876-94263476B82F}" srcOrd="0" destOrd="0" presId="urn:microsoft.com/office/officeart/2005/8/layout/hierarchy3"/>
     <dgm:cxn modelId="{3F3BCF49-4961-664D-8131-F864EF1A45C1}" type="presOf" srcId="{CEF4596D-82CE-1741-BDF4-86C00B3D56A1}" destId="{BA6C3CAC-D7B2-FB41-9D54-FF7ABFB9BF68}" srcOrd="0" destOrd="0" presId="urn:microsoft.com/office/officeart/2005/8/layout/hierarchy3"/>
+    <dgm:cxn modelId="{8235466A-A0C3-D744-B2E6-03B5555BE484}" type="presOf" srcId="{E2353FCD-3ED5-BD4A-BA26-43E0BDFA07F0}" destId="{AA3CF610-6854-7C47-9377-41CAD68823B0}" srcOrd="0" destOrd="0" presId="urn:microsoft.com/office/officeart/2005/8/layout/hierarchy3"/>
     <dgm:cxn modelId="{093DA950-BCE7-C14D-AF74-9940CC2CAD6B}" srcId="{2DEE452C-5A8D-774F-B2B6-50E449487771}" destId="{400907D9-AEC4-C048-8D29-27D2D2EB65FC}" srcOrd="2" destOrd="0" parTransId="{D8B8624E-7C65-1F47-AAC0-0DBDFA41A941}" sibTransId="{FDC8A259-22F4-4246-951B-CD787E2659D1}"/>
-    <dgm:cxn modelId="{49D0E85F-9931-9343-8259-A89F2BE3BB40}" type="presOf" srcId="{E2353FCD-3ED5-BD4A-BA26-43E0BDFA07F0}" destId="{D0128FDD-7F7C-0A44-BCCB-8AB712DA7C9A}" srcOrd="1" destOrd="0" presId="urn:microsoft.com/office/officeart/2005/8/layout/hierarchy3"/>
-    <dgm:cxn modelId="{8235466A-A0C3-D744-B2E6-03B5555BE484}" type="presOf" srcId="{E2353FCD-3ED5-BD4A-BA26-43E0BDFA07F0}" destId="{AA3CF610-6854-7C47-9377-41CAD68823B0}" srcOrd="0" destOrd="0" presId="urn:microsoft.com/office/officeart/2005/8/layout/hierarchy3"/>
     <dgm:cxn modelId="{C8AD2579-0921-6A47-9468-AF4E027F639D}" srcId="{2DEE452C-5A8D-774F-B2B6-50E449487771}" destId="{CEF4596D-82CE-1741-BDF4-86C00B3D56A1}" srcOrd="1" destOrd="0" parTransId="{763E6BB8-3EA5-C149-B020-8555BF626575}" sibTransId="{41686247-DEA5-8D48-9B65-E4A0F1530BF4}"/>
     <dgm:cxn modelId="{22800785-7987-F44A-9DAC-AF2151F0DAD6}" type="presOf" srcId="{5DBE1E7A-05C4-CF4E-81D5-D00DEE87E0DB}" destId="{4DF50D04-A115-E846-BBD4-E941174E2C65}" srcOrd="0" destOrd="0" presId="urn:microsoft.com/office/officeart/2005/8/layout/hierarchy3"/>
     <dgm:cxn modelId="{28077688-6AC3-8442-9106-87A731197200}" type="presOf" srcId="{41E79BB5-F900-6A4F-AB02-801980B7C909}" destId="{7F9852D6-D9DE-034F-82CF-B859E1985EA4}" srcOrd="0" destOrd="0" presId="urn:microsoft.com/office/officeart/2005/8/layout/hierarchy3"/>
@@ -7685,6 +7690,1158 @@
           <a:p>
             <a:r>
               <a:rPr kumimoji="1" lang="en-US" altLang="zh-CN" b="1" dirty="0"/>
+              <a:t>SVD-</a:t>
+            </a:r>
+            <a:r>
+              <a:rPr lang="en-US" altLang="zh-CN" sz="2800" b="1" dirty="0"/>
+              <a:t>Singular</a:t>
+            </a:r>
+            <a:r>
+              <a:rPr lang="zh-CN" altLang="en-US" sz="2800" b="1" dirty="0"/>
+              <a:t> </a:t>
+            </a:r>
+            <a:r>
+              <a:rPr lang="en-US" altLang="zh-CN" sz="2800" b="1" dirty="0"/>
+              <a:t>Value</a:t>
+            </a:r>
+            <a:r>
+              <a:rPr lang="zh-CN" altLang="en-US" sz="2800" b="1" dirty="0"/>
+              <a:t> </a:t>
+            </a:r>
+            <a:r>
+              <a:rPr lang="en-US" altLang="zh-CN" sz="2800" b="1" dirty="0"/>
+              <a:t>Decomposition</a:t>
+            </a:r>
+            <a:endParaRPr kumimoji="1" lang="zh-CN" altLang="en-US" sz="2800" b="1" dirty="0"/>
+          </a:p>
+        </p:txBody>
+      </p:sp>
+      <p:sp>
+        <p:nvSpPr>
+          <p:cNvPr id="5" name="内容占位符 4">
+            <a:extLst>
+              <a:ext uri="{FF2B5EF4-FFF2-40B4-BE49-F238E27FC236}">
+                <a16:creationId xmlns:a16="http://schemas.microsoft.com/office/drawing/2014/main" id="{BCD7F3A1-D63C-A3C7-D612-EAAD67C389EF}"/>
+              </a:ext>
+            </a:extLst>
+          </p:cNvPr>
+          <p:cNvSpPr>
+            <a:spLocks noGrp="1"/>
+          </p:cNvSpPr>
+          <p:nvPr>
+            <p:ph idx="1"/>
+          </p:nvPr>
+        </p:nvSpPr>
+        <p:spPr/>
+        <p:txBody>
+          <a:bodyPr/>
+          <a:lstStyle/>
+          <a:p>
+            <a:r>
+              <a:rPr kumimoji="1" lang="en-US" altLang="zh-CN" b="1" dirty="0"/>
+              <a:t>What</a:t>
+            </a:r>
+            <a:r>
+              <a:rPr kumimoji="1" lang="zh-CN" altLang="en-US" b="1" dirty="0"/>
+              <a:t> </a:t>
+            </a:r>
+            <a:r>
+              <a:rPr kumimoji="1" lang="en-US" altLang="zh-CN" b="1" dirty="0"/>
+              <a:t>is</a:t>
+            </a:r>
+            <a:r>
+              <a:rPr kumimoji="1" lang="zh-CN" altLang="en-US" b="1" dirty="0"/>
+              <a:t> </a:t>
+            </a:r>
+            <a:r>
+              <a:rPr kumimoji="1" lang="en-US" altLang="zh-CN" b="1" dirty="0"/>
+              <a:t>SVD?</a:t>
+            </a:r>
+          </a:p>
+          <a:p>
+            <a:pPr marL="0" indent="0">
+              <a:buNone/>
+            </a:pPr>
+            <a:endParaRPr kumimoji="1" lang="en-US" altLang="zh-CN" dirty="0"/>
+          </a:p>
+          <a:p>
+            <a:pPr marL="457200" lvl="1" indent="0">
+              <a:buNone/>
+            </a:pPr>
+            <a:r>
+              <a:rPr lang="en" altLang="zh-CN" dirty="0"/>
+              <a:t>Singular Value Decomposition (SVD) is a classical matrix factorization technique used to reduce dimensionality and discover latent features in collaborative filtering.</a:t>
+            </a:r>
+            <a:endParaRPr lang="zh-CN" altLang="en-US" dirty="0"/>
+          </a:p>
+        </p:txBody>
+      </p:sp>
+    </p:spTree>
+    <p:extLst>
+      <p:ext uri="{BB962C8B-B14F-4D97-AF65-F5344CB8AC3E}">
+        <p14:creationId xmlns:p14="http://schemas.microsoft.com/office/powerpoint/2010/main" val="3860028220"/>
+      </p:ext>
+    </p:extLst>
+  </p:cSld>
+  <p:clrMapOvr>
+    <a:masterClrMapping/>
+  </p:clrMapOvr>
+</p:sld>
+</file>
+
+<file path=ppt/slides/slide11.xml><?xml version="1.0" encoding="utf-8"?>
+<p:sld xmlns:a="http://schemas.openxmlformats.org/drawingml/2006/main" xmlns:r="http://schemas.openxmlformats.org/officeDocument/2006/relationships" xmlns:p="http://schemas.openxmlformats.org/presentationml/2006/main">
+  <p:cSld>
+    <p:spTree>
+      <p:nvGrpSpPr>
+        <p:cNvPr id="1" name=""/>
+        <p:cNvGrpSpPr/>
+        <p:nvPr/>
+      </p:nvGrpSpPr>
+      <p:grpSpPr>
+        <a:xfrm>
+          <a:off x="0" y="0"/>
+          <a:ext cx="0" cy="0"/>
+          <a:chOff x="0" y="0"/>
+          <a:chExt cx="0" cy="0"/>
+        </a:xfrm>
+      </p:grpSpPr>
+      <p:sp>
+        <p:nvSpPr>
+          <p:cNvPr id="2" name="标题 1">
+            <a:extLst>
+              <a:ext uri="{FF2B5EF4-FFF2-40B4-BE49-F238E27FC236}">
+                <a16:creationId xmlns:a16="http://schemas.microsoft.com/office/drawing/2014/main" id="{93C91A0B-1612-EB4F-2A44-861A0E83E188}"/>
+              </a:ext>
+            </a:extLst>
+          </p:cNvPr>
+          <p:cNvSpPr>
+            <a:spLocks noGrp="1"/>
+          </p:cNvSpPr>
+          <p:nvPr>
+            <p:ph type="title"/>
+          </p:nvPr>
+        </p:nvSpPr>
+        <p:spPr/>
+        <p:txBody>
+          <a:bodyPr/>
+          <a:lstStyle/>
+          <a:p>
+            <a:r>
+              <a:rPr kumimoji="1" lang="en-US" altLang="zh-CN" b="1" dirty="0"/>
+              <a:t>SVD-</a:t>
+            </a:r>
+            <a:r>
+              <a:rPr lang="en-US" altLang="zh-CN" sz="4400" b="1" dirty="0"/>
+              <a:t>Singular</a:t>
+            </a:r>
+            <a:r>
+              <a:rPr lang="zh-CN" altLang="en-US" sz="4400" b="1" dirty="0"/>
+              <a:t> </a:t>
+            </a:r>
+            <a:r>
+              <a:rPr lang="en-US" altLang="zh-CN" sz="4400" b="1" dirty="0"/>
+              <a:t>Value</a:t>
+            </a:r>
+            <a:r>
+              <a:rPr lang="zh-CN" altLang="en-US" sz="4400" b="1" dirty="0"/>
+              <a:t> </a:t>
+            </a:r>
+            <a:r>
+              <a:rPr lang="en-US" altLang="zh-CN" sz="4400" b="1" dirty="0"/>
+              <a:t>Decomposition</a:t>
+            </a:r>
+            <a:endParaRPr kumimoji="1" lang="zh-CN" altLang="en-US" sz="2800" b="1" dirty="0"/>
+          </a:p>
+        </p:txBody>
+      </p:sp>
+      <mc:AlternateContent xmlns:mc="http://schemas.openxmlformats.org/markup-compatibility/2006" xmlns:a14="http://schemas.microsoft.com/office/drawing/2010/main">
+        <mc:Choice Requires="a14">
+          <p:sp>
+            <p:nvSpPr>
+              <p:cNvPr id="3" name="内容占位符 2">
+                <a:extLst>
+                  <a:ext uri="{FF2B5EF4-FFF2-40B4-BE49-F238E27FC236}">
+                    <a16:creationId xmlns:a16="http://schemas.microsoft.com/office/drawing/2014/main" id="{2A032161-8894-C639-CAF8-3CAD12081B21}"/>
+                  </a:ext>
+                </a:extLst>
+              </p:cNvPr>
+              <p:cNvSpPr>
+                <a:spLocks noGrp="1"/>
+              </p:cNvSpPr>
+              <p:nvPr>
+                <p:ph idx="1"/>
+              </p:nvPr>
+            </p:nvSpPr>
+            <p:spPr/>
+            <p:txBody>
+              <a:bodyPr>
+                <a:normAutofit fontScale="92500" lnSpcReduction="20000"/>
+              </a:bodyPr>
+              <a:lstStyle/>
+              <a:p>
+                <a:r>
+                  <a:rPr kumimoji="1" lang="en-US" altLang="zh-CN" b="1" dirty="0"/>
+                  <a:t>How</a:t>
+                </a:r>
+                <a:r>
+                  <a:rPr kumimoji="1" lang="zh-CN" altLang="en-US" b="1" dirty="0"/>
+                  <a:t> </a:t>
+                </a:r>
+                <a:r>
+                  <a:rPr kumimoji="1" lang="en-US" altLang="zh-CN" b="1" dirty="0"/>
+                  <a:t>it</a:t>
+                </a:r>
+                <a:r>
+                  <a:rPr kumimoji="1" lang="zh-CN" altLang="en-US" b="1" dirty="0"/>
+                  <a:t> </a:t>
+                </a:r>
+                <a:r>
+                  <a:rPr kumimoji="1" lang="en-US" altLang="zh-CN" b="1" dirty="0"/>
+                  <a:t>works?</a:t>
+                </a:r>
+              </a:p>
+              <a:p>
+                <a:endParaRPr kumimoji="1" lang="en-US" altLang="zh-CN" b="1" dirty="0"/>
+              </a:p>
+              <a:p>
+                <a:pPr lvl="1"/>
+                <a:r>
+                  <a:rPr kumimoji="1" lang="en-US" altLang="zh-CN" dirty="0"/>
+                  <a:t>Decomposes</a:t>
+                </a:r>
+                <a:r>
+                  <a:rPr kumimoji="1" lang="zh-CN" altLang="en-US" dirty="0"/>
+                  <a:t> </a:t>
+                </a:r>
+                <a:r>
+                  <a:rPr kumimoji="1" lang="en-US" altLang="zh-CN" dirty="0"/>
+                  <a:t>the</a:t>
+                </a:r>
+                <a:r>
+                  <a:rPr kumimoji="1" lang="zh-CN" altLang="en-US" dirty="0"/>
+                  <a:t> </a:t>
+                </a:r>
+                <a:r>
+                  <a:rPr kumimoji="1" lang="en-US" altLang="zh-CN" dirty="0"/>
+                  <a:t>original</a:t>
+                </a:r>
+                <a:r>
+                  <a:rPr kumimoji="1" lang="zh-CN" altLang="en-US" dirty="0"/>
+                  <a:t> </a:t>
+                </a:r>
+                <a:r>
+                  <a:rPr kumimoji="1" lang="en-US" altLang="zh-CN" dirty="0"/>
+                  <a:t>rating</a:t>
+                </a:r>
+                <a:r>
+                  <a:rPr kumimoji="1" lang="zh-CN" altLang="en-US" dirty="0"/>
+                  <a:t> </a:t>
+                </a:r>
+                <a:r>
+                  <a:rPr kumimoji="1" lang="en-US" altLang="zh-CN" dirty="0"/>
+                  <a:t>matrix</a:t>
+                </a:r>
+                <a:r>
+                  <a:rPr kumimoji="1" lang="zh-CN" altLang="en-US" dirty="0"/>
+                  <a:t> </a:t>
+                </a:r>
+                <a:r>
+                  <a:rPr kumimoji="1" lang="en-US" altLang="zh-CN" dirty="0"/>
+                  <a:t>R</a:t>
+                </a:r>
+                <a:r>
+                  <a:rPr kumimoji="1" lang="zh-CN" altLang="en-US" dirty="0"/>
+                  <a:t> </a:t>
+                </a:r>
+                <a:r>
+                  <a:rPr kumimoji="1" lang="en-US" altLang="zh-CN" dirty="0"/>
+                  <a:t>into</a:t>
+                </a:r>
+                <a:r>
+                  <a:rPr kumimoji="1" lang="zh-CN" altLang="en-US" dirty="0"/>
+                  <a:t> </a:t>
+                </a:r>
+                <a:r>
+                  <a:rPr kumimoji="1" lang="en-US" altLang="zh-CN" dirty="0"/>
+                  <a:t>three</a:t>
+                </a:r>
+                <a:r>
+                  <a:rPr kumimoji="1" lang="zh-CN" altLang="en-US" dirty="0"/>
+                  <a:t> </a:t>
+                </a:r>
+                <a:r>
+                  <a:rPr kumimoji="1" lang="en-US" altLang="zh-CN" dirty="0" err="1"/>
+                  <a:t>matrics</a:t>
+                </a:r>
+                <a:r>
+                  <a:rPr kumimoji="1" lang="en-US" altLang="zh-CN" dirty="0"/>
+                  <a:t>:</a:t>
+                </a:r>
+              </a:p>
+              <a:p>
+                <a:pPr lvl="1"/>
+                <a:endParaRPr kumimoji="1" lang="en-US" altLang="zh-CN" dirty="0"/>
+              </a:p>
+              <a:p>
+                <a:pPr marL="3200400" lvl="7" indent="0">
+                  <a:buNone/>
+                </a:pPr>
+                <a:r>
+                  <a:rPr kumimoji="1" lang="en-US" altLang="zh-CN" dirty="0"/>
+                  <a:t>	</a:t>
+                </a:r>
+                <a14:m>
+                  <m:oMath xmlns:m="http://schemas.openxmlformats.org/officeDocument/2006/math">
+                    <m:sSub>
+                      <m:sSubPr>
+                        <m:ctrlPr>
+                          <a:rPr kumimoji="1" lang="en-US" altLang="zh-CN" i="1" smtClean="0">
+                            <a:latin typeface="Cambria Math" panose="02040503050406030204" pitchFamily="18" charset="0"/>
+                          </a:rPr>
+                        </m:ctrlPr>
+                      </m:sSubPr>
+                      <m:e>
+                        <m:r>
+                          <m:rPr>
+                            <m:sty m:val="p"/>
+                          </m:rPr>
+                          <a:rPr kumimoji="1" lang="en-US" altLang="zh-CN" i="1">
+                            <a:latin typeface="Cambria Math" panose="02040503050406030204" pitchFamily="18" charset="0"/>
+                          </a:rPr>
+                          <m:t>R</m:t>
+                        </m:r>
+                      </m:e>
+                      <m:sub>
+                        <m:r>
+                          <m:rPr>
+                            <m:sty m:val="p"/>
+                          </m:rPr>
+                          <a:rPr kumimoji="1" lang="en-US" altLang="zh-CN" i="1">
+                            <a:latin typeface="Cambria Math" panose="02040503050406030204" pitchFamily="18" charset="0"/>
+                          </a:rPr>
+                          <m:t>m</m:t>
+                        </m:r>
+                        <m:r>
+                          <a:rPr kumimoji="1" lang="en-US" altLang="zh-CN" i="1" smtClean="0">
+                            <a:latin typeface="Cambria Math" panose="02040503050406030204" pitchFamily="18" charset="0"/>
+                            <a:ea typeface="Cambria Math" panose="02040503050406030204" pitchFamily="18" charset="0"/>
+                          </a:rPr>
+                          <m:t>×</m:t>
+                        </m:r>
+                        <m:r>
+                          <a:rPr kumimoji="1" lang="en-US" altLang="zh-CN" b="0" i="1" smtClean="0">
+                            <a:latin typeface="Cambria Math" panose="02040503050406030204" pitchFamily="18" charset="0"/>
+                            <a:ea typeface="Cambria Math" panose="02040503050406030204" pitchFamily="18" charset="0"/>
+                          </a:rPr>
+                          <m:t>𝑛</m:t>
+                        </m:r>
+                      </m:sub>
+                    </m:sSub>
+                    <m:r>
+                      <a:rPr kumimoji="1" lang="en-US" altLang="zh-CN" i="1" smtClean="0">
+                        <a:latin typeface="Cambria Math" panose="02040503050406030204" pitchFamily="18" charset="0"/>
+                        <a:ea typeface="Cambria Math" panose="02040503050406030204" pitchFamily="18" charset="0"/>
+                      </a:rPr>
+                      <m:t>≈</m:t>
+                    </m:r>
+                    <m:sSub>
+                      <m:sSubPr>
+                        <m:ctrlPr>
+                          <a:rPr kumimoji="1" lang="en-US" altLang="zh-CN" i="1" smtClean="0">
+                            <a:latin typeface="Cambria Math" panose="02040503050406030204" pitchFamily="18" charset="0"/>
+                            <a:ea typeface="Cambria Math" panose="02040503050406030204" pitchFamily="18" charset="0"/>
+                          </a:rPr>
+                        </m:ctrlPr>
+                      </m:sSubPr>
+                      <m:e>
+                        <m:r>
+                          <a:rPr kumimoji="1" lang="en-US" altLang="zh-CN" b="0" i="1" smtClean="0">
+                            <a:latin typeface="Cambria Math" panose="02040503050406030204" pitchFamily="18" charset="0"/>
+                            <a:ea typeface="Cambria Math" panose="02040503050406030204" pitchFamily="18" charset="0"/>
+                          </a:rPr>
+                          <m:t>𝑈</m:t>
+                        </m:r>
+                      </m:e>
+                      <m:sub>
+                        <m:r>
+                          <a:rPr kumimoji="1" lang="en-US" altLang="zh-CN" b="0" i="1" smtClean="0">
+                            <a:latin typeface="Cambria Math" panose="02040503050406030204" pitchFamily="18" charset="0"/>
+                            <a:ea typeface="Cambria Math" panose="02040503050406030204" pitchFamily="18" charset="0"/>
+                          </a:rPr>
+                          <m:t>𝑚</m:t>
+                        </m:r>
+                        <m:r>
+                          <a:rPr kumimoji="1" lang="en-US" altLang="zh-CN" b="0" i="1" smtClean="0">
+                            <a:latin typeface="Cambria Math" panose="02040503050406030204" pitchFamily="18" charset="0"/>
+                            <a:ea typeface="Cambria Math" panose="02040503050406030204" pitchFamily="18" charset="0"/>
+                          </a:rPr>
+                          <m:t>×</m:t>
+                        </m:r>
+                        <m:r>
+                          <a:rPr kumimoji="1" lang="en-US" altLang="zh-CN" b="0" i="1" smtClean="0">
+                            <a:latin typeface="Cambria Math" panose="02040503050406030204" pitchFamily="18" charset="0"/>
+                            <a:ea typeface="Cambria Math" panose="02040503050406030204" pitchFamily="18" charset="0"/>
+                          </a:rPr>
+                          <m:t>𝑘</m:t>
+                        </m:r>
+                      </m:sub>
+                    </m:sSub>
+                    <m:r>
+                      <a:rPr kumimoji="1" lang="en-US" altLang="zh-CN" b="0" i="1" smtClean="0">
+                        <a:latin typeface="Cambria Math" panose="02040503050406030204" pitchFamily="18" charset="0"/>
+                        <a:ea typeface="Cambria Math" panose="02040503050406030204" pitchFamily="18" charset="0"/>
+                      </a:rPr>
+                      <m:t>×</m:t>
+                    </m:r>
+                    <m:r>
+                      <a:rPr kumimoji="1" lang="zh-CN" altLang="en-US" b="0" i="1" smtClean="0">
+                        <a:latin typeface="Cambria Math" panose="02040503050406030204" pitchFamily="18" charset="0"/>
+                        <a:ea typeface="Cambria Math" panose="02040503050406030204" pitchFamily="18" charset="0"/>
+                      </a:rPr>
+                      <m:t> </m:t>
+                    </m:r>
+                    <m:sSub>
+                      <m:sSubPr>
+                        <m:ctrlPr>
+                          <a:rPr kumimoji="1" lang="en-US" altLang="zh-CN" b="0" i="1" smtClean="0">
+                            <a:latin typeface="Cambria Math" panose="02040503050406030204" pitchFamily="18" charset="0"/>
+                            <a:ea typeface="Cambria Math" panose="02040503050406030204" pitchFamily="18" charset="0"/>
+                          </a:rPr>
+                        </m:ctrlPr>
+                      </m:sSubPr>
+                      <m:e>
+                        <m:r>
+                          <m:rPr>
+                            <m:sty m:val="p"/>
+                          </m:rPr>
+                          <a:rPr kumimoji="1" lang="el-GR" altLang="zh-CN" b="0" i="1" smtClean="0">
+                            <a:latin typeface="Cambria Math" panose="02040503050406030204" pitchFamily="18" charset="0"/>
+                            <a:ea typeface="Cambria Math" panose="02040503050406030204" pitchFamily="18" charset="0"/>
+                          </a:rPr>
+                          <m:t>Σ</m:t>
+                        </m:r>
+                      </m:e>
+                      <m:sub>
+                        <m:r>
+                          <m:rPr>
+                            <m:sty m:val="p"/>
+                          </m:rPr>
+                          <a:rPr kumimoji="1" lang="en-US" altLang="zh-CN" i="1">
+                            <a:latin typeface="Cambria Math" panose="02040503050406030204" pitchFamily="18" charset="0"/>
+                            <a:ea typeface="Cambria Math" panose="02040503050406030204" pitchFamily="18" charset="0"/>
+                          </a:rPr>
+                          <m:t>k</m:t>
+                        </m:r>
+                        <m:r>
+                          <a:rPr kumimoji="1" lang="en-US" altLang="zh-CN" i="1" smtClean="0">
+                            <a:latin typeface="Cambria Math" panose="02040503050406030204" pitchFamily="18" charset="0"/>
+                            <a:ea typeface="Cambria Math" panose="02040503050406030204" pitchFamily="18" charset="0"/>
+                          </a:rPr>
+                          <m:t>×</m:t>
+                        </m:r>
+                        <m:r>
+                          <a:rPr kumimoji="1" lang="en-US" altLang="zh-CN" b="0" i="1" smtClean="0">
+                            <a:latin typeface="Cambria Math" panose="02040503050406030204" pitchFamily="18" charset="0"/>
+                            <a:ea typeface="Cambria Math" panose="02040503050406030204" pitchFamily="18" charset="0"/>
+                          </a:rPr>
+                          <m:t>𝑘</m:t>
+                        </m:r>
+                      </m:sub>
+                    </m:sSub>
+                    <m:r>
+                      <a:rPr kumimoji="1" lang="en-US" altLang="zh-CN" b="0" i="1" smtClean="0">
+                        <a:latin typeface="Cambria Math" panose="02040503050406030204" pitchFamily="18" charset="0"/>
+                        <a:ea typeface="Cambria Math" panose="02040503050406030204" pitchFamily="18" charset="0"/>
+                      </a:rPr>
+                      <m:t>×</m:t>
+                    </m:r>
+                    <m:r>
+                      <a:rPr kumimoji="1" lang="zh-CN" altLang="en-US" b="0" i="1" smtClean="0">
+                        <a:latin typeface="Cambria Math" panose="02040503050406030204" pitchFamily="18" charset="0"/>
+                        <a:ea typeface="Cambria Math" panose="02040503050406030204" pitchFamily="18" charset="0"/>
+                      </a:rPr>
+                      <m:t> </m:t>
+                    </m:r>
+                    <m:sSub>
+                      <m:sSubPr>
+                        <m:ctrlPr>
+                          <a:rPr kumimoji="1" lang="en-US" altLang="zh-CN" b="0" i="1" smtClean="0">
+                            <a:latin typeface="Cambria Math" panose="02040503050406030204" pitchFamily="18" charset="0"/>
+                            <a:ea typeface="Cambria Math" panose="02040503050406030204" pitchFamily="18" charset="0"/>
+                          </a:rPr>
+                        </m:ctrlPr>
+                      </m:sSubPr>
+                      <m:e>
+                        <m:r>
+                          <a:rPr kumimoji="1" lang="en-US" altLang="zh-CN" b="0" i="1" smtClean="0">
+                            <a:latin typeface="Cambria Math" panose="02040503050406030204" pitchFamily="18" charset="0"/>
+                            <a:ea typeface="Cambria Math" panose="02040503050406030204" pitchFamily="18" charset="0"/>
+                          </a:rPr>
+                          <m:t>𝑉</m:t>
+                        </m:r>
+                      </m:e>
+                      <m:sub>
+                        <m:r>
+                          <a:rPr kumimoji="1" lang="en-US" altLang="zh-CN" b="0" i="1" smtClean="0">
+                            <a:latin typeface="Cambria Math" panose="02040503050406030204" pitchFamily="18" charset="0"/>
+                            <a:ea typeface="Cambria Math" panose="02040503050406030204" pitchFamily="18" charset="0"/>
+                          </a:rPr>
+                          <m:t>𝑘</m:t>
+                        </m:r>
+                        <m:r>
+                          <a:rPr kumimoji="1" lang="en-US" altLang="zh-CN" b="0" i="1" smtClean="0">
+                            <a:latin typeface="Cambria Math" panose="02040503050406030204" pitchFamily="18" charset="0"/>
+                            <a:ea typeface="Cambria Math" panose="02040503050406030204" pitchFamily="18" charset="0"/>
+                          </a:rPr>
+                          <m:t>×</m:t>
+                        </m:r>
+                        <m:r>
+                          <a:rPr kumimoji="1" lang="en-US" altLang="zh-CN" b="0" i="1" smtClean="0">
+                            <a:latin typeface="Cambria Math" panose="02040503050406030204" pitchFamily="18" charset="0"/>
+                            <a:ea typeface="Cambria Math" panose="02040503050406030204" pitchFamily="18" charset="0"/>
+                          </a:rPr>
+                          <m:t>𝑛</m:t>
+                        </m:r>
+                      </m:sub>
+                    </m:sSub>
+                  </m:oMath>
+                </a14:m>
+                <a:endParaRPr kumimoji="1" lang="en-US" altLang="zh-CN" b="0" dirty="0">
+                  <a:ea typeface="Cambria Math" panose="02040503050406030204" pitchFamily="18" charset="0"/>
+                </a:endParaRPr>
+              </a:p>
+              <a:p>
+                <a:pPr marL="457200" lvl="1" indent="0">
+                  <a:buNone/>
+                </a:pPr>
+                <a:endParaRPr kumimoji="1" lang="en-US" altLang="zh-CN" dirty="0"/>
+              </a:p>
+              <a:p>
+                <a:pPr lvl="1"/>
+                <a:r>
+                  <a:rPr kumimoji="1" lang="en-US" altLang="zh-CN" dirty="0"/>
+                  <a:t>Where</a:t>
+                </a:r>
+              </a:p>
+              <a:p>
+                <a:pPr lvl="2"/>
+                <a:r>
+                  <a:rPr kumimoji="1" lang="en-US" altLang="zh-CN" dirty="0"/>
+                  <a:t>R:</a:t>
+                </a:r>
+                <a:r>
+                  <a:rPr kumimoji="1" lang="zh-CN" altLang="en-US" dirty="0"/>
+                  <a:t> </a:t>
+                </a:r>
+                <a:r>
+                  <a:rPr kumimoji="1" lang="en-US" altLang="zh-CN" dirty="0"/>
+                  <a:t>The</a:t>
+                </a:r>
+                <a:r>
+                  <a:rPr kumimoji="1" lang="zh-CN" altLang="en-US" dirty="0"/>
+                  <a:t> </a:t>
+                </a:r>
+                <a:r>
+                  <a:rPr kumimoji="1" lang="en-US" altLang="zh-CN" dirty="0"/>
+                  <a:t>original</a:t>
+                </a:r>
+                <a:r>
+                  <a:rPr kumimoji="1" lang="zh-CN" altLang="en-US" dirty="0"/>
+                  <a:t> </a:t>
+                </a:r>
+                <a:r>
+                  <a:rPr kumimoji="1" lang="en-US" altLang="zh-CN" dirty="0"/>
+                  <a:t>rating</a:t>
+                </a:r>
+                <a:r>
+                  <a:rPr kumimoji="1" lang="zh-CN" altLang="en-US" dirty="0"/>
+                  <a:t> </a:t>
+                </a:r>
+                <a:r>
+                  <a:rPr kumimoji="1" lang="en-US" altLang="zh-CN" dirty="0"/>
+                  <a:t>matrix,</a:t>
+                </a:r>
+                <a:r>
+                  <a:rPr kumimoji="1" lang="zh-CN" altLang="en-US" dirty="0"/>
+                  <a:t> </a:t>
+                </a:r>
+                <a:r>
+                  <a:rPr kumimoji="1" lang="en-US" altLang="zh-CN" dirty="0"/>
+                  <a:t>m</a:t>
+                </a:r>
+                <a:r>
+                  <a:rPr kumimoji="1" lang="zh-CN" altLang="en-US" dirty="0"/>
+                  <a:t> </a:t>
+                </a:r>
+                <a:r>
+                  <a:rPr kumimoji="1" lang="en-US" altLang="zh-CN" dirty="0"/>
+                  <a:t>is</a:t>
+                </a:r>
+                <a:r>
+                  <a:rPr kumimoji="1" lang="zh-CN" altLang="en-US" dirty="0"/>
+                  <a:t> </a:t>
+                </a:r>
+                <a:r>
+                  <a:rPr kumimoji="1" lang="en-US" altLang="zh-CN" dirty="0"/>
+                  <a:t>the</a:t>
+                </a:r>
+                <a:r>
+                  <a:rPr kumimoji="1" lang="zh-CN" altLang="en-US" dirty="0"/>
+                  <a:t> </a:t>
+                </a:r>
+                <a:r>
+                  <a:rPr kumimoji="1" lang="en-US" altLang="zh-CN" dirty="0"/>
+                  <a:t>number</a:t>
+                </a:r>
+                <a:r>
+                  <a:rPr kumimoji="1" lang="zh-CN" altLang="en-US" dirty="0"/>
+                  <a:t> </a:t>
+                </a:r>
+                <a:r>
+                  <a:rPr kumimoji="1" lang="en-US" altLang="zh-CN" dirty="0"/>
+                  <a:t>of</a:t>
+                </a:r>
+                <a:r>
+                  <a:rPr kumimoji="1" lang="zh-CN" altLang="en-US" dirty="0"/>
+                  <a:t> </a:t>
+                </a:r>
+                <a:r>
+                  <a:rPr kumimoji="1" lang="en-US" altLang="zh-CN" dirty="0"/>
+                  <a:t>users</a:t>
+                </a:r>
+                <a:r>
+                  <a:rPr kumimoji="1" lang="zh-CN" altLang="en-US" dirty="0"/>
+                  <a:t> </a:t>
+                </a:r>
+                <a:r>
+                  <a:rPr kumimoji="1" lang="en-US" altLang="zh-CN" dirty="0"/>
+                  <a:t>and</a:t>
+                </a:r>
+                <a:r>
+                  <a:rPr kumimoji="1" lang="zh-CN" altLang="en-US" dirty="0"/>
+                  <a:t> </a:t>
+                </a:r>
+                <a:r>
+                  <a:rPr kumimoji="1" lang="en-US" altLang="zh-CN" dirty="0"/>
+                  <a:t>n</a:t>
+                </a:r>
+                <a:r>
+                  <a:rPr kumimoji="1" lang="zh-CN" altLang="en-US" dirty="0"/>
+                  <a:t> </a:t>
+                </a:r>
+                <a:r>
+                  <a:rPr kumimoji="1" lang="en-US" altLang="zh-CN" dirty="0"/>
+                  <a:t>is</a:t>
+                </a:r>
+                <a:r>
+                  <a:rPr kumimoji="1" lang="zh-CN" altLang="en-US" dirty="0"/>
+                  <a:t> </a:t>
+                </a:r>
+                <a:r>
+                  <a:rPr kumimoji="1" lang="en-US" altLang="zh-CN" dirty="0"/>
+                  <a:t>the</a:t>
+                </a:r>
+                <a:r>
+                  <a:rPr kumimoji="1" lang="zh-CN" altLang="en-US" dirty="0"/>
+                  <a:t> </a:t>
+                </a:r>
+                <a:r>
+                  <a:rPr kumimoji="1" lang="en-US" altLang="zh-CN" dirty="0"/>
+                  <a:t>number</a:t>
+                </a:r>
+                <a:r>
+                  <a:rPr kumimoji="1" lang="zh-CN" altLang="en-US" dirty="0"/>
+                  <a:t> </a:t>
+                </a:r>
+                <a:r>
+                  <a:rPr kumimoji="1" lang="en-US" altLang="zh-CN" dirty="0"/>
+                  <a:t>of</a:t>
+                </a:r>
+                <a:r>
+                  <a:rPr kumimoji="1" lang="zh-CN" altLang="en-US" dirty="0"/>
+                  <a:t> </a:t>
+                </a:r>
+                <a:r>
+                  <a:rPr kumimoji="1" lang="en-US" altLang="zh-CN" dirty="0"/>
+                  <a:t>items.</a:t>
+                </a:r>
+              </a:p>
+              <a:p>
+                <a:pPr lvl="2"/>
+                <a:r>
+                  <a:rPr kumimoji="1" lang="en-US" altLang="zh-CN" dirty="0"/>
+                  <a:t>U:</a:t>
+                </a:r>
+                <a:r>
+                  <a:rPr kumimoji="1" lang="zh-CN" altLang="en-US" dirty="0"/>
+                  <a:t> </a:t>
+                </a:r>
+                <a:r>
+                  <a:rPr kumimoji="1" lang="en-US" altLang="zh-CN" dirty="0"/>
+                  <a:t>User</a:t>
+                </a:r>
+                <a:r>
+                  <a:rPr kumimoji="1" lang="zh-CN" altLang="en-US" dirty="0"/>
+                  <a:t> </a:t>
+                </a:r>
+                <a:r>
+                  <a:rPr kumimoji="1" lang="en-US" altLang="zh-CN" dirty="0"/>
+                  <a:t>latent</a:t>
+                </a:r>
+                <a:r>
+                  <a:rPr kumimoji="1" lang="zh-CN" altLang="en-US" dirty="0"/>
+                  <a:t> </a:t>
+                </a:r>
+                <a:r>
+                  <a:rPr kumimoji="1" lang="en-US" altLang="zh-CN" dirty="0"/>
+                  <a:t>feature</a:t>
+                </a:r>
+                <a:r>
+                  <a:rPr kumimoji="1" lang="zh-CN" altLang="en-US" dirty="0"/>
+                  <a:t> </a:t>
+                </a:r>
+                <a:r>
+                  <a:rPr kumimoji="1" lang="en-US" altLang="zh-CN" dirty="0"/>
+                  <a:t>matrix</a:t>
+                </a:r>
+              </a:p>
+              <a:p>
+                <a:pPr lvl="2"/>
+                <a14:m>
+                  <m:oMath xmlns:m="http://schemas.openxmlformats.org/officeDocument/2006/math">
+                    <m:r>
+                      <m:rPr>
+                        <m:sty m:val="p"/>
+                      </m:rPr>
+                      <a:rPr kumimoji="1" lang="el-GR" altLang="zh-CN" i="1" smtClean="0">
+                        <a:latin typeface="Cambria Math" panose="02040503050406030204" pitchFamily="18" charset="0"/>
+                        <a:ea typeface="Cambria Math" panose="02040503050406030204" pitchFamily="18" charset="0"/>
+                      </a:rPr>
+                      <m:t>Σ</m:t>
+                    </m:r>
+                    <m:r>
+                      <a:rPr kumimoji="1" lang="en-US" altLang="zh-CN" b="0" i="1" smtClean="0">
+                        <a:latin typeface="Cambria Math" panose="02040503050406030204" pitchFamily="18" charset="0"/>
+                        <a:ea typeface="Cambria Math" panose="02040503050406030204" pitchFamily="18" charset="0"/>
+                      </a:rPr>
+                      <m:t>:</m:t>
+                    </m:r>
+                  </m:oMath>
+                </a14:m>
+                <a:r>
+                  <a:rPr kumimoji="1" lang="zh-CN" altLang="en-US" dirty="0"/>
+                  <a:t> </a:t>
+                </a:r>
+                <a:r>
+                  <a:rPr kumimoji="1" lang="en-US" altLang="zh-CN" dirty="0"/>
+                  <a:t>Diagonal</a:t>
+                </a:r>
+                <a:r>
+                  <a:rPr kumimoji="1" lang="zh-CN" altLang="en-US" dirty="0"/>
+                  <a:t> </a:t>
+                </a:r>
+                <a:r>
+                  <a:rPr kumimoji="1" lang="en-US" altLang="zh-CN" dirty="0"/>
+                  <a:t>matrix</a:t>
+                </a:r>
+                <a:r>
+                  <a:rPr kumimoji="1" lang="zh-CN" altLang="en-US" dirty="0"/>
+                  <a:t> </a:t>
+                </a:r>
+                <a:r>
+                  <a:rPr kumimoji="1" lang="en-US" altLang="zh-CN" dirty="0"/>
+                  <a:t>of</a:t>
+                </a:r>
+                <a:r>
+                  <a:rPr kumimoji="1" lang="zh-CN" altLang="en-US" dirty="0"/>
+                  <a:t> </a:t>
+                </a:r>
+                <a:r>
+                  <a:rPr kumimoji="1" lang="en-US" altLang="zh-CN" dirty="0"/>
+                  <a:t>singular</a:t>
+                </a:r>
+                <a:r>
+                  <a:rPr kumimoji="1" lang="zh-CN" altLang="en-US" dirty="0"/>
+                  <a:t> </a:t>
+                </a:r>
+                <a:r>
+                  <a:rPr kumimoji="1" lang="en-US" altLang="zh-CN" dirty="0"/>
+                  <a:t>values</a:t>
+                </a:r>
+              </a:p>
+              <a:p>
+                <a:pPr lvl="2"/>
+                <a:r>
+                  <a:rPr kumimoji="1" lang="en-US" altLang="zh-CN" dirty="0"/>
+                  <a:t>V:</a:t>
+                </a:r>
+                <a:r>
+                  <a:rPr kumimoji="1" lang="zh-CN" altLang="en-US" dirty="0"/>
+                  <a:t> </a:t>
+                </a:r>
+                <a:r>
+                  <a:rPr kumimoji="1" lang="en-US" altLang="zh-CN" dirty="0"/>
+                  <a:t>Item</a:t>
+                </a:r>
+                <a:r>
+                  <a:rPr kumimoji="1" lang="zh-CN" altLang="en-US" dirty="0"/>
+                  <a:t> </a:t>
+                </a:r>
+                <a:r>
+                  <a:rPr kumimoji="1" lang="en-US" altLang="zh-CN" dirty="0"/>
+                  <a:t>feature</a:t>
+                </a:r>
+                <a:r>
+                  <a:rPr kumimoji="1" lang="zh-CN" altLang="en-US" dirty="0"/>
+                  <a:t> </a:t>
+                </a:r>
+                <a:r>
+                  <a:rPr kumimoji="1" lang="en-US" altLang="zh-CN" dirty="0"/>
+                  <a:t>matrix</a:t>
+                </a:r>
+              </a:p>
+              <a:p>
+                <a:pPr lvl="2"/>
+                <a:endParaRPr kumimoji="1" lang="en-US" altLang="zh-CN" dirty="0"/>
+              </a:p>
+              <a:p>
+                <a:pPr lvl="1"/>
+                <a:r>
+                  <a:rPr kumimoji="1" lang="en-US" altLang="zh-CN" dirty="0"/>
+                  <a:t>Keeps</a:t>
+                </a:r>
+                <a:r>
+                  <a:rPr kumimoji="1" lang="zh-CN" altLang="en-US" dirty="0"/>
+                  <a:t> </a:t>
+                </a:r>
+                <a:r>
+                  <a:rPr kumimoji="1" lang="en-US" altLang="zh-CN" dirty="0"/>
+                  <a:t>the</a:t>
+                </a:r>
+                <a:r>
+                  <a:rPr kumimoji="1" lang="zh-CN" altLang="en-US" dirty="0"/>
+                  <a:t> </a:t>
+                </a:r>
+                <a:r>
+                  <a:rPr lang="en" altLang="zh-CN" dirty="0"/>
+                  <a:t>top-k singular values to reduce noise and focus on the most significant patterns</a:t>
+                </a:r>
+              </a:p>
+              <a:p>
+                <a:pPr marL="457200" lvl="1" indent="0">
+                  <a:buNone/>
+                </a:pPr>
+                <a:endParaRPr kumimoji="1" lang="en-US" altLang="zh-CN" dirty="0"/>
+              </a:p>
+              <a:p>
+                <a:pPr lvl="2"/>
+                <a:endParaRPr kumimoji="1" lang="en-US" altLang="zh-CN" dirty="0"/>
+              </a:p>
+              <a:p>
+                <a:pPr lvl="1"/>
+                <a:endParaRPr kumimoji="1" lang="zh-CN" altLang="en-US" dirty="0"/>
+              </a:p>
+            </p:txBody>
+          </p:sp>
+        </mc:Choice>
+        <mc:Fallback xmlns="">
+          <p:sp>
+            <p:nvSpPr>
+              <p:cNvPr id="3" name="内容占位符 2">
+                <a:extLst>
+                  <a:ext uri="{FF2B5EF4-FFF2-40B4-BE49-F238E27FC236}">
+                    <a16:creationId xmlns:a16="http://schemas.microsoft.com/office/drawing/2014/main" id="{2A032161-8894-C639-CAF8-3CAD12081B21}"/>
+                  </a:ext>
+                </a:extLst>
+              </p:cNvPr>
+              <p:cNvSpPr>
+                <a:spLocks noGrp="1" noRot="1" noChangeAspect="1" noMove="1" noResize="1" noEditPoints="1" noAdjustHandles="1" noChangeArrowheads="1" noChangeShapeType="1" noTextEdit="1"/>
+              </p:cNvSpPr>
+              <p:nvPr>
+                <p:ph idx="1"/>
+              </p:nvPr>
+            </p:nvSpPr>
+            <p:spPr>
+              <a:blipFill>
+                <a:blip r:embed="rId2"/>
+                <a:stretch>
+                  <a:fillRect l="-965" t="-3488"/>
+                </a:stretch>
+              </a:blipFill>
+            </p:spPr>
+            <p:txBody>
+              <a:bodyPr/>
+              <a:lstStyle/>
+              <a:p>
+                <a:r>
+                  <a:rPr lang="zh-CN" altLang="en-US">
+                    <a:noFill/>
+                  </a:rPr>
+                  <a:t> </a:t>
+                </a:r>
+              </a:p>
+            </p:txBody>
+          </p:sp>
+        </mc:Fallback>
+      </mc:AlternateContent>
+    </p:spTree>
+    <p:extLst>
+      <p:ext uri="{BB962C8B-B14F-4D97-AF65-F5344CB8AC3E}">
+        <p14:creationId xmlns:p14="http://schemas.microsoft.com/office/powerpoint/2010/main" val="3488192999"/>
+      </p:ext>
+    </p:extLst>
+  </p:cSld>
+  <p:clrMapOvr>
+    <a:masterClrMapping/>
+  </p:clrMapOvr>
+</p:sld>
+</file>
+
+<file path=ppt/slides/slide12.xml><?xml version="1.0" encoding="utf-8"?>
+<p:sld xmlns:a="http://schemas.openxmlformats.org/drawingml/2006/main" xmlns:r="http://schemas.openxmlformats.org/officeDocument/2006/relationships" xmlns:p="http://schemas.openxmlformats.org/presentationml/2006/main">
+  <p:cSld>
+    <p:spTree>
+      <p:nvGrpSpPr>
+        <p:cNvPr id="1" name=""/>
+        <p:cNvGrpSpPr/>
+        <p:nvPr/>
+      </p:nvGrpSpPr>
+      <p:grpSpPr>
+        <a:xfrm>
+          <a:off x="0" y="0"/>
+          <a:ext cx="0" cy="0"/>
+          <a:chOff x="0" y="0"/>
+          <a:chExt cx="0" cy="0"/>
+        </a:xfrm>
+      </p:grpSpPr>
+      <p:sp>
+        <p:nvSpPr>
+          <p:cNvPr id="2" name="标题 1">
+            <a:extLst>
+              <a:ext uri="{FF2B5EF4-FFF2-40B4-BE49-F238E27FC236}">
+                <a16:creationId xmlns:a16="http://schemas.microsoft.com/office/drawing/2014/main" id="{93C91A0B-1612-EB4F-2A44-861A0E83E188}"/>
+              </a:ext>
+            </a:extLst>
+          </p:cNvPr>
+          <p:cNvSpPr>
+            <a:spLocks noGrp="1"/>
+          </p:cNvSpPr>
+          <p:nvPr>
+            <p:ph type="title"/>
+          </p:nvPr>
+        </p:nvSpPr>
+        <p:spPr/>
+        <p:txBody>
+          <a:bodyPr/>
+          <a:lstStyle/>
+          <a:p>
+            <a:r>
+              <a:rPr kumimoji="1" lang="en-US" altLang="zh-CN" b="1" dirty="0"/>
+              <a:t>SVD-</a:t>
+            </a:r>
+            <a:r>
+              <a:rPr lang="en-US" altLang="zh-CN" sz="4400" b="1" dirty="0"/>
+              <a:t>Singular</a:t>
+            </a:r>
+            <a:r>
+              <a:rPr lang="zh-CN" altLang="en-US" sz="4400" b="1" dirty="0"/>
+              <a:t> </a:t>
+            </a:r>
+            <a:r>
+              <a:rPr lang="en-US" altLang="zh-CN" sz="4400" b="1" dirty="0"/>
+              <a:t>Value</a:t>
+            </a:r>
+            <a:r>
+              <a:rPr lang="zh-CN" altLang="en-US" sz="4400" b="1" dirty="0"/>
+              <a:t> </a:t>
+            </a:r>
+            <a:r>
+              <a:rPr lang="en-US" altLang="zh-CN" sz="4400" b="1" dirty="0"/>
+              <a:t>Decomposition</a:t>
+            </a:r>
+            <a:endParaRPr kumimoji="1" lang="zh-CN" altLang="en-US" sz="2800" b="1" dirty="0"/>
+          </a:p>
+        </p:txBody>
+      </p:sp>
+      <p:sp>
+        <p:nvSpPr>
+          <p:cNvPr id="3" name="内容占位符 2">
+            <a:extLst>
+              <a:ext uri="{FF2B5EF4-FFF2-40B4-BE49-F238E27FC236}">
+                <a16:creationId xmlns:a16="http://schemas.microsoft.com/office/drawing/2014/main" id="{2A032161-8894-C639-CAF8-3CAD12081B21}"/>
+              </a:ext>
+            </a:extLst>
+          </p:cNvPr>
+          <p:cNvSpPr>
+            <a:spLocks noGrp="1"/>
+          </p:cNvSpPr>
+          <p:nvPr>
+            <p:ph idx="1"/>
+          </p:nvPr>
+        </p:nvSpPr>
+        <p:spPr/>
+        <p:txBody>
+          <a:bodyPr>
+            <a:normAutofit fontScale="85000" lnSpcReduction="20000"/>
+          </a:bodyPr>
+          <a:lstStyle/>
+          <a:p>
+            <a:r>
+              <a:rPr kumimoji="1" lang="en-US" altLang="zh-CN" b="1" dirty="0"/>
+              <a:t>Advantages</a:t>
+            </a:r>
+          </a:p>
+          <a:p>
+            <a:endParaRPr kumimoji="1" lang="en-US" altLang="zh-CN" b="1" dirty="0"/>
+          </a:p>
+          <a:p>
+            <a:pPr lvl="1"/>
+            <a:r>
+              <a:rPr lang="en" altLang="zh-CN" dirty="0"/>
+              <a:t>High recommendation accuracy for dense datasets</a:t>
+            </a:r>
+          </a:p>
+          <a:p>
+            <a:pPr lvl="1"/>
+            <a:endParaRPr lang="en" altLang="zh-CN" dirty="0"/>
+          </a:p>
+          <a:p>
+            <a:pPr lvl="1"/>
+            <a:r>
+              <a:rPr lang="en" altLang="zh-CN" dirty="0"/>
+              <a:t>Theoretical robustness and interpretability</a:t>
+            </a:r>
+          </a:p>
+          <a:p>
+            <a:pPr lvl="1"/>
+            <a:endParaRPr lang="en" altLang="zh-CN" b="1" dirty="0"/>
+          </a:p>
+          <a:p>
+            <a:pPr lvl="1"/>
+            <a:r>
+              <a:rPr lang="en" altLang="zh-CN" dirty="0"/>
+              <a:t>Effective at uncovering hidden structure and correlations</a:t>
+            </a:r>
+          </a:p>
+          <a:p>
+            <a:pPr lvl="1"/>
+            <a:endParaRPr lang="en" altLang="zh-CN" dirty="0"/>
+          </a:p>
+          <a:p>
+            <a:r>
+              <a:rPr lang="en" altLang="zh-CN" b="1" dirty="0"/>
+              <a:t>Challenges</a:t>
+            </a:r>
+          </a:p>
+          <a:p>
+            <a:endParaRPr lang="en" altLang="zh-CN" dirty="0"/>
+          </a:p>
+          <a:p>
+            <a:pPr lvl="1"/>
+            <a:r>
+              <a:rPr lang="en" altLang="zh-CN" dirty="0"/>
+              <a:t>Computationally intensive for very large datasets</a:t>
+            </a:r>
+          </a:p>
+          <a:p>
+            <a:pPr lvl="1"/>
+            <a:r>
+              <a:rPr lang="en" altLang="zh-CN" dirty="0"/>
+              <a:t>Requires preprocessing to handle missing or sparse values</a:t>
+            </a:r>
+          </a:p>
+          <a:p>
+            <a:pPr lvl="1"/>
+            <a:r>
+              <a:rPr lang="en" altLang="zh-CN" dirty="0"/>
+              <a:t>Not natively supported in Apache Spark (needs manual or external implementation)</a:t>
+            </a:r>
+            <a:endParaRPr kumimoji="1" lang="en-US" altLang="zh-CN" dirty="0"/>
+          </a:p>
+          <a:p>
+            <a:pPr marL="3200400" lvl="7" indent="0">
+              <a:buNone/>
+            </a:pPr>
+            <a:r>
+              <a:rPr kumimoji="1" lang="en-US" altLang="zh-CN" dirty="0"/>
+              <a:t>	</a:t>
+            </a:r>
+            <a:endParaRPr kumimoji="1" lang="en-US" altLang="zh-CN" b="0" dirty="0">
+              <a:ea typeface="Cambria Math" panose="02040503050406030204" pitchFamily="18" charset="0"/>
+            </a:endParaRPr>
+          </a:p>
+          <a:p>
+            <a:pPr marL="457200" lvl="1" indent="0">
+              <a:buNone/>
+            </a:pPr>
+            <a:endParaRPr kumimoji="1" lang="en-US" altLang="zh-CN" dirty="0"/>
+          </a:p>
+          <a:p>
+            <a:pPr marL="914400" lvl="2" indent="0">
+              <a:buNone/>
+            </a:pPr>
+            <a:endParaRPr kumimoji="1" lang="en-US" altLang="zh-CN" dirty="0"/>
+          </a:p>
+          <a:p>
+            <a:pPr lvl="1"/>
+            <a:endParaRPr kumimoji="1" lang="zh-CN" altLang="en-US" dirty="0"/>
+          </a:p>
+        </p:txBody>
+      </p:sp>
+    </p:spTree>
+    <p:extLst>
+      <p:ext uri="{BB962C8B-B14F-4D97-AF65-F5344CB8AC3E}">
+        <p14:creationId xmlns:p14="http://schemas.microsoft.com/office/powerpoint/2010/main" val="2478610344"/>
+      </p:ext>
+    </p:extLst>
+  </p:cSld>
+  <p:clrMapOvr>
+    <a:masterClrMapping/>
+  </p:clrMapOvr>
+</p:sld>
+</file>
+
+<file path=ppt/slides/slide13.xml><?xml version="1.0" encoding="utf-8"?>
+<p:sld xmlns:a="http://schemas.openxmlformats.org/drawingml/2006/main" xmlns:r="http://schemas.openxmlformats.org/officeDocument/2006/relationships" xmlns:p="http://schemas.openxmlformats.org/presentationml/2006/main">
+  <p:cSld>
+    <p:spTree>
+      <p:nvGrpSpPr>
+        <p:cNvPr id="1" name=""/>
+        <p:cNvGrpSpPr/>
+        <p:nvPr/>
+      </p:nvGrpSpPr>
+      <p:grpSpPr>
+        <a:xfrm>
+          <a:off x="0" y="0"/>
+          <a:ext cx="0" cy="0"/>
+          <a:chOff x="0" y="0"/>
+          <a:chExt cx="0" cy="0"/>
+        </a:xfrm>
+      </p:grpSpPr>
+      <p:sp>
+        <p:nvSpPr>
+          <p:cNvPr id="2" name="标题 1">
+            <a:extLst>
+              <a:ext uri="{FF2B5EF4-FFF2-40B4-BE49-F238E27FC236}">
+                <a16:creationId xmlns:a16="http://schemas.microsoft.com/office/drawing/2014/main" id="{93C91A0B-1612-EB4F-2A44-861A0E83E188}"/>
+              </a:ext>
+            </a:extLst>
+          </p:cNvPr>
+          <p:cNvSpPr>
+            <a:spLocks noGrp="1"/>
+          </p:cNvSpPr>
+          <p:nvPr>
+            <p:ph type="title"/>
+          </p:nvPr>
+        </p:nvSpPr>
+        <p:spPr/>
+        <p:txBody>
+          <a:bodyPr/>
+          <a:lstStyle/>
+          <a:p>
+            <a:r>
+              <a:rPr kumimoji="1" lang="en-US" altLang="zh-CN" b="1" dirty="0"/>
               <a:t>ALS</a:t>
             </a:r>
             <a:r>
@@ -8266,7 +9423,7 @@
 </p:sld>
 </file>
 
-<file path=ppt/slides/slide11.xml><?xml version="1.0" encoding="utf-8"?>
+<file path=ppt/slides/slide14.xml><?xml version="1.0" encoding="utf-8"?>
 <p:sld xmlns:a="http://schemas.openxmlformats.org/drawingml/2006/main" xmlns:r="http://schemas.openxmlformats.org/officeDocument/2006/relationships" xmlns:p="http://schemas.openxmlformats.org/presentationml/2006/main">
   <p:cSld>
     <p:spTree>
@@ -8396,7 +9553,7 @@
 </p:sld>
 </file>
 
-<file path=ppt/slides/slide12.xml><?xml version="1.0" encoding="utf-8"?>
+<file path=ppt/slides/slide15.xml><?xml version="1.0" encoding="utf-8"?>
 <p:sld xmlns:a="http://schemas.openxmlformats.org/drawingml/2006/main" xmlns:r="http://schemas.openxmlformats.org/officeDocument/2006/relationships" xmlns:p="http://schemas.openxmlformats.org/presentationml/2006/main">
   <p:cSld>
     <p:spTree>
@@ -10704,7 +11861,922 @@
 </p:sld>
 </file>
 
+<file path=ppt/slides/slide16.xml><?xml version="1.0" encoding="utf-8"?>
+<p:sld xmlns:a="http://schemas.openxmlformats.org/drawingml/2006/main" xmlns:r="http://schemas.openxmlformats.org/officeDocument/2006/relationships" xmlns:p="http://schemas.openxmlformats.org/presentationml/2006/main">
+  <p:cSld>
+    <p:spTree>
+      <p:nvGrpSpPr>
+        <p:cNvPr id="1" name="">
+          <a:extLst>
+            <a:ext uri="{FF2B5EF4-FFF2-40B4-BE49-F238E27FC236}">
+              <a16:creationId xmlns:a16="http://schemas.microsoft.com/office/drawing/2014/main" id="{7A10657E-9811-CD64-0D61-0C0E194BE6B0}"/>
+            </a:ext>
+          </a:extLst>
+        </p:cNvPr>
+        <p:cNvGrpSpPr/>
+        <p:nvPr/>
+      </p:nvGrpSpPr>
+      <p:grpSpPr>
+        <a:xfrm>
+          <a:off x="0" y="0"/>
+          <a:ext cx="0" cy="0"/>
+          <a:chOff x="0" y="0"/>
+          <a:chExt cx="0" cy="0"/>
+        </a:xfrm>
+      </p:grpSpPr>
+      <p:sp>
+        <p:nvSpPr>
+          <p:cNvPr id="3" name="文本框 2">
+            <a:extLst>
+              <a:ext uri="{FF2B5EF4-FFF2-40B4-BE49-F238E27FC236}">
+                <a16:creationId xmlns:a16="http://schemas.microsoft.com/office/drawing/2014/main" id="{5D158F91-5E71-20F5-FCA5-078F680202B4}"/>
+              </a:ext>
+            </a:extLst>
+          </p:cNvPr>
+          <p:cNvSpPr txBox="1"/>
+          <p:nvPr/>
+        </p:nvSpPr>
+        <p:spPr>
+          <a:xfrm>
+            <a:off x="1015448" y="2002520"/>
+            <a:ext cx="8559248" cy="3416320"/>
+          </a:xfrm>
+          <a:prstGeom prst="rect">
+            <a:avLst/>
+          </a:prstGeom>
+          <a:noFill/>
+        </p:spPr>
+        <p:txBody>
+          <a:bodyPr wrap="square">
+            <a:spAutoFit/>
+          </a:bodyPr>
+          <a:lstStyle/>
+          <a:p>
+            <a:pPr marL="285750" indent="-285750">
+              <a:buFont typeface="Arial" panose="020B0604020202020204" pitchFamily="34" charset="0"/>
+              <a:buChar char="•"/>
+            </a:pPr>
+            <a:r>
+              <a:rPr lang="en-US" sz="2400" dirty="0"/>
+              <a:t>Scalability limitations with large-scale sparse data</a:t>
+            </a:r>
+          </a:p>
+          <a:p>
+            <a:pPr marL="285750" indent="-285750">
+              <a:buFont typeface="Arial" panose="020B0604020202020204" pitchFamily="34" charset="0"/>
+              <a:buChar char="•"/>
+            </a:pPr>
+            <a:endParaRPr lang="en-US" sz="2400" dirty="0"/>
+          </a:p>
+          <a:p>
+            <a:pPr marL="285750" indent="-285750">
+              <a:buFont typeface="Arial" panose="020B0604020202020204" pitchFamily="34" charset="0"/>
+              <a:buChar char="•"/>
+            </a:pPr>
+            <a:r>
+              <a:rPr lang="en-US" sz="2400" dirty="0"/>
+              <a:t>Cold start problem remains unresolved</a:t>
+            </a:r>
+          </a:p>
+          <a:p>
+            <a:pPr marL="285750" indent="-285750">
+              <a:buFont typeface="Arial" panose="020B0604020202020204" pitchFamily="34" charset="0"/>
+              <a:buChar char="•"/>
+            </a:pPr>
+            <a:endParaRPr lang="en-US" sz="2400" dirty="0"/>
+          </a:p>
+          <a:p>
+            <a:pPr marL="285750" indent="-285750">
+              <a:buFont typeface="Arial" panose="020B0604020202020204" pitchFamily="34" charset="0"/>
+              <a:buChar char="•"/>
+            </a:pPr>
+            <a:r>
+              <a:rPr lang="en-US" sz="2400" dirty="0"/>
+              <a:t>Hyperparameter tuning is computationally expensive</a:t>
+            </a:r>
+          </a:p>
+          <a:p>
+            <a:pPr marL="285750" indent="-285750">
+              <a:buFont typeface="Arial" panose="020B0604020202020204" pitchFamily="34" charset="0"/>
+              <a:buChar char="•"/>
+            </a:pPr>
+            <a:endParaRPr lang="en-US" sz="2400" dirty="0"/>
+          </a:p>
+          <a:p>
+            <a:pPr marL="285750" indent="-285750">
+              <a:buFont typeface="Arial" panose="020B0604020202020204" pitchFamily="34" charset="0"/>
+              <a:buChar char="•"/>
+            </a:pPr>
+            <a:r>
+              <a:rPr lang="en-US" sz="2400" dirty="0"/>
+              <a:t>Lack of model explainability</a:t>
+            </a:r>
+          </a:p>
+          <a:p>
+            <a:pPr marL="285750" indent="-285750">
+              <a:buFont typeface="Arial" panose="020B0604020202020204" pitchFamily="34" charset="0"/>
+              <a:buChar char="•"/>
+            </a:pPr>
+            <a:endParaRPr lang="en-US" sz="2400" dirty="0"/>
+          </a:p>
+          <a:p>
+            <a:pPr marL="285750" indent="-285750">
+              <a:buFont typeface="Arial" panose="020B0604020202020204" pitchFamily="34" charset="0"/>
+              <a:buChar char="•"/>
+            </a:pPr>
+            <a:r>
+              <a:rPr lang="en-US" sz="2400" dirty="0"/>
+              <a:t>Latency in real-time recommendations</a:t>
+            </a:r>
+          </a:p>
+        </p:txBody>
+      </p:sp>
+      <p:sp>
+        <p:nvSpPr>
+          <p:cNvPr id="4" name="文本框 3">
+            <a:extLst>
+              <a:ext uri="{FF2B5EF4-FFF2-40B4-BE49-F238E27FC236}">
+                <a16:creationId xmlns:a16="http://schemas.microsoft.com/office/drawing/2014/main" id="{E240FC28-FEEB-AC90-B7A9-7127D2148363}"/>
+              </a:ext>
+            </a:extLst>
+          </p:cNvPr>
+          <p:cNvSpPr txBox="1"/>
+          <p:nvPr/>
+        </p:nvSpPr>
+        <p:spPr>
+          <a:xfrm>
+            <a:off x="803414" y="624295"/>
+            <a:ext cx="9288116" cy="646331"/>
+          </a:xfrm>
+          <a:prstGeom prst="rect">
+            <a:avLst/>
+          </a:prstGeom>
+          <a:noFill/>
+        </p:spPr>
+        <p:txBody>
+          <a:bodyPr wrap="square">
+            <a:spAutoFit/>
+          </a:bodyPr>
+          <a:lstStyle/>
+          <a:p>
+            <a:r>
+              <a:rPr lang="en-US" sz="3600" b="1" dirty="0"/>
+              <a:t>Future Challenges of Spark ALS Algorithm</a:t>
+            </a:r>
+          </a:p>
+        </p:txBody>
+      </p:sp>
+    </p:spTree>
+    <p:extLst>
+      <p:ext uri="{BB962C8B-B14F-4D97-AF65-F5344CB8AC3E}">
+        <p14:creationId xmlns:p14="http://schemas.microsoft.com/office/powerpoint/2010/main" val="2171775826"/>
+      </p:ext>
+    </p:extLst>
+  </p:cSld>
+  <p:clrMapOvr>
+    <a:masterClrMapping/>
+  </p:clrMapOvr>
+</p:sld>
+</file>
+
+<file path=ppt/slides/slide17.xml><?xml version="1.0" encoding="utf-8"?>
+<p:sld xmlns:a="http://schemas.openxmlformats.org/drawingml/2006/main" xmlns:r="http://schemas.openxmlformats.org/officeDocument/2006/relationships" xmlns:p="http://schemas.openxmlformats.org/presentationml/2006/main">
+  <p:cSld>
+    <p:spTree>
+      <p:nvGrpSpPr>
+        <p:cNvPr id="1" name="">
+          <a:extLst>
+            <a:ext uri="{FF2B5EF4-FFF2-40B4-BE49-F238E27FC236}">
+              <a16:creationId xmlns:a16="http://schemas.microsoft.com/office/drawing/2014/main" id="{74D2DDD0-EAD2-3A14-135E-9B896B841D51}"/>
+            </a:ext>
+          </a:extLst>
+        </p:cNvPr>
+        <p:cNvGrpSpPr/>
+        <p:nvPr/>
+      </p:nvGrpSpPr>
+      <p:grpSpPr>
+        <a:xfrm>
+          <a:off x="0" y="0"/>
+          <a:ext cx="0" cy="0"/>
+          <a:chOff x="0" y="0"/>
+          <a:chExt cx="0" cy="0"/>
+        </a:xfrm>
+      </p:grpSpPr>
+      <p:sp>
+        <p:nvSpPr>
+          <p:cNvPr id="3" name="文本框 2">
+            <a:extLst>
+              <a:ext uri="{FF2B5EF4-FFF2-40B4-BE49-F238E27FC236}">
+                <a16:creationId xmlns:a16="http://schemas.microsoft.com/office/drawing/2014/main" id="{99536413-4681-D9C3-74DB-BAF293CA60A8}"/>
+              </a:ext>
+            </a:extLst>
+          </p:cNvPr>
+          <p:cNvSpPr txBox="1"/>
+          <p:nvPr/>
+        </p:nvSpPr>
+        <p:spPr>
+          <a:xfrm>
+            <a:off x="803414" y="1989269"/>
+            <a:ext cx="8559248" cy="3785652"/>
+          </a:xfrm>
+          <a:prstGeom prst="rect">
+            <a:avLst/>
+          </a:prstGeom>
+          <a:noFill/>
+        </p:spPr>
+        <p:txBody>
+          <a:bodyPr wrap="square">
+            <a:spAutoFit/>
+          </a:bodyPr>
+          <a:lstStyle/>
+          <a:p>
+            <a:pPr marL="285750" indent="-285750">
+              <a:buFont typeface="Arial" panose="020B0604020202020204" pitchFamily="34" charset="0"/>
+              <a:buChar char="•"/>
+            </a:pPr>
+            <a:r>
+              <a:rPr lang="en-US" sz="2400" dirty="0"/>
+              <a:t>Reduced personalization quality for new users/items</a:t>
+            </a:r>
+          </a:p>
+          <a:p>
+            <a:pPr marL="285750" indent="-285750">
+              <a:buFont typeface="Arial" panose="020B0604020202020204" pitchFamily="34" charset="0"/>
+              <a:buChar char="•"/>
+            </a:pPr>
+            <a:endParaRPr lang="en-US" sz="2400" dirty="0"/>
+          </a:p>
+          <a:p>
+            <a:pPr marL="285750" indent="-285750">
+              <a:buFont typeface="Arial" panose="020B0604020202020204" pitchFamily="34" charset="0"/>
+              <a:buChar char="•"/>
+            </a:pPr>
+            <a:r>
+              <a:rPr lang="en-US" sz="2400" dirty="0"/>
+              <a:t>Increased infrastructure cost for tuning and retraining</a:t>
+            </a:r>
+          </a:p>
+          <a:p>
+            <a:pPr marL="285750" indent="-285750">
+              <a:buFont typeface="Arial" panose="020B0604020202020204" pitchFamily="34" charset="0"/>
+              <a:buChar char="•"/>
+            </a:pPr>
+            <a:endParaRPr lang="en-US" sz="2400" dirty="0"/>
+          </a:p>
+          <a:p>
+            <a:pPr marL="285750" indent="-285750">
+              <a:buFont typeface="Arial" panose="020B0604020202020204" pitchFamily="34" charset="0"/>
+              <a:buChar char="•"/>
+            </a:pPr>
+            <a:r>
+              <a:rPr lang="en-US" sz="2400" dirty="0"/>
+              <a:t>Lower business transparency in recommendation logic</a:t>
+            </a:r>
+          </a:p>
+          <a:p>
+            <a:pPr marL="285750" indent="-285750">
+              <a:buFont typeface="Arial" panose="020B0604020202020204" pitchFamily="34" charset="0"/>
+              <a:buChar char="•"/>
+            </a:pPr>
+            <a:endParaRPr lang="en-US" sz="2400" dirty="0"/>
+          </a:p>
+          <a:p>
+            <a:pPr marL="285750" indent="-285750">
+              <a:buFont typeface="Arial" panose="020B0604020202020204" pitchFamily="34" charset="0"/>
+              <a:buChar char="•"/>
+            </a:pPr>
+            <a:r>
+              <a:rPr lang="en-US" sz="2400" dirty="0"/>
+              <a:t>Delayed user engagement due to slow updates</a:t>
+            </a:r>
+          </a:p>
+          <a:p>
+            <a:pPr marL="285750" indent="-285750">
+              <a:buFont typeface="Arial" panose="020B0604020202020204" pitchFamily="34" charset="0"/>
+              <a:buChar char="•"/>
+            </a:pPr>
+            <a:endParaRPr lang="en-US" sz="2400" dirty="0"/>
+          </a:p>
+          <a:p>
+            <a:pPr marL="285750" indent="-285750">
+              <a:buFont typeface="Arial" panose="020B0604020202020204" pitchFamily="34" charset="0"/>
+              <a:buChar char="•"/>
+            </a:pPr>
+            <a:r>
+              <a:rPr lang="en-US" sz="2400" dirty="0"/>
+              <a:t>Greater need for hybrid models with content-based or deep learning methods</a:t>
+            </a:r>
+          </a:p>
+        </p:txBody>
+      </p:sp>
+      <p:sp>
+        <p:nvSpPr>
+          <p:cNvPr id="4" name="文本框 3">
+            <a:extLst>
+              <a:ext uri="{FF2B5EF4-FFF2-40B4-BE49-F238E27FC236}">
+                <a16:creationId xmlns:a16="http://schemas.microsoft.com/office/drawing/2014/main" id="{F5156C53-04C6-6F34-1243-8D08B1D6B1FE}"/>
+              </a:ext>
+            </a:extLst>
+          </p:cNvPr>
+          <p:cNvSpPr txBox="1"/>
+          <p:nvPr/>
+        </p:nvSpPr>
+        <p:spPr>
+          <a:xfrm>
+            <a:off x="803414" y="624295"/>
+            <a:ext cx="8559248" cy="646331"/>
+          </a:xfrm>
+          <a:prstGeom prst="rect">
+            <a:avLst/>
+          </a:prstGeom>
+          <a:noFill/>
+        </p:spPr>
+        <p:txBody>
+          <a:bodyPr wrap="square">
+            <a:spAutoFit/>
+          </a:bodyPr>
+          <a:lstStyle/>
+          <a:p>
+            <a:r>
+              <a:rPr lang="en-US" sz="3600" b="1" dirty="0"/>
+              <a:t>Potential Impacts of These Challenges</a:t>
+            </a:r>
+          </a:p>
+        </p:txBody>
+      </p:sp>
+    </p:spTree>
+    <p:extLst>
+      <p:ext uri="{BB962C8B-B14F-4D97-AF65-F5344CB8AC3E}">
+        <p14:creationId xmlns:p14="http://schemas.microsoft.com/office/powerpoint/2010/main" val="2971039084"/>
+      </p:ext>
+    </p:extLst>
+  </p:cSld>
+  <p:clrMapOvr>
+    <a:masterClrMapping/>
+  </p:clrMapOvr>
+</p:sld>
+</file>
+
 <file path=ppt/slides/slide2.xml><?xml version="1.0" encoding="utf-8"?>
+<p:sld xmlns:a="http://schemas.openxmlformats.org/drawingml/2006/main" xmlns:r="http://schemas.openxmlformats.org/officeDocument/2006/relationships" xmlns:p="http://schemas.openxmlformats.org/presentationml/2006/main">
+  <p:cSld>
+    <p:spTree>
+      <p:nvGrpSpPr>
+        <p:cNvPr id="1" name="">
+          <a:extLst>
+            <a:ext uri="{FF2B5EF4-FFF2-40B4-BE49-F238E27FC236}">
+              <a16:creationId xmlns:a16="http://schemas.microsoft.com/office/drawing/2014/main" id="{B39147F6-7077-1598-D613-B2B29AA2A3B7}"/>
+            </a:ext>
+          </a:extLst>
+        </p:cNvPr>
+        <p:cNvGrpSpPr/>
+        <p:nvPr/>
+      </p:nvGrpSpPr>
+      <p:grpSpPr>
+        <a:xfrm>
+          <a:off x="0" y="0"/>
+          <a:ext cx="0" cy="0"/>
+          <a:chOff x="0" y="0"/>
+          <a:chExt cx="0" cy="0"/>
+        </a:xfrm>
+      </p:grpSpPr>
+      <p:sp>
+        <p:nvSpPr>
+          <p:cNvPr id="2" name="文本框 1">
+            <a:extLst>
+              <a:ext uri="{FF2B5EF4-FFF2-40B4-BE49-F238E27FC236}">
+                <a16:creationId xmlns:a16="http://schemas.microsoft.com/office/drawing/2014/main" id="{EE8BF51A-6B30-D13F-C25F-6EC3BDD985F0}"/>
+              </a:ext>
+            </a:extLst>
+          </p:cNvPr>
+          <p:cNvSpPr txBox="1"/>
+          <p:nvPr/>
+        </p:nvSpPr>
+        <p:spPr>
+          <a:xfrm>
+            <a:off x="1035325" y="139582"/>
+            <a:ext cx="7452691" cy="646331"/>
+          </a:xfrm>
+          <a:prstGeom prst="rect">
+            <a:avLst/>
+          </a:prstGeom>
+          <a:noFill/>
+        </p:spPr>
+        <p:txBody>
+          <a:bodyPr wrap="square">
+            <a:spAutoFit/>
+          </a:bodyPr>
+          <a:lstStyle/>
+          <a:p>
+            <a:r>
+              <a:rPr lang="en-US" sz="3600" dirty="0">
+                <a:effectLst/>
+                <a:latin typeface="Aptos"/>
+                <a:ea typeface="等线" panose="02010600030101010101" pitchFamily="2" charset="-122"/>
+                <a:cs typeface="Times New Roman" panose="02020603050405020304" pitchFamily="18" charset="0"/>
+              </a:rPr>
+              <a:t>Problem identification and motivation</a:t>
+            </a:r>
+            <a:endParaRPr lang="en-US" sz="6000" dirty="0"/>
+          </a:p>
+        </p:txBody>
+      </p:sp>
+      <p:sp>
+        <p:nvSpPr>
+          <p:cNvPr id="3" name="文本框 2">
+            <a:extLst>
+              <a:ext uri="{FF2B5EF4-FFF2-40B4-BE49-F238E27FC236}">
+                <a16:creationId xmlns:a16="http://schemas.microsoft.com/office/drawing/2014/main" id="{D0ABB950-4E30-8A90-9A33-5F530CE6C695}"/>
+              </a:ext>
+            </a:extLst>
+          </p:cNvPr>
+          <p:cNvSpPr txBox="1"/>
+          <p:nvPr/>
+        </p:nvSpPr>
+        <p:spPr>
+          <a:xfrm>
+            <a:off x="558249" y="1086107"/>
+            <a:ext cx="9447144" cy="5632311"/>
+          </a:xfrm>
+          <a:prstGeom prst="rect">
+            <a:avLst/>
+          </a:prstGeom>
+          <a:noFill/>
+        </p:spPr>
+        <p:txBody>
+          <a:bodyPr wrap="square">
+            <a:spAutoFit/>
+          </a:bodyPr>
+          <a:lstStyle/>
+          <a:p>
+            <a:pPr marL="342900" indent="-342900">
+              <a:buFont typeface="Arial" panose="020B0604020202020204" pitchFamily="34" charset="0"/>
+              <a:buChar char="•"/>
+            </a:pPr>
+            <a:r>
+              <a:rPr lang="en-US" sz="2400" dirty="0"/>
+              <a:t>E-commerce platforms face massive data challenges: millions of users, products, and interactions daily.</a:t>
+            </a:r>
+          </a:p>
+          <a:p>
+            <a:pPr marL="285750" indent="-285750">
+              <a:buFont typeface="Arial" panose="020B0604020202020204" pitchFamily="34" charset="0"/>
+              <a:buChar char="•"/>
+            </a:pPr>
+            <a:endParaRPr lang="en-US" sz="2400" dirty="0"/>
+          </a:p>
+          <a:p>
+            <a:pPr marL="285750" indent="-285750">
+              <a:buFont typeface="Arial" panose="020B0604020202020204" pitchFamily="34" charset="0"/>
+              <a:buChar char="•"/>
+            </a:pPr>
+            <a:r>
+              <a:rPr lang="en-US" sz="2400" dirty="0"/>
+              <a:t>Traditional recommendation algorithms like SVD struggle with scalability.</a:t>
+            </a:r>
+          </a:p>
+          <a:p>
+            <a:pPr marL="285750" indent="-285750">
+              <a:buFont typeface="Arial" panose="020B0604020202020204" pitchFamily="34" charset="0"/>
+              <a:buChar char="•"/>
+            </a:pPr>
+            <a:endParaRPr lang="en-US" sz="2400" dirty="0"/>
+          </a:p>
+          <a:p>
+            <a:pPr marL="285750" indent="-285750">
+              <a:buFont typeface="Arial" panose="020B0604020202020204" pitchFamily="34" charset="0"/>
+              <a:buChar char="•"/>
+            </a:pPr>
+            <a:r>
+              <a:rPr lang="en-US" sz="2400" dirty="0"/>
+              <a:t>Spark ALS (Alternating Least Squares) offers a distributed, scalable solution designed for large-scale collaborative filtering.</a:t>
+            </a:r>
+          </a:p>
+          <a:p>
+            <a:pPr marL="285750" indent="-285750">
+              <a:buFont typeface="Arial" panose="020B0604020202020204" pitchFamily="34" charset="0"/>
+              <a:buChar char="•"/>
+            </a:pPr>
+            <a:endParaRPr lang="en-US" sz="2400" dirty="0"/>
+          </a:p>
+          <a:p>
+            <a:pPr marL="285750" indent="-285750">
+              <a:buFont typeface="Arial" panose="020B0604020202020204" pitchFamily="34" charset="0"/>
+              <a:buChar char="•"/>
+            </a:pPr>
+            <a:r>
+              <a:rPr lang="en-US" sz="2400" dirty="0"/>
+              <a:t>Combining Spark ALS with HDFS enables efficient, parallel processing of large datasets.</a:t>
+            </a:r>
+          </a:p>
+          <a:p>
+            <a:pPr marL="285750" indent="-285750">
+              <a:buFont typeface="Arial" panose="020B0604020202020204" pitchFamily="34" charset="0"/>
+              <a:buChar char="•"/>
+            </a:pPr>
+            <a:endParaRPr lang="en-US" sz="2400" dirty="0"/>
+          </a:p>
+          <a:p>
+            <a:pPr marL="285750" indent="-285750">
+              <a:buFont typeface="Arial" panose="020B0604020202020204" pitchFamily="34" charset="0"/>
+              <a:buChar char="•"/>
+            </a:pPr>
+            <a:r>
+              <a:rPr lang="en-US" sz="2400" dirty="0"/>
+              <a:t>Real-time personalized recommendations can boost sales, enhance user satisfaction, and improve platform retention.</a:t>
+            </a:r>
+          </a:p>
+          <a:p>
+            <a:pPr marL="285750" indent="-285750">
+              <a:buFont typeface="Arial" panose="020B0604020202020204" pitchFamily="34" charset="0"/>
+              <a:buChar char="•"/>
+            </a:pPr>
+            <a:endParaRPr lang="en-US" sz="2400" dirty="0"/>
+          </a:p>
+        </p:txBody>
+      </p:sp>
+    </p:spTree>
+    <p:extLst>
+      <p:ext uri="{BB962C8B-B14F-4D97-AF65-F5344CB8AC3E}">
+        <p14:creationId xmlns:p14="http://schemas.microsoft.com/office/powerpoint/2010/main" val="3699750686"/>
+      </p:ext>
+    </p:extLst>
+  </p:cSld>
+  <p:clrMapOvr>
+    <a:masterClrMapping/>
+  </p:clrMapOvr>
+</p:sld>
+</file>
+
+<file path=ppt/slides/slide3.xml><?xml version="1.0" encoding="utf-8"?>
+<p:sld xmlns:a="http://schemas.openxmlformats.org/drawingml/2006/main" xmlns:r="http://schemas.openxmlformats.org/officeDocument/2006/relationships" xmlns:p="http://schemas.openxmlformats.org/presentationml/2006/main">
+  <p:cSld>
+    <p:spTree>
+      <p:nvGrpSpPr>
+        <p:cNvPr id="1" name="">
+          <a:extLst>
+            <a:ext uri="{FF2B5EF4-FFF2-40B4-BE49-F238E27FC236}">
+              <a16:creationId xmlns:a16="http://schemas.microsoft.com/office/drawing/2014/main" id="{1C1AB311-E0E6-5903-4509-FE8DA6ACD12D}"/>
+            </a:ext>
+          </a:extLst>
+        </p:cNvPr>
+        <p:cNvGrpSpPr/>
+        <p:nvPr/>
+      </p:nvGrpSpPr>
+      <p:grpSpPr>
+        <a:xfrm>
+          <a:off x="0" y="0"/>
+          <a:ext cx="0" cy="0"/>
+          <a:chOff x="0" y="0"/>
+          <a:chExt cx="0" cy="0"/>
+        </a:xfrm>
+      </p:grpSpPr>
+      <p:sp>
+        <p:nvSpPr>
+          <p:cNvPr id="2" name="文本框 1">
+            <a:extLst>
+              <a:ext uri="{FF2B5EF4-FFF2-40B4-BE49-F238E27FC236}">
+                <a16:creationId xmlns:a16="http://schemas.microsoft.com/office/drawing/2014/main" id="{7F5A06B1-0AF3-09FA-C282-9165BE2D4195}"/>
+              </a:ext>
+            </a:extLst>
+          </p:cNvPr>
+          <p:cNvSpPr txBox="1"/>
+          <p:nvPr/>
+        </p:nvSpPr>
+        <p:spPr>
+          <a:xfrm>
+            <a:off x="1035325" y="139582"/>
+            <a:ext cx="7452691" cy="646331"/>
+          </a:xfrm>
+          <a:prstGeom prst="rect">
+            <a:avLst/>
+          </a:prstGeom>
+          <a:noFill/>
+        </p:spPr>
+        <p:txBody>
+          <a:bodyPr wrap="square">
+            <a:spAutoFit/>
+          </a:bodyPr>
+          <a:lstStyle/>
+          <a:p>
+            <a:r>
+              <a:rPr lang="en-US" altLang="zh-CN" sz="3600" dirty="0">
+                <a:effectLst/>
+                <a:latin typeface="Aptos"/>
+                <a:ea typeface="等线" panose="02010600030101010101" pitchFamily="2" charset="-122"/>
+                <a:cs typeface="Times New Roman" panose="02020603050405020304" pitchFamily="18" charset="0"/>
+              </a:rPr>
+              <a:t>Define Scope</a:t>
+            </a:r>
+            <a:endParaRPr lang="en-US" sz="6000" dirty="0"/>
+          </a:p>
+        </p:txBody>
+      </p:sp>
+      <p:sp>
+        <p:nvSpPr>
+          <p:cNvPr id="4" name="文本框 3">
+            <a:extLst>
+              <a:ext uri="{FF2B5EF4-FFF2-40B4-BE49-F238E27FC236}">
+                <a16:creationId xmlns:a16="http://schemas.microsoft.com/office/drawing/2014/main" id="{E6054DF4-2F52-770C-22A3-A8072111DC42}"/>
+              </a:ext>
+            </a:extLst>
+          </p:cNvPr>
+          <p:cNvSpPr txBox="1"/>
+          <p:nvPr/>
+        </p:nvSpPr>
+        <p:spPr>
+          <a:xfrm>
+            <a:off x="584751" y="1246862"/>
+            <a:ext cx="9314621" cy="3785652"/>
+          </a:xfrm>
+          <a:prstGeom prst="rect">
+            <a:avLst/>
+          </a:prstGeom>
+          <a:noFill/>
+        </p:spPr>
+        <p:txBody>
+          <a:bodyPr wrap="square">
+            <a:spAutoFit/>
+          </a:bodyPr>
+          <a:lstStyle/>
+          <a:p>
+            <a:pPr marL="342900" indent="-342900">
+              <a:buFont typeface="Arial" panose="020B0604020202020204" pitchFamily="34" charset="0"/>
+              <a:buChar char="•"/>
+            </a:pPr>
+            <a:r>
+              <a:rPr lang="en-US" sz="2400" dirty="0"/>
+              <a:t>Objective: To improve the efficiency of product recommendations by using Spark ALS instead of SVD, and store data on HDFS for distributed processing.</a:t>
+            </a:r>
+          </a:p>
+          <a:p>
+            <a:pPr marL="342900" indent="-342900">
+              <a:buFont typeface="Arial" panose="020B0604020202020204" pitchFamily="34" charset="0"/>
+              <a:buChar char="•"/>
+            </a:pPr>
+            <a:endParaRPr lang="en-US" sz="2400" dirty="0"/>
+          </a:p>
+          <a:p>
+            <a:pPr marL="342900" indent="-342900">
+              <a:buFont typeface="Arial" panose="020B0604020202020204" pitchFamily="34" charset="0"/>
+              <a:buChar char="•"/>
+            </a:pPr>
+            <a:r>
+              <a:rPr lang="en-US" sz="2400" dirty="0"/>
+              <a:t>Context: Applicable in large-scale e-commerce platforms with vast user-product interaction datasets.</a:t>
+            </a:r>
+          </a:p>
+          <a:p>
+            <a:pPr marL="342900" indent="-342900">
+              <a:buFont typeface="Arial" panose="020B0604020202020204" pitchFamily="34" charset="0"/>
+              <a:buChar char="•"/>
+            </a:pPr>
+            <a:endParaRPr lang="en-US" sz="2400" dirty="0"/>
+          </a:p>
+          <a:p>
+            <a:pPr marL="342900" indent="-342900">
+              <a:buFont typeface="Arial" panose="020B0604020202020204" pitchFamily="34" charset="0"/>
+              <a:buChar char="•"/>
+            </a:pPr>
+            <a:r>
+              <a:rPr lang="en-US" sz="2400" dirty="0"/>
+              <a:t>Comparison: Evaluate accuracy, execution time, and scalability between Spark ALS and SVD.</a:t>
+            </a:r>
+          </a:p>
+          <a:p>
+            <a:endParaRPr lang="en-US" sz="2400" dirty="0"/>
+          </a:p>
+        </p:txBody>
+      </p:sp>
+    </p:spTree>
+    <p:extLst>
+      <p:ext uri="{BB962C8B-B14F-4D97-AF65-F5344CB8AC3E}">
+        <p14:creationId xmlns:p14="http://schemas.microsoft.com/office/powerpoint/2010/main" val="1234149709"/>
+      </p:ext>
+    </p:extLst>
+  </p:cSld>
+  <p:clrMapOvr>
+    <a:masterClrMapping/>
+  </p:clrMapOvr>
+</p:sld>
+</file>
+
+<file path=ppt/slides/slide4.xml><?xml version="1.0" encoding="utf-8"?>
+<p:sld xmlns:a="http://schemas.openxmlformats.org/drawingml/2006/main" xmlns:r="http://schemas.openxmlformats.org/officeDocument/2006/relationships" xmlns:p="http://schemas.openxmlformats.org/presentationml/2006/main">
+  <p:cSld>
+    <p:spTree>
+      <p:nvGrpSpPr>
+        <p:cNvPr id="1" name=""/>
+        <p:cNvGrpSpPr/>
+        <p:nvPr/>
+      </p:nvGrpSpPr>
+      <p:grpSpPr>
+        <a:xfrm>
+          <a:off x="0" y="0"/>
+          <a:ext cx="0" cy="0"/>
+          <a:chOff x="0" y="0"/>
+          <a:chExt cx="0" cy="0"/>
+        </a:xfrm>
+      </p:grpSpPr>
+      <p:sp>
+        <p:nvSpPr>
+          <p:cNvPr id="4" name="文本框 3">
+            <a:extLst>
+              <a:ext uri="{FF2B5EF4-FFF2-40B4-BE49-F238E27FC236}">
+                <a16:creationId xmlns:a16="http://schemas.microsoft.com/office/drawing/2014/main" id="{AF632B54-FF1C-2F15-B97D-03E02EECC087}"/>
+              </a:ext>
+            </a:extLst>
+          </p:cNvPr>
+          <p:cNvSpPr txBox="1"/>
+          <p:nvPr/>
+        </p:nvSpPr>
+        <p:spPr>
+          <a:xfrm>
+            <a:off x="1088334" y="152834"/>
+            <a:ext cx="7452691" cy="1200329"/>
+          </a:xfrm>
+          <a:prstGeom prst="rect">
+            <a:avLst/>
+          </a:prstGeom>
+          <a:noFill/>
+        </p:spPr>
+        <p:txBody>
+          <a:bodyPr wrap="square">
+            <a:spAutoFit/>
+          </a:bodyPr>
+          <a:lstStyle/>
+          <a:p>
+            <a:r>
+              <a:rPr lang="en-US" sz="3600" dirty="0">
+                <a:effectLst/>
+                <a:latin typeface="Aptos"/>
+                <a:ea typeface="等线" panose="02010600030101010101" pitchFamily="2" charset="-122"/>
+                <a:cs typeface="Times New Roman" panose="02020603050405020304" pitchFamily="18" charset="0"/>
+              </a:rPr>
+              <a:t>Understanding HDFS </a:t>
+            </a:r>
+          </a:p>
+          <a:p>
+            <a:r>
+              <a:rPr lang="en-US" sz="3600" dirty="0">
+                <a:effectLst/>
+                <a:latin typeface="Aptos"/>
+                <a:ea typeface="等线" panose="02010600030101010101" pitchFamily="2" charset="-122"/>
+                <a:cs typeface="Times New Roman" panose="02020603050405020304" pitchFamily="18" charset="0"/>
+              </a:rPr>
+              <a:t>– Hadoop Distributed File System</a:t>
+            </a:r>
+            <a:endParaRPr lang="en-US" sz="6000" dirty="0"/>
+          </a:p>
+        </p:txBody>
+      </p:sp>
+      <p:sp>
+        <p:nvSpPr>
+          <p:cNvPr id="2" name="文本框 1">
+            <a:extLst>
+              <a:ext uri="{FF2B5EF4-FFF2-40B4-BE49-F238E27FC236}">
+                <a16:creationId xmlns:a16="http://schemas.microsoft.com/office/drawing/2014/main" id="{AD25B3D2-FC99-7884-3F9C-EBB7601C33E2}"/>
+              </a:ext>
+            </a:extLst>
+          </p:cNvPr>
+          <p:cNvSpPr txBox="1"/>
+          <p:nvPr/>
+        </p:nvSpPr>
+        <p:spPr>
+          <a:xfrm>
+            <a:off x="955813" y="1559651"/>
+            <a:ext cx="9871213" cy="4154984"/>
+          </a:xfrm>
+          <a:prstGeom prst="rect">
+            <a:avLst/>
+          </a:prstGeom>
+          <a:noFill/>
+        </p:spPr>
+        <p:txBody>
+          <a:bodyPr wrap="square">
+            <a:spAutoFit/>
+          </a:bodyPr>
+          <a:lstStyle/>
+          <a:p>
+            <a:endParaRPr lang="en-US" sz="2400" dirty="0"/>
+          </a:p>
+          <a:p>
+            <a:pPr marL="285750" indent="-285750">
+              <a:buFont typeface="Arial" panose="020B0604020202020204" pitchFamily="34" charset="0"/>
+              <a:buChar char="•"/>
+            </a:pPr>
+            <a:r>
+              <a:rPr lang="en-US" sz="2400" dirty="0"/>
+              <a:t>Designed for storing large datasets across multiple machines</a:t>
+            </a:r>
+          </a:p>
+          <a:p>
+            <a:pPr marL="285750" indent="-285750">
+              <a:buFont typeface="Arial" panose="020B0604020202020204" pitchFamily="34" charset="0"/>
+              <a:buChar char="•"/>
+            </a:pPr>
+            <a:endParaRPr lang="en-US" sz="2400" dirty="0"/>
+          </a:p>
+          <a:p>
+            <a:pPr marL="285750" indent="-285750">
+              <a:buFont typeface="Arial" panose="020B0604020202020204" pitchFamily="34" charset="0"/>
+              <a:buChar char="•"/>
+            </a:pPr>
+            <a:r>
+              <a:rPr lang="en-US" sz="2400" dirty="0"/>
+              <a:t>Fault-tolerant through replication (default: 3 copies)</a:t>
+            </a:r>
+          </a:p>
+          <a:p>
+            <a:pPr marL="285750" indent="-285750">
+              <a:buFont typeface="Arial" panose="020B0604020202020204" pitchFamily="34" charset="0"/>
+              <a:buChar char="•"/>
+            </a:pPr>
+            <a:endParaRPr lang="en-US" sz="2400" dirty="0"/>
+          </a:p>
+          <a:p>
+            <a:pPr marL="285750" indent="-285750">
+              <a:buFont typeface="Arial" panose="020B0604020202020204" pitchFamily="34" charset="0"/>
+              <a:buChar char="•"/>
+            </a:pPr>
+            <a:r>
+              <a:rPr lang="en-US" sz="2400" dirty="0"/>
+              <a:t>Follows Master-Slave architecture (</a:t>
+            </a:r>
+            <a:r>
+              <a:rPr lang="en-US" sz="2400" dirty="0" err="1"/>
+              <a:t>NameNode</a:t>
+            </a:r>
+            <a:r>
+              <a:rPr lang="en-US" sz="2400" dirty="0"/>
+              <a:t> &amp; </a:t>
+            </a:r>
+            <a:r>
+              <a:rPr lang="en-US" sz="2400" dirty="0" err="1"/>
+              <a:t>DataNodes</a:t>
+            </a:r>
+            <a:r>
+              <a:rPr lang="en-US" sz="2400" dirty="0"/>
+              <a:t>)</a:t>
+            </a:r>
+          </a:p>
+          <a:p>
+            <a:pPr marL="285750" indent="-285750">
+              <a:buFont typeface="Arial" panose="020B0604020202020204" pitchFamily="34" charset="0"/>
+              <a:buChar char="•"/>
+            </a:pPr>
+            <a:endParaRPr lang="en-US" sz="2400" dirty="0"/>
+          </a:p>
+          <a:p>
+            <a:pPr marL="285750" indent="-285750">
+              <a:buFont typeface="Arial" panose="020B0604020202020204" pitchFamily="34" charset="0"/>
+              <a:buChar char="•"/>
+            </a:pPr>
+            <a:r>
+              <a:rPr lang="en-US" sz="2400" dirty="0"/>
+              <a:t>Optimized for write-once, read-many workloads</a:t>
+            </a:r>
+          </a:p>
+          <a:p>
+            <a:pPr marL="285750" indent="-285750">
+              <a:buFont typeface="Arial" panose="020B0604020202020204" pitchFamily="34" charset="0"/>
+              <a:buChar char="•"/>
+            </a:pPr>
+            <a:endParaRPr lang="en-US" sz="2400" dirty="0"/>
+          </a:p>
+          <a:p>
+            <a:pPr marL="285750" indent="-285750">
+              <a:buFont typeface="Arial" panose="020B0604020202020204" pitchFamily="34" charset="0"/>
+              <a:buChar char="•"/>
+            </a:pPr>
+            <a:r>
+              <a:rPr lang="en-US" sz="2400" dirty="0"/>
+              <a:t>Supports high-throughput data access</a:t>
+            </a:r>
+          </a:p>
+          <a:p>
+            <a:pPr marL="285750" indent="-285750">
+              <a:buFont typeface="Arial" panose="020B0604020202020204" pitchFamily="34" charset="0"/>
+              <a:buChar char="•"/>
+            </a:pPr>
+            <a:endParaRPr lang="en-US" sz="2400" dirty="0"/>
+          </a:p>
+        </p:txBody>
+      </p:sp>
+    </p:spTree>
+    <p:extLst>
+      <p:ext uri="{BB962C8B-B14F-4D97-AF65-F5344CB8AC3E}">
+        <p14:creationId xmlns:p14="http://schemas.microsoft.com/office/powerpoint/2010/main" val="628046369"/>
+      </p:ext>
+    </p:extLst>
+  </p:cSld>
+  <p:clrMapOvr>
+    <a:masterClrMapping/>
+  </p:clrMapOvr>
+</p:sld>
+</file>
+
+<file path=ppt/slides/slide5.xml><?xml version="1.0" encoding="utf-8"?>
 <p:sld xmlns:a="http://schemas.openxmlformats.org/drawingml/2006/main" xmlns:r="http://schemas.openxmlformats.org/officeDocument/2006/relationships" xmlns:p="http://schemas.openxmlformats.org/presentationml/2006/main">
   <p:cSld>
     <p:spTree>
@@ -10873,7 +12945,7 @@
 </p:sld>
 </file>
 
-<file path=ppt/slides/slide3.xml><?xml version="1.0" encoding="utf-8"?>
+<file path=ppt/slides/slide6.xml><?xml version="1.0" encoding="utf-8"?>
 <p:sld xmlns:a="http://schemas.openxmlformats.org/drawingml/2006/main" xmlns:r="http://schemas.openxmlformats.org/officeDocument/2006/relationships" xmlns:p="http://schemas.openxmlformats.org/presentationml/2006/main">
   <p:cSld>
     <p:spTree>
@@ -11206,7 +13278,7 @@
 </p:sld>
 </file>
 
-<file path=ppt/slides/slide4.xml><?xml version="1.0" encoding="utf-8"?>
+<file path=ppt/slides/slide7.xml><?xml version="1.0" encoding="utf-8"?>
 <p:sld xmlns:a="http://schemas.openxmlformats.org/drawingml/2006/main" xmlns:r="http://schemas.openxmlformats.org/officeDocument/2006/relationships" xmlns:p="http://schemas.openxmlformats.org/presentationml/2006/main">
   <p:cSld>
     <p:spTree>
@@ -12146,530 +14218,6 @@
 </p:sld>
 </file>
 
-<file path=ppt/slides/slide5.xml><?xml version="1.0" encoding="utf-8"?>
-<p:sld xmlns:a="http://schemas.openxmlformats.org/drawingml/2006/main" xmlns:r="http://schemas.openxmlformats.org/officeDocument/2006/relationships" xmlns:p="http://schemas.openxmlformats.org/presentationml/2006/main">
-  <p:cSld>
-    <p:spTree>
-      <p:nvGrpSpPr>
-        <p:cNvPr id="1" name=""/>
-        <p:cNvGrpSpPr/>
-        <p:nvPr/>
-      </p:nvGrpSpPr>
-      <p:grpSpPr>
-        <a:xfrm>
-          <a:off x="0" y="0"/>
-          <a:ext cx="0" cy="0"/>
-          <a:chOff x="0" y="0"/>
-          <a:chExt cx="0" cy="0"/>
-        </a:xfrm>
-      </p:grpSpPr>
-      <p:sp>
-        <p:nvSpPr>
-          <p:cNvPr id="2" name="标题 1">
-            <a:extLst>
-              <a:ext uri="{FF2B5EF4-FFF2-40B4-BE49-F238E27FC236}">
-                <a16:creationId xmlns:a16="http://schemas.microsoft.com/office/drawing/2014/main" id="{93C91A0B-1612-EB4F-2A44-861A0E83E188}"/>
-              </a:ext>
-            </a:extLst>
-          </p:cNvPr>
-          <p:cNvSpPr>
-            <a:spLocks noGrp="1"/>
-          </p:cNvSpPr>
-          <p:nvPr>
-            <p:ph type="title"/>
-          </p:nvPr>
-        </p:nvSpPr>
-        <p:spPr/>
-        <p:txBody>
-          <a:bodyPr/>
-          <a:lstStyle/>
-          <a:p>
-            <a:r>
-              <a:rPr kumimoji="1" lang="en-US" altLang="zh-CN" b="1" dirty="0"/>
-              <a:t>ALS-</a:t>
-            </a:r>
-            <a:r>
-              <a:rPr lang="en" altLang="zh-CN" sz="2800" b="1" dirty="0"/>
-              <a:t>Collaborative filtering with </a:t>
-            </a:r>
-            <a:r>
-              <a:rPr kumimoji="1" lang="en-US" altLang="zh-CN" sz="2800" b="1" dirty="0"/>
-              <a:t>Alternating</a:t>
-            </a:r>
-            <a:r>
-              <a:rPr kumimoji="1" lang="zh-CN" altLang="en-US" sz="2800" b="1" dirty="0"/>
-              <a:t> </a:t>
-            </a:r>
-            <a:r>
-              <a:rPr kumimoji="1" lang="en-US" altLang="zh-CN" sz="2800" b="1" dirty="0"/>
-              <a:t>Least</a:t>
-            </a:r>
-            <a:r>
-              <a:rPr kumimoji="1" lang="zh-CN" altLang="en-US" sz="2800" b="1" dirty="0"/>
-              <a:t> </a:t>
-            </a:r>
-            <a:r>
-              <a:rPr kumimoji="1" lang="en-US" altLang="zh-CN" sz="2800" b="1" dirty="0"/>
-              <a:t>Squares</a:t>
-            </a:r>
-            <a:endParaRPr kumimoji="1" lang="zh-CN" altLang="en-US" sz="2800" b="1" dirty="0"/>
-          </a:p>
-        </p:txBody>
-      </p:sp>
-      <p:sp>
-        <p:nvSpPr>
-          <p:cNvPr id="3" name="内容占位符 2">
-            <a:extLst>
-              <a:ext uri="{FF2B5EF4-FFF2-40B4-BE49-F238E27FC236}">
-                <a16:creationId xmlns:a16="http://schemas.microsoft.com/office/drawing/2014/main" id="{2A032161-8894-C639-CAF8-3CAD12081B21}"/>
-              </a:ext>
-            </a:extLst>
-          </p:cNvPr>
-          <p:cNvSpPr>
-            <a:spLocks noGrp="1"/>
-          </p:cNvSpPr>
-          <p:nvPr>
-            <p:ph idx="1"/>
-          </p:nvPr>
-        </p:nvSpPr>
-        <p:spPr/>
-        <p:txBody>
-          <a:bodyPr>
-            <a:normAutofit fontScale="77500" lnSpcReduction="20000"/>
-          </a:bodyPr>
-          <a:lstStyle/>
-          <a:p>
-            <a:r>
-              <a:rPr kumimoji="1" lang="en-US" altLang="zh-CN" b="1" dirty="0"/>
-              <a:t>Advantages</a:t>
-            </a:r>
-          </a:p>
-          <a:p>
-            <a:endParaRPr kumimoji="1" lang="en-US" altLang="zh-CN" b="1" dirty="0"/>
-          </a:p>
-          <a:p>
-            <a:pPr lvl="1"/>
-            <a:r>
-              <a:rPr lang="en" altLang="zh-CN" dirty="0"/>
-              <a:t>Scales well for large, sparse datasets</a:t>
-            </a:r>
-          </a:p>
-          <a:p>
-            <a:pPr lvl="1"/>
-            <a:endParaRPr lang="en" altLang="zh-CN" dirty="0"/>
-          </a:p>
-          <a:p>
-            <a:pPr lvl="1"/>
-            <a:r>
-              <a:rPr lang="en" altLang="zh-CN" dirty="0"/>
-              <a:t>Efficiently implemented in distributed systems like </a:t>
-            </a:r>
-            <a:r>
-              <a:rPr lang="en" altLang="zh-CN" b="1" dirty="0"/>
-              <a:t>Apache Spark</a:t>
-            </a:r>
-          </a:p>
-          <a:p>
-            <a:pPr lvl="1"/>
-            <a:endParaRPr lang="en" altLang="zh-CN" b="1" dirty="0"/>
-          </a:p>
-          <a:p>
-            <a:pPr lvl="1"/>
-            <a:r>
-              <a:rPr lang="en" altLang="zh-CN" dirty="0"/>
-              <a:t>Supports </a:t>
-            </a:r>
-            <a:r>
-              <a:rPr lang="en" altLang="zh-CN" b="1" dirty="0"/>
-              <a:t>implicit feedback</a:t>
-            </a:r>
-            <a:r>
-              <a:rPr lang="en" altLang="zh-CN" dirty="0"/>
-              <a:t> (e.g., views, clicks, time spent)</a:t>
-            </a:r>
-          </a:p>
-          <a:p>
-            <a:pPr lvl="1"/>
-            <a:endParaRPr lang="en" altLang="zh-CN" dirty="0"/>
-          </a:p>
-          <a:p>
-            <a:r>
-              <a:rPr lang="en" altLang="zh-CN" b="1" dirty="0"/>
-              <a:t>Use Case in E-commerce</a:t>
-            </a:r>
-          </a:p>
-          <a:p>
-            <a:endParaRPr lang="en" altLang="zh-CN" dirty="0"/>
-          </a:p>
-          <a:p>
-            <a:pPr lvl="1"/>
-            <a:r>
-              <a:rPr lang="en" altLang="zh-CN" dirty="0"/>
-              <a:t>Predict user preferences for products based on historical interactions</a:t>
-            </a:r>
-          </a:p>
-          <a:p>
-            <a:pPr lvl="1"/>
-            <a:endParaRPr lang="en" altLang="zh-CN" dirty="0"/>
-          </a:p>
-          <a:p>
-            <a:pPr lvl="1"/>
-            <a:r>
-              <a:rPr lang="en" altLang="zh-CN" dirty="0"/>
-              <a:t>Enable personalized product recommendations</a:t>
-            </a:r>
-          </a:p>
-          <a:p>
-            <a:pPr marL="457200" lvl="1" indent="0">
-              <a:buNone/>
-            </a:pPr>
-            <a:endParaRPr kumimoji="1" lang="en-US" altLang="zh-CN" dirty="0"/>
-          </a:p>
-          <a:p>
-            <a:pPr marL="3200400" lvl="7" indent="0">
-              <a:buNone/>
-            </a:pPr>
-            <a:r>
-              <a:rPr kumimoji="1" lang="en-US" altLang="zh-CN" dirty="0"/>
-              <a:t>	</a:t>
-            </a:r>
-            <a:endParaRPr kumimoji="1" lang="en-US" altLang="zh-CN" b="0" dirty="0">
-              <a:ea typeface="Cambria Math" panose="02040503050406030204" pitchFamily="18" charset="0"/>
-            </a:endParaRPr>
-          </a:p>
-          <a:p>
-            <a:pPr marL="457200" lvl="1" indent="0">
-              <a:buNone/>
-            </a:pPr>
-            <a:endParaRPr kumimoji="1" lang="en-US" altLang="zh-CN" dirty="0"/>
-          </a:p>
-          <a:p>
-            <a:pPr marL="914400" lvl="2" indent="0">
-              <a:buNone/>
-            </a:pPr>
-            <a:endParaRPr kumimoji="1" lang="en-US" altLang="zh-CN" dirty="0"/>
-          </a:p>
-          <a:p>
-            <a:pPr lvl="1"/>
-            <a:endParaRPr kumimoji="1" lang="zh-CN" altLang="en-US" dirty="0"/>
-          </a:p>
-        </p:txBody>
-      </p:sp>
-    </p:spTree>
-    <p:extLst>
-      <p:ext uri="{BB962C8B-B14F-4D97-AF65-F5344CB8AC3E}">
-        <p14:creationId xmlns:p14="http://schemas.microsoft.com/office/powerpoint/2010/main" val="3709549419"/>
-      </p:ext>
-    </p:extLst>
-  </p:cSld>
-  <p:clrMapOvr>
-    <a:masterClrMapping/>
-  </p:clrMapOvr>
-</p:sld>
-</file>
-
-<file path=ppt/slides/slide6.xml><?xml version="1.0" encoding="utf-8"?>
-<p:sld xmlns:a="http://schemas.openxmlformats.org/drawingml/2006/main" xmlns:r="http://schemas.openxmlformats.org/officeDocument/2006/relationships" xmlns:p="http://schemas.openxmlformats.org/presentationml/2006/main">
-  <p:cSld>
-    <p:spTree>
-      <p:nvGrpSpPr>
-        <p:cNvPr id="1" name=""/>
-        <p:cNvGrpSpPr/>
-        <p:nvPr/>
-      </p:nvGrpSpPr>
-      <p:grpSpPr>
-        <a:xfrm>
-          <a:off x="0" y="0"/>
-          <a:ext cx="0" cy="0"/>
-          <a:chOff x="0" y="0"/>
-          <a:chExt cx="0" cy="0"/>
-        </a:xfrm>
-      </p:grpSpPr>
-      <p:sp>
-        <p:nvSpPr>
-          <p:cNvPr id="2" name="标题 1">
-            <a:extLst>
-              <a:ext uri="{FF2B5EF4-FFF2-40B4-BE49-F238E27FC236}">
-                <a16:creationId xmlns:a16="http://schemas.microsoft.com/office/drawing/2014/main" id="{93C91A0B-1612-EB4F-2A44-861A0E83E188}"/>
-              </a:ext>
-            </a:extLst>
-          </p:cNvPr>
-          <p:cNvSpPr>
-            <a:spLocks noGrp="1"/>
-          </p:cNvSpPr>
-          <p:nvPr>
-            <p:ph type="title"/>
-          </p:nvPr>
-        </p:nvSpPr>
-        <p:spPr/>
-        <p:txBody>
-          <a:bodyPr/>
-          <a:lstStyle/>
-          <a:p>
-            <a:r>
-              <a:rPr kumimoji="1" lang="en-US" altLang="zh-CN" b="1" dirty="0"/>
-              <a:t>SVD-</a:t>
-            </a:r>
-            <a:r>
-              <a:rPr lang="en-US" altLang="zh-CN" sz="2800" b="1" dirty="0"/>
-              <a:t>Singular</a:t>
-            </a:r>
-            <a:r>
-              <a:rPr lang="zh-CN" altLang="en-US" sz="2800" b="1" dirty="0"/>
-              <a:t> </a:t>
-            </a:r>
-            <a:r>
-              <a:rPr lang="en-US" altLang="zh-CN" sz="2800" b="1" dirty="0"/>
-              <a:t>Value</a:t>
-            </a:r>
-            <a:r>
-              <a:rPr lang="zh-CN" altLang="en-US" sz="2800" b="1" dirty="0"/>
-              <a:t> </a:t>
-            </a:r>
-            <a:r>
-              <a:rPr lang="en-US" altLang="zh-CN" sz="2800" b="1" dirty="0"/>
-              <a:t>Decomposition</a:t>
-            </a:r>
-            <a:endParaRPr kumimoji="1" lang="zh-CN" altLang="en-US" sz="2800" b="1" dirty="0"/>
-          </a:p>
-        </p:txBody>
-      </p:sp>
-      <p:sp>
-        <p:nvSpPr>
-          <p:cNvPr id="5" name="内容占位符 4">
-            <a:extLst>
-              <a:ext uri="{FF2B5EF4-FFF2-40B4-BE49-F238E27FC236}">
-                <a16:creationId xmlns:a16="http://schemas.microsoft.com/office/drawing/2014/main" id="{BCD7F3A1-D63C-A3C7-D612-EAAD67C389EF}"/>
-              </a:ext>
-            </a:extLst>
-          </p:cNvPr>
-          <p:cNvSpPr>
-            <a:spLocks noGrp="1"/>
-          </p:cNvSpPr>
-          <p:nvPr>
-            <p:ph idx="1"/>
-          </p:nvPr>
-        </p:nvSpPr>
-        <p:spPr/>
-        <p:txBody>
-          <a:bodyPr/>
-          <a:lstStyle/>
-          <a:p>
-            <a:r>
-              <a:rPr kumimoji="1" lang="en-US" altLang="zh-CN" b="1" dirty="0"/>
-              <a:t>What</a:t>
-            </a:r>
-            <a:r>
-              <a:rPr kumimoji="1" lang="zh-CN" altLang="en-US" b="1" dirty="0"/>
-              <a:t> </a:t>
-            </a:r>
-            <a:r>
-              <a:rPr kumimoji="1" lang="en-US" altLang="zh-CN" b="1" dirty="0"/>
-              <a:t>is</a:t>
-            </a:r>
-            <a:r>
-              <a:rPr kumimoji="1" lang="zh-CN" altLang="en-US" b="1" dirty="0"/>
-              <a:t> </a:t>
-            </a:r>
-            <a:r>
-              <a:rPr kumimoji="1" lang="en-US" altLang="zh-CN" b="1" dirty="0"/>
-              <a:t>SVD?</a:t>
-            </a:r>
-          </a:p>
-          <a:p>
-            <a:pPr marL="0" indent="0">
-              <a:buNone/>
-            </a:pPr>
-            <a:endParaRPr kumimoji="1" lang="en-US" altLang="zh-CN" dirty="0"/>
-          </a:p>
-          <a:p>
-            <a:r>
-              <a:rPr kumimoji="1" lang="en-US" altLang="zh-CN" b="1" dirty="0"/>
-              <a:t>How</a:t>
-            </a:r>
-            <a:r>
-              <a:rPr kumimoji="1" lang="zh-CN" altLang="en-US" b="1" dirty="0"/>
-              <a:t> </a:t>
-            </a:r>
-            <a:r>
-              <a:rPr kumimoji="1" lang="en-US" altLang="zh-CN" b="1" dirty="0"/>
-              <a:t>it</a:t>
-            </a:r>
-            <a:r>
-              <a:rPr kumimoji="1" lang="zh-CN" altLang="en-US" b="1" dirty="0"/>
-              <a:t> </a:t>
-            </a:r>
-            <a:r>
-              <a:rPr kumimoji="1" lang="en-US" altLang="zh-CN" b="1" dirty="0"/>
-              <a:t>works?</a:t>
-            </a:r>
-          </a:p>
-          <a:p>
-            <a:endParaRPr kumimoji="1" lang="en-US" altLang="zh-CN" b="1" dirty="0"/>
-          </a:p>
-          <a:p>
-            <a:r>
-              <a:rPr kumimoji="1" lang="en-US" altLang="zh-CN" b="1" dirty="0"/>
-              <a:t>Advantages</a:t>
-            </a:r>
-          </a:p>
-          <a:p>
-            <a:endParaRPr lang="zh-CN" altLang="en-US" dirty="0"/>
-          </a:p>
-        </p:txBody>
-      </p:sp>
-    </p:spTree>
-    <p:extLst>
-      <p:ext uri="{BB962C8B-B14F-4D97-AF65-F5344CB8AC3E}">
-        <p14:creationId xmlns:p14="http://schemas.microsoft.com/office/powerpoint/2010/main" val="1247885791"/>
-      </p:ext>
-    </p:extLst>
-  </p:cSld>
-  <p:clrMapOvr>
-    <a:masterClrMapping/>
-  </p:clrMapOvr>
-</p:sld>
-</file>
-
-<file path=ppt/slides/slide7.xml><?xml version="1.0" encoding="utf-8"?>
-<p:sld xmlns:a="http://schemas.openxmlformats.org/drawingml/2006/main" xmlns:r="http://schemas.openxmlformats.org/officeDocument/2006/relationships" xmlns:p="http://schemas.openxmlformats.org/presentationml/2006/main">
-  <p:cSld>
-    <p:spTree>
-      <p:nvGrpSpPr>
-        <p:cNvPr id="1" name=""/>
-        <p:cNvGrpSpPr/>
-        <p:nvPr/>
-      </p:nvGrpSpPr>
-      <p:grpSpPr>
-        <a:xfrm>
-          <a:off x="0" y="0"/>
-          <a:ext cx="0" cy="0"/>
-          <a:chOff x="0" y="0"/>
-          <a:chExt cx="0" cy="0"/>
-        </a:xfrm>
-      </p:grpSpPr>
-      <p:sp>
-        <p:nvSpPr>
-          <p:cNvPr id="2" name="标题 1">
-            <a:extLst>
-              <a:ext uri="{FF2B5EF4-FFF2-40B4-BE49-F238E27FC236}">
-                <a16:creationId xmlns:a16="http://schemas.microsoft.com/office/drawing/2014/main" id="{93C91A0B-1612-EB4F-2A44-861A0E83E188}"/>
-              </a:ext>
-            </a:extLst>
-          </p:cNvPr>
-          <p:cNvSpPr>
-            <a:spLocks noGrp="1"/>
-          </p:cNvSpPr>
-          <p:nvPr>
-            <p:ph type="title"/>
-          </p:nvPr>
-        </p:nvSpPr>
-        <p:spPr/>
-        <p:txBody>
-          <a:bodyPr/>
-          <a:lstStyle/>
-          <a:p>
-            <a:r>
-              <a:rPr kumimoji="1" lang="en-US" altLang="zh-CN" b="1" dirty="0"/>
-              <a:t>SVD-</a:t>
-            </a:r>
-            <a:r>
-              <a:rPr lang="en-US" altLang="zh-CN" sz="2800" b="1" dirty="0"/>
-              <a:t>Singular</a:t>
-            </a:r>
-            <a:r>
-              <a:rPr lang="zh-CN" altLang="en-US" sz="2800" b="1" dirty="0"/>
-              <a:t> </a:t>
-            </a:r>
-            <a:r>
-              <a:rPr lang="en-US" altLang="zh-CN" sz="2800" b="1" dirty="0"/>
-              <a:t>Value</a:t>
-            </a:r>
-            <a:r>
-              <a:rPr lang="zh-CN" altLang="en-US" sz="2800" b="1" dirty="0"/>
-              <a:t> </a:t>
-            </a:r>
-            <a:r>
-              <a:rPr lang="en-US" altLang="zh-CN" sz="2800" b="1" dirty="0"/>
-              <a:t>Decomposition</a:t>
-            </a:r>
-            <a:endParaRPr kumimoji="1" lang="zh-CN" altLang="en-US" sz="2800" b="1" dirty="0"/>
-          </a:p>
-        </p:txBody>
-      </p:sp>
-      <p:sp>
-        <p:nvSpPr>
-          <p:cNvPr id="5" name="内容占位符 4">
-            <a:extLst>
-              <a:ext uri="{FF2B5EF4-FFF2-40B4-BE49-F238E27FC236}">
-                <a16:creationId xmlns:a16="http://schemas.microsoft.com/office/drawing/2014/main" id="{BCD7F3A1-D63C-A3C7-D612-EAAD67C389EF}"/>
-              </a:ext>
-            </a:extLst>
-          </p:cNvPr>
-          <p:cNvSpPr>
-            <a:spLocks noGrp="1"/>
-          </p:cNvSpPr>
-          <p:nvPr>
-            <p:ph idx="1"/>
-          </p:nvPr>
-        </p:nvSpPr>
-        <p:spPr/>
-        <p:txBody>
-          <a:bodyPr/>
-          <a:lstStyle/>
-          <a:p>
-            <a:r>
-              <a:rPr kumimoji="1" lang="en-US" altLang="zh-CN" b="1" dirty="0"/>
-              <a:t>What</a:t>
-            </a:r>
-            <a:r>
-              <a:rPr kumimoji="1" lang="zh-CN" altLang="en-US" b="1" dirty="0"/>
-              <a:t> </a:t>
-            </a:r>
-            <a:r>
-              <a:rPr kumimoji="1" lang="en-US" altLang="zh-CN" b="1" dirty="0"/>
-              <a:t>is</a:t>
-            </a:r>
-            <a:r>
-              <a:rPr kumimoji="1" lang="zh-CN" altLang="en-US" b="1" dirty="0"/>
-              <a:t> </a:t>
-            </a:r>
-            <a:r>
-              <a:rPr kumimoji="1" lang="en-US" altLang="zh-CN" b="1" dirty="0"/>
-              <a:t>SVD?</a:t>
-            </a:r>
-          </a:p>
-          <a:p>
-            <a:pPr marL="0" indent="0">
-              <a:buNone/>
-            </a:pPr>
-            <a:endParaRPr kumimoji="1" lang="en-US" altLang="zh-CN" dirty="0"/>
-          </a:p>
-          <a:p>
-            <a:pPr marL="457200" lvl="1" indent="0">
-              <a:buNone/>
-            </a:pPr>
-            <a:r>
-              <a:rPr lang="en" altLang="zh-CN" dirty="0"/>
-              <a:t>Singular Value Decomposition (SVD) is a classical matrix factorization technique used to reduce dimensionality and discover latent features in collaborative filtering.</a:t>
-            </a:r>
-            <a:endParaRPr lang="zh-CN" altLang="en-US" dirty="0"/>
-          </a:p>
-        </p:txBody>
-      </p:sp>
-    </p:spTree>
-    <p:extLst>
-      <p:ext uri="{BB962C8B-B14F-4D97-AF65-F5344CB8AC3E}">
-        <p14:creationId xmlns:p14="http://schemas.microsoft.com/office/powerpoint/2010/main" val="3860028220"/>
-      </p:ext>
-    </p:extLst>
-  </p:cSld>
-  <p:clrMapOvr>
-    <a:masterClrMapping/>
-  </p:clrMapOvr>
-</p:sld>
-</file>
-
 <file path=ppt/slides/slide8.xml><?xml version="1.0" encoding="utf-8"?>
 <p:sld xmlns:a="http://schemas.openxmlformats.org/drawingml/2006/main" xmlns:r="http://schemas.openxmlformats.org/officeDocument/2006/relationships" xmlns:p="http://schemas.openxmlformats.org/presentationml/2006/main">
   <p:cSld>
@@ -12710,766 +14258,179 @@
           <a:p>
             <a:r>
               <a:rPr kumimoji="1" lang="en-US" altLang="zh-CN" b="1" dirty="0"/>
-              <a:t>SVD-</a:t>
-            </a:r>
-            <a:r>
-              <a:rPr lang="en-US" altLang="zh-CN" sz="4400" b="1" dirty="0"/>
-              <a:t>Singular</a:t>
-            </a:r>
-            <a:r>
-              <a:rPr lang="zh-CN" altLang="en-US" sz="4400" b="1" dirty="0"/>
+              <a:t>ALS-</a:t>
+            </a:r>
+            <a:r>
+              <a:rPr lang="en" altLang="zh-CN" sz="2800" b="1" dirty="0"/>
+              <a:t>Collaborative filtering with </a:t>
+            </a:r>
+            <a:r>
+              <a:rPr kumimoji="1" lang="en-US" altLang="zh-CN" sz="2800" b="1" dirty="0"/>
+              <a:t>Alternating</a:t>
+            </a:r>
+            <a:r>
+              <a:rPr kumimoji="1" lang="zh-CN" altLang="en-US" sz="2800" b="1" dirty="0"/>
               <a:t> </a:t>
             </a:r>
             <a:r>
-              <a:rPr lang="en-US" altLang="zh-CN" sz="4400" b="1" dirty="0"/>
-              <a:t>Value</a:t>
-            </a:r>
-            <a:r>
-              <a:rPr lang="zh-CN" altLang="en-US" sz="4400" b="1" dirty="0"/>
+              <a:rPr kumimoji="1" lang="en-US" altLang="zh-CN" sz="2800" b="1" dirty="0"/>
+              <a:t>Least</a:t>
+            </a:r>
+            <a:r>
+              <a:rPr kumimoji="1" lang="zh-CN" altLang="en-US" sz="2800" b="1" dirty="0"/>
               <a:t> </a:t>
             </a:r>
             <a:r>
-              <a:rPr lang="en-US" altLang="zh-CN" sz="4400" b="1" dirty="0"/>
-              <a:t>Decomposition</a:t>
+              <a:rPr kumimoji="1" lang="en-US" altLang="zh-CN" sz="2800" b="1" dirty="0"/>
+              <a:t>Squares</a:t>
             </a:r>
             <a:endParaRPr kumimoji="1" lang="zh-CN" altLang="en-US" sz="2800" b="1" dirty="0"/>
           </a:p>
         </p:txBody>
       </p:sp>
-      <mc:AlternateContent xmlns:mc="http://schemas.openxmlformats.org/markup-compatibility/2006" xmlns:a14="http://schemas.microsoft.com/office/drawing/2010/main">
-        <mc:Choice Requires="a14">
-          <p:sp>
-            <p:nvSpPr>
-              <p:cNvPr id="3" name="内容占位符 2">
-                <a:extLst>
-                  <a:ext uri="{FF2B5EF4-FFF2-40B4-BE49-F238E27FC236}">
-                    <a16:creationId xmlns:a16="http://schemas.microsoft.com/office/drawing/2014/main" id="{2A032161-8894-C639-CAF8-3CAD12081B21}"/>
-                  </a:ext>
-                </a:extLst>
-              </p:cNvPr>
-              <p:cNvSpPr>
-                <a:spLocks noGrp="1"/>
-              </p:cNvSpPr>
-              <p:nvPr>
-                <p:ph idx="1"/>
-              </p:nvPr>
-            </p:nvSpPr>
-            <p:spPr/>
-            <p:txBody>
-              <a:bodyPr>
-                <a:normAutofit fontScale="92500" lnSpcReduction="20000"/>
-              </a:bodyPr>
-              <a:lstStyle/>
-              <a:p>
-                <a:r>
-                  <a:rPr kumimoji="1" lang="en-US" altLang="zh-CN" b="1" dirty="0"/>
-                  <a:t>How</a:t>
-                </a:r>
-                <a:r>
-                  <a:rPr kumimoji="1" lang="zh-CN" altLang="en-US" b="1" dirty="0"/>
-                  <a:t> </a:t>
-                </a:r>
-                <a:r>
-                  <a:rPr kumimoji="1" lang="en-US" altLang="zh-CN" b="1" dirty="0"/>
-                  <a:t>it</a:t>
-                </a:r>
-                <a:r>
-                  <a:rPr kumimoji="1" lang="zh-CN" altLang="en-US" b="1" dirty="0"/>
-                  <a:t> </a:t>
-                </a:r>
-                <a:r>
-                  <a:rPr kumimoji="1" lang="en-US" altLang="zh-CN" b="1" dirty="0"/>
-                  <a:t>works?</a:t>
-                </a:r>
-              </a:p>
-              <a:p>
-                <a:endParaRPr kumimoji="1" lang="en-US" altLang="zh-CN" b="1" dirty="0"/>
-              </a:p>
-              <a:p>
-                <a:pPr lvl="1"/>
-                <a:r>
-                  <a:rPr kumimoji="1" lang="en-US" altLang="zh-CN" dirty="0"/>
-                  <a:t>Decomposes</a:t>
-                </a:r>
-                <a:r>
-                  <a:rPr kumimoji="1" lang="zh-CN" altLang="en-US" dirty="0"/>
-                  <a:t> </a:t>
-                </a:r>
-                <a:r>
-                  <a:rPr kumimoji="1" lang="en-US" altLang="zh-CN" dirty="0"/>
-                  <a:t>the</a:t>
-                </a:r>
-                <a:r>
-                  <a:rPr kumimoji="1" lang="zh-CN" altLang="en-US" dirty="0"/>
-                  <a:t> </a:t>
-                </a:r>
-                <a:r>
-                  <a:rPr kumimoji="1" lang="en-US" altLang="zh-CN" dirty="0"/>
-                  <a:t>original</a:t>
-                </a:r>
-                <a:r>
-                  <a:rPr kumimoji="1" lang="zh-CN" altLang="en-US" dirty="0"/>
-                  <a:t> </a:t>
-                </a:r>
-                <a:r>
-                  <a:rPr kumimoji="1" lang="en-US" altLang="zh-CN" dirty="0"/>
-                  <a:t>rating</a:t>
-                </a:r>
-                <a:r>
-                  <a:rPr kumimoji="1" lang="zh-CN" altLang="en-US" dirty="0"/>
-                  <a:t> </a:t>
-                </a:r>
-                <a:r>
-                  <a:rPr kumimoji="1" lang="en-US" altLang="zh-CN" dirty="0"/>
-                  <a:t>matrix</a:t>
-                </a:r>
-                <a:r>
-                  <a:rPr kumimoji="1" lang="zh-CN" altLang="en-US" dirty="0"/>
-                  <a:t> </a:t>
-                </a:r>
-                <a:r>
-                  <a:rPr kumimoji="1" lang="en-US" altLang="zh-CN" dirty="0"/>
-                  <a:t>R</a:t>
-                </a:r>
-                <a:r>
-                  <a:rPr kumimoji="1" lang="zh-CN" altLang="en-US" dirty="0"/>
-                  <a:t> </a:t>
-                </a:r>
-                <a:r>
-                  <a:rPr kumimoji="1" lang="en-US" altLang="zh-CN" dirty="0"/>
-                  <a:t>into</a:t>
-                </a:r>
-                <a:r>
-                  <a:rPr kumimoji="1" lang="zh-CN" altLang="en-US" dirty="0"/>
-                  <a:t> </a:t>
-                </a:r>
-                <a:r>
-                  <a:rPr kumimoji="1" lang="en-US" altLang="zh-CN" dirty="0"/>
-                  <a:t>three</a:t>
-                </a:r>
-                <a:r>
-                  <a:rPr kumimoji="1" lang="zh-CN" altLang="en-US" dirty="0"/>
-                  <a:t> </a:t>
-                </a:r>
-                <a:r>
-                  <a:rPr kumimoji="1" lang="en-US" altLang="zh-CN" dirty="0" err="1"/>
-                  <a:t>matrics</a:t>
-                </a:r>
-                <a:r>
-                  <a:rPr kumimoji="1" lang="en-US" altLang="zh-CN" dirty="0"/>
-                  <a:t>:</a:t>
-                </a:r>
-              </a:p>
-              <a:p>
-                <a:pPr lvl="1"/>
-                <a:endParaRPr kumimoji="1" lang="en-US" altLang="zh-CN" dirty="0"/>
-              </a:p>
-              <a:p>
-                <a:pPr marL="3200400" lvl="7" indent="0">
-                  <a:buNone/>
-                </a:pPr>
-                <a:r>
-                  <a:rPr kumimoji="1" lang="en-US" altLang="zh-CN" dirty="0"/>
-                  <a:t>	</a:t>
-                </a:r>
-                <a14:m>
-                  <m:oMath xmlns:m="http://schemas.openxmlformats.org/officeDocument/2006/math">
-                    <m:sSub>
-                      <m:sSubPr>
-                        <m:ctrlPr>
-                          <a:rPr kumimoji="1" lang="en-US" altLang="zh-CN" i="1" smtClean="0">
-                            <a:latin typeface="Cambria Math" panose="02040503050406030204" pitchFamily="18" charset="0"/>
-                          </a:rPr>
-                        </m:ctrlPr>
-                      </m:sSubPr>
-                      <m:e>
-                        <m:r>
-                          <m:rPr>
-                            <m:sty m:val="p"/>
-                          </m:rPr>
-                          <a:rPr kumimoji="1" lang="en-US" altLang="zh-CN" i="1">
-                            <a:latin typeface="Cambria Math" panose="02040503050406030204" pitchFamily="18" charset="0"/>
-                          </a:rPr>
-                          <m:t>R</m:t>
-                        </m:r>
-                      </m:e>
-                      <m:sub>
-                        <m:r>
-                          <m:rPr>
-                            <m:sty m:val="p"/>
-                          </m:rPr>
-                          <a:rPr kumimoji="1" lang="en-US" altLang="zh-CN" i="1">
-                            <a:latin typeface="Cambria Math" panose="02040503050406030204" pitchFamily="18" charset="0"/>
-                          </a:rPr>
-                          <m:t>m</m:t>
-                        </m:r>
-                        <m:r>
-                          <a:rPr kumimoji="1" lang="en-US" altLang="zh-CN" i="1" smtClean="0">
-                            <a:latin typeface="Cambria Math" panose="02040503050406030204" pitchFamily="18" charset="0"/>
-                            <a:ea typeface="Cambria Math" panose="02040503050406030204" pitchFamily="18" charset="0"/>
-                          </a:rPr>
-                          <m:t>×</m:t>
-                        </m:r>
-                        <m:r>
-                          <a:rPr kumimoji="1" lang="en-US" altLang="zh-CN" b="0" i="1" smtClean="0">
-                            <a:latin typeface="Cambria Math" panose="02040503050406030204" pitchFamily="18" charset="0"/>
-                            <a:ea typeface="Cambria Math" panose="02040503050406030204" pitchFamily="18" charset="0"/>
-                          </a:rPr>
-                          <m:t>𝑛</m:t>
-                        </m:r>
-                      </m:sub>
-                    </m:sSub>
-                    <m:r>
-                      <a:rPr kumimoji="1" lang="en-US" altLang="zh-CN" i="1" smtClean="0">
-                        <a:latin typeface="Cambria Math" panose="02040503050406030204" pitchFamily="18" charset="0"/>
-                        <a:ea typeface="Cambria Math" panose="02040503050406030204" pitchFamily="18" charset="0"/>
-                      </a:rPr>
-                      <m:t>≈</m:t>
-                    </m:r>
-                    <m:sSub>
-                      <m:sSubPr>
-                        <m:ctrlPr>
-                          <a:rPr kumimoji="1" lang="en-US" altLang="zh-CN" i="1" smtClean="0">
-                            <a:latin typeface="Cambria Math" panose="02040503050406030204" pitchFamily="18" charset="0"/>
-                            <a:ea typeface="Cambria Math" panose="02040503050406030204" pitchFamily="18" charset="0"/>
-                          </a:rPr>
-                        </m:ctrlPr>
-                      </m:sSubPr>
-                      <m:e>
-                        <m:r>
-                          <a:rPr kumimoji="1" lang="en-US" altLang="zh-CN" b="0" i="1" smtClean="0">
-                            <a:latin typeface="Cambria Math" panose="02040503050406030204" pitchFamily="18" charset="0"/>
-                            <a:ea typeface="Cambria Math" panose="02040503050406030204" pitchFamily="18" charset="0"/>
-                          </a:rPr>
-                          <m:t>𝑈</m:t>
-                        </m:r>
-                      </m:e>
-                      <m:sub>
-                        <m:r>
-                          <a:rPr kumimoji="1" lang="en-US" altLang="zh-CN" b="0" i="1" smtClean="0">
-                            <a:latin typeface="Cambria Math" panose="02040503050406030204" pitchFamily="18" charset="0"/>
-                            <a:ea typeface="Cambria Math" panose="02040503050406030204" pitchFamily="18" charset="0"/>
-                          </a:rPr>
-                          <m:t>𝑚</m:t>
-                        </m:r>
-                        <m:r>
-                          <a:rPr kumimoji="1" lang="en-US" altLang="zh-CN" b="0" i="1" smtClean="0">
-                            <a:latin typeface="Cambria Math" panose="02040503050406030204" pitchFamily="18" charset="0"/>
-                            <a:ea typeface="Cambria Math" panose="02040503050406030204" pitchFamily="18" charset="0"/>
-                          </a:rPr>
-                          <m:t>×</m:t>
-                        </m:r>
-                        <m:r>
-                          <a:rPr kumimoji="1" lang="en-US" altLang="zh-CN" b="0" i="1" smtClean="0">
-                            <a:latin typeface="Cambria Math" panose="02040503050406030204" pitchFamily="18" charset="0"/>
-                            <a:ea typeface="Cambria Math" panose="02040503050406030204" pitchFamily="18" charset="0"/>
-                          </a:rPr>
-                          <m:t>𝑘</m:t>
-                        </m:r>
-                      </m:sub>
-                    </m:sSub>
-                    <m:r>
-                      <a:rPr kumimoji="1" lang="en-US" altLang="zh-CN" b="0" i="1" smtClean="0">
-                        <a:latin typeface="Cambria Math" panose="02040503050406030204" pitchFamily="18" charset="0"/>
-                        <a:ea typeface="Cambria Math" panose="02040503050406030204" pitchFamily="18" charset="0"/>
-                      </a:rPr>
-                      <m:t>×</m:t>
-                    </m:r>
-                    <m:r>
-                      <a:rPr kumimoji="1" lang="zh-CN" altLang="en-US" b="0" i="1" smtClean="0">
-                        <a:latin typeface="Cambria Math" panose="02040503050406030204" pitchFamily="18" charset="0"/>
-                        <a:ea typeface="Cambria Math" panose="02040503050406030204" pitchFamily="18" charset="0"/>
-                      </a:rPr>
-                      <m:t> </m:t>
-                    </m:r>
-                    <m:sSub>
-                      <m:sSubPr>
-                        <m:ctrlPr>
-                          <a:rPr kumimoji="1" lang="en-US" altLang="zh-CN" b="0" i="1" smtClean="0">
-                            <a:latin typeface="Cambria Math" panose="02040503050406030204" pitchFamily="18" charset="0"/>
-                            <a:ea typeface="Cambria Math" panose="02040503050406030204" pitchFamily="18" charset="0"/>
-                          </a:rPr>
-                        </m:ctrlPr>
-                      </m:sSubPr>
-                      <m:e>
-                        <m:r>
-                          <m:rPr>
-                            <m:sty m:val="p"/>
-                          </m:rPr>
-                          <a:rPr kumimoji="1" lang="el-GR" altLang="zh-CN" b="0" i="1" smtClean="0">
-                            <a:latin typeface="Cambria Math" panose="02040503050406030204" pitchFamily="18" charset="0"/>
-                            <a:ea typeface="Cambria Math" panose="02040503050406030204" pitchFamily="18" charset="0"/>
-                          </a:rPr>
-                          <m:t>Σ</m:t>
-                        </m:r>
-                      </m:e>
-                      <m:sub>
-                        <m:r>
-                          <m:rPr>
-                            <m:sty m:val="p"/>
-                          </m:rPr>
-                          <a:rPr kumimoji="1" lang="en-US" altLang="zh-CN" i="1">
-                            <a:latin typeface="Cambria Math" panose="02040503050406030204" pitchFamily="18" charset="0"/>
-                            <a:ea typeface="Cambria Math" panose="02040503050406030204" pitchFamily="18" charset="0"/>
-                          </a:rPr>
-                          <m:t>k</m:t>
-                        </m:r>
-                        <m:r>
-                          <a:rPr kumimoji="1" lang="en-US" altLang="zh-CN" i="1" smtClean="0">
-                            <a:latin typeface="Cambria Math" panose="02040503050406030204" pitchFamily="18" charset="0"/>
-                            <a:ea typeface="Cambria Math" panose="02040503050406030204" pitchFamily="18" charset="0"/>
-                          </a:rPr>
-                          <m:t>×</m:t>
-                        </m:r>
-                        <m:r>
-                          <a:rPr kumimoji="1" lang="en-US" altLang="zh-CN" b="0" i="1" smtClean="0">
-                            <a:latin typeface="Cambria Math" panose="02040503050406030204" pitchFamily="18" charset="0"/>
-                            <a:ea typeface="Cambria Math" panose="02040503050406030204" pitchFamily="18" charset="0"/>
-                          </a:rPr>
-                          <m:t>𝑘</m:t>
-                        </m:r>
-                      </m:sub>
-                    </m:sSub>
-                    <m:r>
-                      <a:rPr kumimoji="1" lang="en-US" altLang="zh-CN" b="0" i="1" smtClean="0">
-                        <a:latin typeface="Cambria Math" panose="02040503050406030204" pitchFamily="18" charset="0"/>
-                        <a:ea typeface="Cambria Math" panose="02040503050406030204" pitchFamily="18" charset="0"/>
-                      </a:rPr>
-                      <m:t>×</m:t>
-                    </m:r>
-                    <m:r>
-                      <a:rPr kumimoji="1" lang="zh-CN" altLang="en-US" b="0" i="1" smtClean="0">
-                        <a:latin typeface="Cambria Math" panose="02040503050406030204" pitchFamily="18" charset="0"/>
-                        <a:ea typeface="Cambria Math" panose="02040503050406030204" pitchFamily="18" charset="0"/>
-                      </a:rPr>
-                      <m:t> </m:t>
-                    </m:r>
-                    <m:sSub>
-                      <m:sSubPr>
-                        <m:ctrlPr>
-                          <a:rPr kumimoji="1" lang="en-US" altLang="zh-CN" b="0" i="1" smtClean="0">
-                            <a:latin typeface="Cambria Math" panose="02040503050406030204" pitchFamily="18" charset="0"/>
-                            <a:ea typeface="Cambria Math" panose="02040503050406030204" pitchFamily="18" charset="0"/>
-                          </a:rPr>
-                        </m:ctrlPr>
-                      </m:sSubPr>
-                      <m:e>
-                        <m:r>
-                          <a:rPr kumimoji="1" lang="en-US" altLang="zh-CN" b="0" i="1" smtClean="0">
-                            <a:latin typeface="Cambria Math" panose="02040503050406030204" pitchFamily="18" charset="0"/>
-                            <a:ea typeface="Cambria Math" panose="02040503050406030204" pitchFamily="18" charset="0"/>
-                          </a:rPr>
-                          <m:t>𝑉</m:t>
-                        </m:r>
-                      </m:e>
-                      <m:sub>
-                        <m:r>
-                          <a:rPr kumimoji="1" lang="en-US" altLang="zh-CN" b="0" i="1" smtClean="0">
-                            <a:latin typeface="Cambria Math" panose="02040503050406030204" pitchFamily="18" charset="0"/>
-                            <a:ea typeface="Cambria Math" panose="02040503050406030204" pitchFamily="18" charset="0"/>
-                          </a:rPr>
-                          <m:t>𝑘</m:t>
-                        </m:r>
-                        <m:r>
-                          <a:rPr kumimoji="1" lang="en-US" altLang="zh-CN" b="0" i="1" smtClean="0">
-                            <a:latin typeface="Cambria Math" panose="02040503050406030204" pitchFamily="18" charset="0"/>
-                            <a:ea typeface="Cambria Math" panose="02040503050406030204" pitchFamily="18" charset="0"/>
-                          </a:rPr>
-                          <m:t>×</m:t>
-                        </m:r>
-                        <m:r>
-                          <a:rPr kumimoji="1" lang="en-US" altLang="zh-CN" b="0" i="1" smtClean="0">
-                            <a:latin typeface="Cambria Math" panose="02040503050406030204" pitchFamily="18" charset="0"/>
-                            <a:ea typeface="Cambria Math" panose="02040503050406030204" pitchFamily="18" charset="0"/>
-                          </a:rPr>
-                          <m:t>𝑛</m:t>
-                        </m:r>
-                      </m:sub>
-                    </m:sSub>
-                  </m:oMath>
-                </a14:m>
-                <a:endParaRPr kumimoji="1" lang="en-US" altLang="zh-CN" b="0" dirty="0">
-                  <a:ea typeface="Cambria Math" panose="02040503050406030204" pitchFamily="18" charset="0"/>
-                </a:endParaRPr>
-              </a:p>
-              <a:p>
-                <a:pPr marL="457200" lvl="1" indent="0">
-                  <a:buNone/>
-                </a:pPr>
-                <a:endParaRPr kumimoji="1" lang="en-US" altLang="zh-CN" dirty="0"/>
-              </a:p>
-              <a:p>
-                <a:pPr lvl="1"/>
-                <a:r>
-                  <a:rPr kumimoji="1" lang="en-US" altLang="zh-CN" dirty="0"/>
-                  <a:t>Where</a:t>
-                </a:r>
-              </a:p>
-              <a:p>
-                <a:pPr lvl="2"/>
-                <a:r>
-                  <a:rPr kumimoji="1" lang="en-US" altLang="zh-CN" dirty="0"/>
-                  <a:t>R:</a:t>
-                </a:r>
-                <a:r>
-                  <a:rPr kumimoji="1" lang="zh-CN" altLang="en-US" dirty="0"/>
-                  <a:t> </a:t>
-                </a:r>
-                <a:r>
-                  <a:rPr kumimoji="1" lang="en-US" altLang="zh-CN" dirty="0"/>
-                  <a:t>The</a:t>
-                </a:r>
-                <a:r>
-                  <a:rPr kumimoji="1" lang="zh-CN" altLang="en-US" dirty="0"/>
-                  <a:t> </a:t>
-                </a:r>
-                <a:r>
-                  <a:rPr kumimoji="1" lang="en-US" altLang="zh-CN" dirty="0"/>
-                  <a:t>original</a:t>
-                </a:r>
-                <a:r>
-                  <a:rPr kumimoji="1" lang="zh-CN" altLang="en-US" dirty="0"/>
-                  <a:t> </a:t>
-                </a:r>
-                <a:r>
-                  <a:rPr kumimoji="1" lang="en-US" altLang="zh-CN" dirty="0"/>
-                  <a:t>rating</a:t>
-                </a:r>
-                <a:r>
-                  <a:rPr kumimoji="1" lang="zh-CN" altLang="en-US" dirty="0"/>
-                  <a:t> </a:t>
-                </a:r>
-                <a:r>
-                  <a:rPr kumimoji="1" lang="en-US" altLang="zh-CN" dirty="0"/>
-                  <a:t>matrix,</a:t>
-                </a:r>
-                <a:r>
-                  <a:rPr kumimoji="1" lang="zh-CN" altLang="en-US" dirty="0"/>
-                  <a:t> </a:t>
-                </a:r>
-                <a:r>
-                  <a:rPr kumimoji="1" lang="en-US" altLang="zh-CN" dirty="0"/>
-                  <a:t>m</a:t>
-                </a:r>
-                <a:r>
-                  <a:rPr kumimoji="1" lang="zh-CN" altLang="en-US" dirty="0"/>
-                  <a:t> </a:t>
-                </a:r>
-                <a:r>
-                  <a:rPr kumimoji="1" lang="en-US" altLang="zh-CN" dirty="0"/>
-                  <a:t>is</a:t>
-                </a:r>
-                <a:r>
-                  <a:rPr kumimoji="1" lang="zh-CN" altLang="en-US" dirty="0"/>
-                  <a:t> </a:t>
-                </a:r>
-                <a:r>
-                  <a:rPr kumimoji="1" lang="en-US" altLang="zh-CN" dirty="0"/>
-                  <a:t>the</a:t>
-                </a:r>
-                <a:r>
-                  <a:rPr kumimoji="1" lang="zh-CN" altLang="en-US" dirty="0"/>
-                  <a:t> </a:t>
-                </a:r>
-                <a:r>
-                  <a:rPr kumimoji="1" lang="en-US" altLang="zh-CN" dirty="0"/>
-                  <a:t>number</a:t>
-                </a:r>
-                <a:r>
-                  <a:rPr kumimoji="1" lang="zh-CN" altLang="en-US" dirty="0"/>
-                  <a:t> </a:t>
-                </a:r>
-                <a:r>
-                  <a:rPr kumimoji="1" lang="en-US" altLang="zh-CN" dirty="0"/>
-                  <a:t>of</a:t>
-                </a:r>
-                <a:r>
-                  <a:rPr kumimoji="1" lang="zh-CN" altLang="en-US" dirty="0"/>
-                  <a:t> </a:t>
-                </a:r>
-                <a:r>
-                  <a:rPr kumimoji="1" lang="en-US" altLang="zh-CN" dirty="0"/>
-                  <a:t>users</a:t>
-                </a:r>
-                <a:r>
-                  <a:rPr kumimoji="1" lang="zh-CN" altLang="en-US" dirty="0"/>
-                  <a:t> </a:t>
-                </a:r>
-                <a:r>
-                  <a:rPr kumimoji="1" lang="en-US" altLang="zh-CN" dirty="0"/>
-                  <a:t>and</a:t>
-                </a:r>
-                <a:r>
-                  <a:rPr kumimoji="1" lang="zh-CN" altLang="en-US" dirty="0"/>
-                  <a:t> </a:t>
-                </a:r>
-                <a:r>
-                  <a:rPr kumimoji="1" lang="en-US" altLang="zh-CN" dirty="0"/>
-                  <a:t>n</a:t>
-                </a:r>
-                <a:r>
-                  <a:rPr kumimoji="1" lang="zh-CN" altLang="en-US" dirty="0"/>
-                  <a:t> </a:t>
-                </a:r>
-                <a:r>
-                  <a:rPr kumimoji="1" lang="en-US" altLang="zh-CN" dirty="0"/>
-                  <a:t>is</a:t>
-                </a:r>
-                <a:r>
-                  <a:rPr kumimoji="1" lang="zh-CN" altLang="en-US" dirty="0"/>
-                  <a:t> </a:t>
-                </a:r>
-                <a:r>
-                  <a:rPr kumimoji="1" lang="en-US" altLang="zh-CN" dirty="0"/>
-                  <a:t>the</a:t>
-                </a:r>
-                <a:r>
-                  <a:rPr kumimoji="1" lang="zh-CN" altLang="en-US" dirty="0"/>
-                  <a:t> </a:t>
-                </a:r>
-                <a:r>
-                  <a:rPr kumimoji="1" lang="en-US" altLang="zh-CN" dirty="0"/>
-                  <a:t>number</a:t>
-                </a:r>
-                <a:r>
-                  <a:rPr kumimoji="1" lang="zh-CN" altLang="en-US" dirty="0"/>
-                  <a:t> </a:t>
-                </a:r>
-                <a:r>
-                  <a:rPr kumimoji="1" lang="en-US" altLang="zh-CN" dirty="0"/>
-                  <a:t>of</a:t>
-                </a:r>
-                <a:r>
-                  <a:rPr kumimoji="1" lang="zh-CN" altLang="en-US" dirty="0"/>
-                  <a:t> </a:t>
-                </a:r>
-                <a:r>
-                  <a:rPr kumimoji="1" lang="en-US" altLang="zh-CN" dirty="0"/>
-                  <a:t>items.</a:t>
-                </a:r>
-              </a:p>
-              <a:p>
-                <a:pPr lvl="2"/>
-                <a:r>
-                  <a:rPr kumimoji="1" lang="en-US" altLang="zh-CN" dirty="0"/>
-                  <a:t>U:</a:t>
-                </a:r>
-                <a:r>
-                  <a:rPr kumimoji="1" lang="zh-CN" altLang="en-US" dirty="0"/>
-                  <a:t> </a:t>
-                </a:r>
-                <a:r>
-                  <a:rPr kumimoji="1" lang="en-US" altLang="zh-CN" dirty="0"/>
-                  <a:t>User</a:t>
-                </a:r>
-                <a:r>
-                  <a:rPr kumimoji="1" lang="zh-CN" altLang="en-US" dirty="0"/>
-                  <a:t> </a:t>
-                </a:r>
-                <a:r>
-                  <a:rPr kumimoji="1" lang="en-US" altLang="zh-CN" dirty="0"/>
-                  <a:t>latent</a:t>
-                </a:r>
-                <a:r>
-                  <a:rPr kumimoji="1" lang="zh-CN" altLang="en-US" dirty="0"/>
-                  <a:t> </a:t>
-                </a:r>
-                <a:r>
-                  <a:rPr kumimoji="1" lang="en-US" altLang="zh-CN" dirty="0"/>
-                  <a:t>feature</a:t>
-                </a:r>
-                <a:r>
-                  <a:rPr kumimoji="1" lang="zh-CN" altLang="en-US" dirty="0"/>
-                  <a:t> </a:t>
-                </a:r>
-                <a:r>
-                  <a:rPr kumimoji="1" lang="en-US" altLang="zh-CN" dirty="0"/>
-                  <a:t>matrix</a:t>
-                </a:r>
-              </a:p>
-              <a:p>
-                <a:pPr lvl="2"/>
-                <a14:m>
-                  <m:oMath xmlns:m="http://schemas.openxmlformats.org/officeDocument/2006/math">
-                    <m:r>
-                      <m:rPr>
-                        <m:sty m:val="p"/>
-                      </m:rPr>
-                      <a:rPr kumimoji="1" lang="el-GR" altLang="zh-CN" i="1" smtClean="0">
-                        <a:latin typeface="Cambria Math" panose="02040503050406030204" pitchFamily="18" charset="0"/>
-                        <a:ea typeface="Cambria Math" panose="02040503050406030204" pitchFamily="18" charset="0"/>
-                      </a:rPr>
-                      <m:t>Σ</m:t>
-                    </m:r>
-                    <m:r>
-                      <a:rPr kumimoji="1" lang="en-US" altLang="zh-CN" b="0" i="1" smtClean="0">
-                        <a:latin typeface="Cambria Math" panose="02040503050406030204" pitchFamily="18" charset="0"/>
-                        <a:ea typeface="Cambria Math" panose="02040503050406030204" pitchFamily="18" charset="0"/>
-                      </a:rPr>
-                      <m:t>:</m:t>
-                    </m:r>
-                  </m:oMath>
-                </a14:m>
-                <a:r>
-                  <a:rPr kumimoji="1" lang="zh-CN" altLang="en-US" dirty="0"/>
-                  <a:t> </a:t>
-                </a:r>
-                <a:r>
-                  <a:rPr kumimoji="1" lang="en-US" altLang="zh-CN" dirty="0"/>
-                  <a:t>Diagonal</a:t>
-                </a:r>
-                <a:r>
-                  <a:rPr kumimoji="1" lang="zh-CN" altLang="en-US" dirty="0"/>
-                  <a:t> </a:t>
-                </a:r>
-                <a:r>
-                  <a:rPr kumimoji="1" lang="en-US" altLang="zh-CN" dirty="0"/>
-                  <a:t>matrix</a:t>
-                </a:r>
-                <a:r>
-                  <a:rPr kumimoji="1" lang="zh-CN" altLang="en-US" dirty="0"/>
-                  <a:t> </a:t>
-                </a:r>
-                <a:r>
-                  <a:rPr kumimoji="1" lang="en-US" altLang="zh-CN" dirty="0"/>
-                  <a:t>of</a:t>
-                </a:r>
-                <a:r>
-                  <a:rPr kumimoji="1" lang="zh-CN" altLang="en-US" dirty="0"/>
-                  <a:t> </a:t>
-                </a:r>
-                <a:r>
-                  <a:rPr kumimoji="1" lang="en-US" altLang="zh-CN" dirty="0"/>
-                  <a:t>singular</a:t>
-                </a:r>
-                <a:r>
-                  <a:rPr kumimoji="1" lang="zh-CN" altLang="en-US" dirty="0"/>
-                  <a:t> </a:t>
-                </a:r>
-                <a:r>
-                  <a:rPr kumimoji="1" lang="en-US" altLang="zh-CN" dirty="0"/>
-                  <a:t>values</a:t>
-                </a:r>
-              </a:p>
-              <a:p>
-                <a:pPr lvl="2"/>
-                <a:r>
-                  <a:rPr kumimoji="1" lang="en-US" altLang="zh-CN" dirty="0"/>
-                  <a:t>V:</a:t>
-                </a:r>
-                <a:r>
-                  <a:rPr kumimoji="1" lang="zh-CN" altLang="en-US" dirty="0"/>
-                  <a:t> </a:t>
-                </a:r>
-                <a:r>
-                  <a:rPr kumimoji="1" lang="en-US" altLang="zh-CN" dirty="0"/>
-                  <a:t>Item</a:t>
-                </a:r>
-                <a:r>
-                  <a:rPr kumimoji="1" lang="zh-CN" altLang="en-US" dirty="0"/>
-                  <a:t> </a:t>
-                </a:r>
-                <a:r>
-                  <a:rPr kumimoji="1" lang="en-US" altLang="zh-CN" dirty="0"/>
-                  <a:t>feature</a:t>
-                </a:r>
-                <a:r>
-                  <a:rPr kumimoji="1" lang="zh-CN" altLang="en-US" dirty="0"/>
-                  <a:t> </a:t>
-                </a:r>
-                <a:r>
-                  <a:rPr kumimoji="1" lang="en-US" altLang="zh-CN" dirty="0"/>
-                  <a:t>matrix</a:t>
-                </a:r>
-              </a:p>
-              <a:p>
-                <a:pPr lvl="2"/>
-                <a:endParaRPr kumimoji="1" lang="en-US" altLang="zh-CN" dirty="0"/>
-              </a:p>
-              <a:p>
-                <a:pPr lvl="1"/>
-                <a:r>
-                  <a:rPr kumimoji="1" lang="en-US" altLang="zh-CN" dirty="0"/>
-                  <a:t>Keeps</a:t>
-                </a:r>
-                <a:r>
-                  <a:rPr kumimoji="1" lang="zh-CN" altLang="en-US" dirty="0"/>
-                  <a:t> </a:t>
-                </a:r>
-                <a:r>
-                  <a:rPr kumimoji="1" lang="en-US" altLang="zh-CN" dirty="0"/>
-                  <a:t>the</a:t>
-                </a:r>
-                <a:r>
-                  <a:rPr kumimoji="1" lang="zh-CN" altLang="en-US" dirty="0"/>
-                  <a:t> </a:t>
-                </a:r>
-                <a:r>
-                  <a:rPr lang="en" altLang="zh-CN" dirty="0"/>
-                  <a:t>top-k singular values to reduce noise and focus on the most significant patterns</a:t>
-                </a:r>
-              </a:p>
-              <a:p>
-                <a:pPr marL="457200" lvl="1" indent="0">
-                  <a:buNone/>
-                </a:pPr>
-                <a:endParaRPr kumimoji="1" lang="en-US" altLang="zh-CN" dirty="0"/>
-              </a:p>
-              <a:p>
-                <a:pPr lvl="2"/>
-                <a:endParaRPr kumimoji="1" lang="en-US" altLang="zh-CN" dirty="0"/>
-              </a:p>
-              <a:p>
-                <a:pPr lvl="1"/>
-                <a:endParaRPr kumimoji="1" lang="zh-CN" altLang="en-US" dirty="0"/>
-              </a:p>
-            </p:txBody>
-          </p:sp>
-        </mc:Choice>
-        <mc:Fallback xmlns="">
-          <p:sp>
-            <p:nvSpPr>
-              <p:cNvPr id="3" name="内容占位符 2">
-                <a:extLst>
-                  <a:ext uri="{FF2B5EF4-FFF2-40B4-BE49-F238E27FC236}">
-                    <a16:creationId xmlns:a16="http://schemas.microsoft.com/office/drawing/2014/main" id="{2A032161-8894-C639-CAF8-3CAD12081B21}"/>
-                  </a:ext>
-                </a:extLst>
-              </p:cNvPr>
-              <p:cNvSpPr>
-                <a:spLocks noGrp="1" noRot="1" noChangeAspect="1" noMove="1" noResize="1" noEditPoints="1" noAdjustHandles="1" noChangeArrowheads="1" noChangeShapeType="1" noTextEdit="1"/>
-              </p:cNvSpPr>
-              <p:nvPr>
-                <p:ph idx="1"/>
-              </p:nvPr>
-            </p:nvSpPr>
-            <p:spPr>
-              <a:blipFill>
-                <a:blip r:embed="rId2"/>
-                <a:stretch>
-                  <a:fillRect l="-965" t="-3488"/>
-                </a:stretch>
-              </a:blipFill>
-            </p:spPr>
-            <p:txBody>
-              <a:bodyPr/>
-              <a:lstStyle/>
-              <a:p>
-                <a:r>
-                  <a:rPr lang="zh-CN" altLang="en-US">
-                    <a:noFill/>
-                  </a:rPr>
-                  <a:t> </a:t>
-                </a:r>
-              </a:p>
-            </p:txBody>
-          </p:sp>
-        </mc:Fallback>
-      </mc:AlternateContent>
+      <p:sp>
+        <p:nvSpPr>
+          <p:cNvPr id="3" name="内容占位符 2">
+            <a:extLst>
+              <a:ext uri="{FF2B5EF4-FFF2-40B4-BE49-F238E27FC236}">
+                <a16:creationId xmlns:a16="http://schemas.microsoft.com/office/drawing/2014/main" id="{2A032161-8894-C639-CAF8-3CAD12081B21}"/>
+              </a:ext>
+            </a:extLst>
+          </p:cNvPr>
+          <p:cNvSpPr>
+            <a:spLocks noGrp="1"/>
+          </p:cNvSpPr>
+          <p:nvPr>
+            <p:ph idx="1"/>
+          </p:nvPr>
+        </p:nvSpPr>
+        <p:spPr/>
+        <p:txBody>
+          <a:bodyPr>
+            <a:normAutofit fontScale="77500" lnSpcReduction="20000"/>
+          </a:bodyPr>
+          <a:lstStyle/>
+          <a:p>
+            <a:r>
+              <a:rPr kumimoji="1" lang="en-US" altLang="zh-CN" b="1" dirty="0"/>
+              <a:t>Advantages</a:t>
+            </a:r>
+          </a:p>
+          <a:p>
+            <a:endParaRPr kumimoji="1" lang="en-US" altLang="zh-CN" b="1" dirty="0"/>
+          </a:p>
+          <a:p>
+            <a:pPr lvl="1"/>
+            <a:r>
+              <a:rPr lang="en" altLang="zh-CN" dirty="0"/>
+              <a:t>Scales well for large, sparse datasets</a:t>
+            </a:r>
+          </a:p>
+          <a:p>
+            <a:pPr lvl="1"/>
+            <a:endParaRPr lang="en" altLang="zh-CN" dirty="0"/>
+          </a:p>
+          <a:p>
+            <a:pPr lvl="1"/>
+            <a:r>
+              <a:rPr lang="en" altLang="zh-CN" dirty="0"/>
+              <a:t>Efficiently implemented in distributed systems like </a:t>
+            </a:r>
+            <a:r>
+              <a:rPr lang="en" altLang="zh-CN" b="1" dirty="0"/>
+              <a:t>Apache Spark</a:t>
+            </a:r>
+          </a:p>
+          <a:p>
+            <a:pPr lvl="1"/>
+            <a:endParaRPr lang="en" altLang="zh-CN" b="1" dirty="0"/>
+          </a:p>
+          <a:p>
+            <a:pPr lvl="1"/>
+            <a:r>
+              <a:rPr lang="en" altLang="zh-CN" dirty="0"/>
+              <a:t>Supports </a:t>
+            </a:r>
+            <a:r>
+              <a:rPr lang="en" altLang="zh-CN" b="1" dirty="0"/>
+              <a:t>implicit feedback</a:t>
+            </a:r>
+            <a:r>
+              <a:rPr lang="en" altLang="zh-CN" dirty="0"/>
+              <a:t> (e.g., views, clicks, time spent)</a:t>
+            </a:r>
+          </a:p>
+          <a:p>
+            <a:pPr lvl="1"/>
+            <a:endParaRPr lang="en" altLang="zh-CN" dirty="0"/>
+          </a:p>
+          <a:p>
+            <a:r>
+              <a:rPr lang="en" altLang="zh-CN" b="1" dirty="0"/>
+              <a:t>Use Case in E-commerce</a:t>
+            </a:r>
+          </a:p>
+          <a:p>
+            <a:endParaRPr lang="en" altLang="zh-CN" dirty="0"/>
+          </a:p>
+          <a:p>
+            <a:pPr lvl="1"/>
+            <a:r>
+              <a:rPr lang="en" altLang="zh-CN" dirty="0"/>
+              <a:t>Predict user preferences for products based on historical interactions</a:t>
+            </a:r>
+          </a:p>
+          <a:p>
+            <a:pPr lvl="1"/>
+            <a:endParaRPr lang="en" altLang="zh-CN" dirty="0"/>
+          </a:p>
+          <a:p>
+            <a:pPr lvl="1"/>
+            <a:r>
+              <a:rPr lang="en" altLang="zh-CN" dirty="0"/>
+              <a:t>Enable personalized product recommendations</a:t>
+            </a:r>
+          </a:p>
+          <a:p>
+            <a:pPr marL="457200" lvl="1" indent="0">
+              <a:buNone/>
+            </a:pPr>
+            <a:endParaRPr kumimoji="1" lang="en-US" altLang="zh-CN" dirty="0"/>
+          </a:p>
+          <a:p>
+            <a:pPr marL="3200400" lvl="7" indent="0">
+              <a:buNone/>
+            </a:pPr>
+            <a:r>
+              <a:rPr kumimoji="1" lang="en-US" altLang="zh-CN" dirty="0"/>
+              <a:t>	</a:t>
+            </a:r>
+            <a:endParaRPr kumimoji="1" lang="en-US" altLang="zh-CN" b="0" dirty="0">
+              <a:ea typeface="Cambria Math" panose="02040503050406030204" pitchFamily="18" charset="0"/>
+            </a:endParaRPr>
+          </a:p>
+          <a:p>
+            <a:pPr marL="457200" lvl="1" indent="0">
+              <a:buNone/>
+            </a:pPr>
+            <a:endParaRPr kumimoji="1" lang="en-US" altLang="zh-CN" dirty="0"/>
+          </a:p>
+          <a:p>
+            <a:pPr marL="914400" lvl="2" indent="0">
+              <a:buNone/>
+            </a:pPr>
+            <a:endParaRPr kumimoji="1" lang="en-US" altLang="zh-CN" dirty="0"/>
+          </a:p>
+          <a:p>
+            <a:pPr lvl="1"/>
+            <a:endParaRPr kumimoji="1" lang="zh-CN" altLang="en-US" dirty="0"/>
+          </a:p>
+        </p:txBody>
+      </p:sp>
     </p:spTree>
     <p:extLst>
       <p:ext uri="{BB962C8B-B14F-4D97-AF65-F5344CB8AC3E}">
-        <p14:creationId xmlns:p14="http://schemas.microsoft.com/office/powerpoint/2010/main" val="3488192999"/>
+        <p14:creationId xmlns:p14="http://schemas.microsoft.com/office/powerpoint/2010/main" val="3709549419"/>
       </p:ext>
     </p:extLst>
   </p:cSld>
@@ -13522,23 +14483,23 @@
               <a:t>SVD-</a:t>
             </a:r>
             <a:r>
-              <a:rPr lang="en-US" altLang="zh-CN" sz="4400" b="1" dirty="0"/>
+              <a:rPr lang="en-US" altLang="zh-CN" sz="2800" b="1" dirty="0"/>
               <a:t>Singular</a:t>
             </a:r>
             <a:r>
-              <a:rPr lang="zh-CN" altLang="en-US" sz="4400" b="1" dirty="0"/>
+              <a:rPr lang="zh-CN" altLang="en-US" sz="2800" b="1" dirty="0"/>
               <a:t> </a:t>
             </a:r>
             <a:r>
-              <a:rPr lang="en-US" altLang="zh-CN" sz="4400" b="1" dirty="0"/>
+              <a:rPr lang="en-US" altLang="zh-CN" sz="2800" b="1" dirty="0"/>
               <a:t>Value</a:t>
             </a:r>
             <a:r>
-              <a:rPr lang="zh-CN" altLang="en-US" sz="4400" b="1" dirty="0"/>
+              <a:rPr lang="zh-CN" altLang="en-US" sz="2800" b="1" dirty="0"/>
               <a:t> </a:t>
             </a:r>
             <a:r>
-              <a:rPr lang="en-US" altLang="zh-CN" sz="4400" b="1" dirty="0"/>
+              <a:rPr lang="en-US" altLang="zh-CN" sz="2800" b="1" dirty="0"/>
               <a:t>Decomposition</a:t>
             </a:r>
             <a:endParaRPr kumimoji="1" lang="zh-CN" altLang="en-US" sz="2800" b="1" dirty="0"/>
@@ -13547,10 +14508,10 @@
       </p:sp>
       <p:sp>
         <p:nvSpPr>
-          <p:cNvPr id="3" name="内容占位符 2">
+          <p:cNvPr id="5" name="内容占位符 4">
             <a:extLst>
               <a:ext uri="{FF2B5EF4-FFF2-40B4-BE49-F238E27FC236}">
-                <a16:creationId xmlns:a16="http://schemas.microsoft.com/office/drawing/2014/main" id="{2A032161-8894-C639-CAF8-3CAD12081B21}"/>
+                <a16:creationId xmlns:a16="http://schemas.microsoft.com/office/drawing/2014/main" id="{BCD7F3A1-D63C-A3C7-D612-EAAD67C389EF}"/>
               </a:ext>
             </a:extLst>
           </p:cNvPr>
@@ -13563,117 +14524,76 @@
         </p:nvSpPr>
         <p:spPr/>
         <p:txBody>
-          <a:bodyPr>
-            <a:normAutofit fontScale="85000" lnSpcReduction="20000"/>
-          </a:bodyPr>
+          <a:bodyPr/>
           <a:lstStyle/>
           <a:p>
             <a:r>
               <a:rPr kumimoji="1" lang="en-US" altLang="zh-CN" b="1" dirty="0"/>
-              <a:t>Advantages</a:t>
-            </a:r>
-          </a:p>
-          <a:p>
-            <a:endParaRPr kumimoji="1" lang="en-US" altLang="zh-CN" b="1" dirty="0"/>
-          </a:p>
-          <a:p>
-            <a:pPr lvl="1"/>
-            <a:r>
-              <a:rPr lang="en" altLang="zh-CN" dirty="0"/>
-              <a:t>High recommendation accuracy for dense datasets</a:t>
-            </a:r>
-          </a:p>
-          <a:p>
-            <a:pPr lvl="1"/>
-            <a:endParaRPr lang="en" altLang="zh-CN" dirty="0"/>
-          </a:p>
-          <a:p>
-            <a:pPr lvl="1"/>
-            <a:r>
-              <a:rPr lang="en" altLang="zh-CN" dirty="0"/>
-              <a:t>Theoretical robustness and interpretability</a:t>
-            </a:r>
-          </a:p>
-          <a:p>
-            <a:pPr lvl="1"/>
-            <a:endParaRPr lang="en" altLang="zh-CN" b="1" dirty="0"/>
-          </a:p>
-          <a:p>
-            <a:pPr lvl="1"/>
-            <a:r>
-              <a:rPr lang="en" altLang="zh-CN" dirty="0"/>
-              <a:t>Effective at uncovering hidden structure and correlations</a:t>
-            </a:r>
-          </a:p>
-          <a:p>
-            <a:pPr lvl="1"/>
-            <a:endParaRPr lang="en" altLang="zh-CN" dirty="0"/>
-          </a:p>
-          <a:p>
-            <a:r>
-              <a:rPr lang="en" altLang="zh-CN" b="1" dirty="0"/>
-              <a:t>Challenges</a:t>
-            </a:r>
-          </a:p>
-          <a:p>
-            <a:endParaRPr lang="en" altLang="zh-CN" dirty="0"/>
-          </a:p>
-          <a:p>
-            <a:pPr lvl="1"/>
-            <a:r>
-              <a:rPr lang="en" altLang="zh-CN" dirty="0"/>
-              <a:t>Computationally intensive for very large datasets</a:t>
-            </a:r>
-          </a:p>
-          <a:p>
-            <a:pPr lvl="1"/>
-            <a:r>
-              <a:rPr lang="en" altLang="zh-CN" dirty="0"/>
-              <a:t>Requires preprocessing to handle missing or sparse values</a:t>
-            </a:r>
-          </a:p>
-          <a:p>
-            <a:pPr lvl="1"/>
-            <a:r>
-              <a:rPr lang="en" altLang="zh-CN" dirty="0"/>
-              <a:t>Not natively supported in Apache Spark (needs manual or external implementation)</a:t>
-            </a:r>
-            <a:endParaRPr kumimoji="1" lang="en-US" altLang="zh-CN" dirty="0"/>
-          </a:p>
-          <a:p>
-            <a:pPr marL="3200400" lvl="7" indent="0">
-              <a:buNone/>
-            </a:pPr>
-            <a:r>
-              <a:rPr kumimoji="1" lang="en-US" altLang="zh-CN" dirty="0"/>
-              <a:t>	</a:t>
-            </a:r>
-            <a:endParaRPr kumimoji="1" lang="en-US" altLang="zh-CN" b="0" dirty="0">
-              <a:ea typeface="Cambria Math" panose="02040503050406030204" pitchFamily="18" charset="0"/>
-            </a:endParaRPr>
-          </a:p>
-          <a:p>
-            <a:pPr marL="457200" lvl="1" indent="0">
+              <a:t>What</a:t>
+            </a:r>
+            <a:r>
+              <a:rPr kumimoji="1" lang="zh-CN" altLang="en-US" b="1" dirty="0"/>
+              <a:t> </a:t>
+            </a:r>
+            <a:r>
+              <a:rPr kumimoji="1" lang="en-US" altLang="zh-CN" b="1" dirty="0"/>
+              <a:t>is</a:t>
+            </a:r>
+            <a:r>
+              <a:rPr kumimoji="1" lang="zh-CN" altLang="en-US" b="1" dirty="0"/>
+              <a:t> </a:t>
+            </a:r>
+            <a:r>
+              <a:rPr kumimoji="1" lang="en-US" altLang="zh-CN" b="1" dirty="0"/>
+              <a:t>SVD?</a:t>
+            </a:r>
+          </a:p>
+          <a:p>
+            <a:pPr marL="0" indent="0">
               <a:buNone/>
             </a:pPr>
             <a:endParaRPr kumimoji="1" lang="en-US" altLang="zh-CN" dirty="0"/>
           </a:p>
           <a:p>
-            <a:pPr marL="914400" lvl="2" indent="0">
-              <a:buNone/>
-            </a:pPr>
-            <a:endParaRPr kumimoji="1" lang="en-US" altLang="zh-CN" dirty="0"/>
-          </a:p>
-          <a:p>
-            <a:pPr lvl="1"/>
-            <a:endParaRPr kumimoji="1" lang="zh-CN" altLang="en-US" dirty="0"/>
+            <a:r>
+              <a:rPr kumimoji="1" lang="en-US" altLang="zh-CN" b="1" dirty="0"/>
+              <a:t>How</a:t>
+            </a:r>
+            <a:r>
+              <a:rPr kumimoji="1" lang="zh-CN" altLang="en-US" b="1" dirty="0"/>
+              <a:t> </a:t>
+            </a:r>
+            <a:r>
+              <a:rPr kumimoji="1" lang="en-US" altLang="zh-CN" b="1" dirty="0"/>
+              <a:t>it</a:t>
+            </a:r>
+            <a:r>
+              <a:rPr kumimoji="1" lang="zh-CN" altLang="en-US" b="1" dirty="0"/>
+              <a:t> </a:t>
+            </a:r>
+            <a:r>
+              <a:rPr kumimoji="1" lang="en-US" altLang="zh-CN" b="1" dirty="0"/>
+              <a:t>works?</a:t>
+            </a:r>
+          </a:p>
+          <a:p>
+            <a:endParaRPr kumimoji="1" lang="en-US" altLang="zh-CN" b="1" dirty="0"/>
+          </a:p>
+          <a:p>
+            <a:r>
+              <a:rPr kumimoji="1" lang="en-US" altLang="zh-CN" b="1" dirty="0"/>
+              <a:t>Advantages</a:t>
+            </a:r>
+          </a:p>
+          <a:p>
+            <a:endParaRPr lang="zh-CN" altLang="en-US" dirty="0"/>
           </a:p>
         </p:txBody>
       </p:sp>
     </p:spTree>
     <p:extLst>
       <p:ext uri="{BB962C8B-B14F-4D97-AF65-F5344CB8AC3E}">
-        <p14:creationId xmlns:p14="http://schemas.microsoft.com/office/powerpoint/2010/main" val="2478610344"/>
+        <p14:creationId xmlns:p14="http://schemas.microsoft.com/office/powerpoint/2010/main" val="1247885791"/>
       </p:ext>
     </p:extLst>
   </p:cSld>

--- a/Commerce Product Recommendation with Spark ML-PPT.pptx
+++ b/Commerce Product Recommendation with Spark ML-PPT.pptx
@@ -4474,7 +4474,7 @@
           <a:p>
             <a:fld id="{EE66854B-2726-6A41-B928-C4022C840B19}" type="datetimeFigureOut">
               <a:rPr kumimoji="1" lang="zh-CN" altLang="en-US" smtClean="0"/>
-              <a:t>2025/5/15</a:t>
+              <a:t>2025/5/21</a:t>
             </a:fld>
             <a:endParaRPr kumimoji="1" lang="zh-CN" altLang="en-US"/>
           </a:p>
@@ -4672,7 +4672,7 @@
           <a:p>
             <a:fld id="{EE66854B-2726-6A41-B928-C4022C840B19}" type="datetimeFigureOut">
               <a:rPr kumimoji="1" lang="zh-CN" altLang="en-US" smtClean="0"/>
-              <a:t>2025/5/15</a:t>
+              <a:t>2025/5/21</a:t>
             </a:fld>
             <a:endParaRPr kumimoji="1" lang="zh-CN" altLang="en-US"/>
           </a:p>
@@ -4880,7 +4880,7 @@
           <a:p>
             <a:fld id="{EE66854B-2726-6A41-B928-C4022C840B19}" type="datetimeFigureOut">
               <a:rPr kumimoji="1" lang="zh-CN" altLang="en-US" smtClean="0"/>
-              <a:t>2025/5/15</a:t>
+              <a:t>2025/5/21</a:t>
             </a:fld>
             <a:endParaRPr kumimoji="1" lang="zh-CN" altLang="en-US"/>
           </a:p>
@@ -5078,7 +5078,7 @@
           <a:p>
             <a:fld id="{EE66854B-2726-6A41-B928-C4022C840B19}" type="datetimeFigureOut">
               <a:rPr kumimoji="1" lang="zh-CN" altLang="en-US" smtClean="0"/>
-              <a:t>2025/5/15</a:t>
+              <a:t>2025/5/21</a:t>
             </a:fld>
             <a:endParaRPr kumimoji="1" lang="zh-CN" altLang="en-US"/>
           </a:p>
@@ -5353,7 +5353,7 @@
           <a:p>
             <a:fld id="{EE66854B-2726-6A41-B928-C4022C840B19}" type="datetimeFigureOut">
               <a:rPr kumimoji="1" lang="zh-CN" altLang="en-US" smtClean="0"/>
-              <a:t>2025/5/15</a:t>
+              <a:t>2025/5/21</a:t>
             </a:fld>
             <a:endParaRPr kumimoji="1" lang="zh-CN" altLang="en-US"/>
           </a:p>
@@ -5618,7 +5618,7 @@
           <a:p>
             <a:fld id="{EE66854B-2726-6A41-B928-C4022C840B19}" type="datetimeFigureOut">
               <a:rPr kumimoji="1" lang="zh-CN" altLang="en-US" smtClean="0"/>
-              <a:t>2025/5/15</a:t>
+              <a:t>2025/5/21</a:t>
             </a:fld>
             <a:endParaRPr kumimoji="1" lang="zh-CN" altLang="en-US"/>
           </a:p>
@@ -6030,7 +6030,7 @@
           <a:p>
             <a:fld id="{EE66854B-2726-6A41-B928-C4022C840B19}" type="datetimeFigureOut">
               <a:rPr kumimoji="1" lang="zh-CN" altLang="en-US" smtClean="0"/>
-              <a:t>2025/5/15</a:t>
+              <a:t>2025/5/21</a:t>
             </a:fld>
             <a:endParaRPr kumimoji="1" lang="zh-CN" altLang="en-US"/>
           </a:p>
@@ -6171,7 +6171,7 @@
           <a:p>
             <a:fld id="{EE66854B-2726-6A41-B928-C4022C840B19}" type="datetimeFigureOut">
               <a:rPr kumimoji="1" lang="zh-CN" altLang="en-US" smtClean="0"/>
-              <a:t>2025/5/15</a:t>
+              <a:t>2025/5/21</a:t>
             </a:fld>
             <a:endParaRPr kumimoji="1" lang="zh-CN" altLang="en-US"/>
           </a:p>
@@ -6284,7 +6284,7 @@
           <a:p>
             <a:fld id="{EE66854B-2726-6A41-B928-C4022C840B19}" type="datetimeFigureOut">
               <a:rPr kumimoji="1" lang="zh-CN" altLang="en-US" smtClean="0"/>
-              <a:t>2025/5/15</a:t>
+              <a:t>2025/5/21</a:t>
             </a:fld>
             <a:endParaRPr kumimoji="1" lang="zh-CN" altLang="en-US"/>
           </a:p>
@@ -6595,7 +6595,7 @@
           <a:p>
             <a:fld id="{EE66854B-2726-6A41-B928-C4022C840B19}" type="datetimeFigureOut">
               <a:rPr kumimoji="1" lang="zh-CN" altLang="en-US" smtClean="0"/>
-              <a:t>2025/5/15</a:t>
+              <a:t>2025/5/21</a:t>
             </a:fld>
             <a:endParaRPr kumimoji="1" lang="zh-CN" altLang="en-US"/>
           </a:p>
@@ -6883,7 +6883,7 @@
           <a:p>
             <a:fld id="{EE66854B-2726-6A41-B928-C4022C840B19}" type="datetimeFigureOut">
               <a:rPr kumimoji="1" lang="zh-CN" altLang="en-US" smtClean="0"/>
-              <a:t>2025/5/15</a:t>
+              <a:t>2025/5/21</a:t>
             </a:fld>
             <a:endParaRPr kumimoji="1" lang="zh-CN" altLang="en-US"/>
           </a:p>
@@ -7124,7 +7124,7 @@
           <a:p>
             <a:fld id="{EE66854B-2726-6A41-B928-C4022C840B19}" type="datetimeFigureOut">
               <a:rPr kumimoji="1" lang="zh-CN" altLang="en-US" smtClean="0"/>
-              <a:t>2025/5/15</a:t>
+              <a:t>2025/5/21</a:t>
             </a:fld>
             <a:endParaRPr kumimoji="1" lang="zh-CN" altLang="en-US"/>
           </a:p>
@@ -12005,7 +12005,7 @@
         </p:nvSpPr>
         <p:spPr>
           <a:xfrm>
-            <a:off x="803414" y="624295"/>
+            <a:off x="909740" y="624295"/>
             <a:ext cx="9288116" cy="646331"/>
           </a:xfrm>
           <a:prstGeom prst="rect">
@@ -12593,7 +12593,7 @@
         <p:spPr>
           <a:xfrm>
             <a:off x="1088334" y="152834"/>
-            <a:ext cx="7452691" cy="1200329"/>
+            <a:ext cx="7452691" cy="646331"/>
           </a:xfrm>
           <a:prstGeom prst="rect">
             <a:avLst/>
@@ -12613,18 +12613,7 @@
                 <a:ea typeface="等线" panose="02010600030101010101" pitchFamily="2" charset="-122"/>
                 <a:cs typeface="Times New Roman" panose="02020603050405020304" pitchFamily="18" charset="0"/>
               </a:rPr>
-              <a:t>Understanding HDFS </a:t>
-            </a:r>
-          </a:p>
-          <a:p>
-            <a:r>
-              <a:rPr lang="en-US" sz="3600" dirty="0">
-                <a:effectLst/>
-                <a:latin typeface="Aptos"/>
-                <a:ea typeface="等线" panose="02010600030101010101" pitchFamily="2" charset="-122"/>
-                <a:cs typeface="Times New Roman" panose="02020603050405020304" pitchFamily="18" charset="0"/>
-              </a:rPr>
-              <a:t>– Hadoop Distributed File System</a:t>
+              <a:t>HDFS – Hadoop Distributed File System</a:t>
             </a:r>
             <a:endParaRPr lang="en-US" sz="6000" dirty="0"/>
           </a:p>
